--- a/pictures/picovation.pptx
+++ b/pictures/picovation.pptx
@@ -6,9 +6,9 @@
   </p:sldMasterIdLst>
   <p:sldIdLst>
     <p:sldId id="257" r:id="rId2"/>
-    <p:sldId id="259" r:id="rId3"/>
-    <p:sldId id="260" r:id="rId4"/>
-    <p:sldId id="261" r:id="rId5"/>
+    <p:sldId id="278" r:id="rId3"/>
+    <p:sldId id="279" r:id="rId4"/>
+    <p:sldId id="260" r:id="rId5"/>
   </p:sldIdLst>
   <p:sldSz cx="12192000" cy="6858000"/>
   <p:notesSz cx="6858000" cy="9144000"/>
@@ -689,7 +689,7 @@
           <a:p>
             <a:fld id="{F49253E0-06C5-4072-9C84-F6FE16A4B26B}" type="datetimeFigureOut">
               <a:rPr lang="en-GB" smtClean="0"/>
-              <a:t>11/04/2023</a:t>
+              <a:t>25/08/2023</a:t>
             </a:fld>
             <a:endParaRPr lang="en-GB"/>
           </a:p>
@@ -889,7 +889,7 @@
           <a:p>
             <a:fld id="{F49253E0-06C5-4072-9C84-F6FE16A4B26B}" type="datetimeFigureOut">
               <a:rPr lang="en-GB" smtClean="0"/>
-              <a:t>11/04/2023</a:t>
+              <a:t>25/08/2023</a:t>
             </a:fld>
             <a:endParaRPr lang="en-GB"/>
           </a:p>
@@ -1099,7 +1099,7 @@
           <a:p>
             <a:fld id="{F49253E0-06C5-4072-9C84-F6FE16A4B26B}" type="datetimeFigureOut">
               <a:rPr lang="en-GB" smtClean="0"/>
-              <a:t>11/04/2023</a:t>
+              <a:t>25/08/2023</a:t>
             </a:fld>
             <a:endParaRPr lang="en-GB"/>
           </a:p>
@@ -1299,7 +1299,7 @@
           <a:p>
             <a:fld id="{F49253E0-06C5-4072-9C84-F6FE16A4B26B}" type="datetimeFigureOut">
               <a:rPr lang="en-GB" smtClean="0"/>
-              <a:t>11/04/2023</a:t>
+              <a:t>25/08/2023</a:t>
             </a:fld>
             <a:endParaRPr lang="en-GB"/>
           </a:p>
@@ -1575,7 +1575,7 @@
           <a:p>
             <a:fld id="{F49253E0-06C5-4072-9C84-F6FE16A4B26B}" type="datetimeFigureOut">
               <a:rPr lang="en-GB" smtClean="0"/>
-              <a:t>11/04/2023</a:t>
+              <a:t>25/08/2023</a:t>
             </a:fld>
             <a:endParaRPr lang="en-GB"/>
           </a:p>
@@ -1843,7 +1843,7 @@
           <a:p>
             <a:fld id="{F49253E0-06C5-4072-9C84-F6FE16A4B26B}" type="datetimeFigureOut">
               <a:rPr lang="en-GB" smtClean="0"/>
-              <a:t>11/04/2023</a:t>
+              <a:t>25/08/2023</a:t>
             </a:fld>
             <a:endParaRPr lang="en-GB"/>
           </a:p>
@@ -2258,7 +2258,7 @@
           <a:p>
             <a:fld id="{F49253E0-06C5-4072-9C84-F6FE16A4B26B}" type="datetimeFigureOut">
               <a:rPr lang="en-GB" smtClean="0"/>
-              <a:t>11/04/2023</a:t>
+              <a:t>25/08/2023</a:t>
             </a:fld>
             <a:endParaRPr lang="en-GB"/>
           </a:p>
@@ -2400,7 +2400,7 @@
           <a:p>
             <a:fld id="{F49253E0-06C5-4072-9C84-F6FE16A4B26B}" type="datetimeFigureOut">
               <a:rPr lang="en-GB" smtClean="0"/>
-              <a:t>11/04/2023</a:t>
+              <a:t>25/08/2023</a:t>
             </a:fld>
             <a:endParaRPr lang="en-GB"/>
           </a:p>
@@ -2513,7 +2513,7 @@
           <a:p>
             <a:fld id="{F49253E0-06C5-4072-9C84-F6FE16A4B26B}" type="datetimeFigureOut">
               <a:rPr lang="en-GB" smtClean="0"/>
-              <a:t>11/04/2023</a:t>
+              <a:t>25/08/2023</a:t>
             </a:fld>
             <a:endParaRPr lang="en-GB"/>
           </a:p>
@@ -2826,7 +2826,7 @@
           <a:p>
             <a:fld id="{F49253E0-06C5-4072-9C84-F6FE16A4B26B}" type="datetimeFigureOut">
               <a:rPr lang="en-GB" smtClean="0"/>
-              <a:t>11/04/2023</a:t>
+              <a:t>25/08/2023</a:t>
             </a:fld>
             <a:endParaRPr lang="en-GB"/>
           </a:p>
@@ -3115,7 +3115,7 @@
           <a:p>
             <a:fld id="{F49253E0-06C5-4072-9C84-F6FE16A4B26B}" type="datetimeFigureOut">
               <a:rPr lang="en-GB" smtClean="0"/>
-              <a:t>11/04/2023</a:t>
+              <a:t>25/08/2023</a:t>
             </a:fld>
             <a:endParaRPr lang="en-GB"/>
           </a:p>
@@ -3358,7 +3358,7 @@
           <a:p>
             <a:fld id="{F49253E0-06C5-4072-9C84-F6FE16A4B26B}" type="datetimeFigureOut">
               <a:rPr lang="en-GB" smtClean="0"/>
-              <a:t>11/04/2023</a:t>
+              <a:t>25/08/2023</a:t>
             </a:fld>
             <a:endParaRPr lang="en-GB"/>
           </a:p>
@@ -3777,10 +3777,10 @@
       </p:grpSpPr>
       <p:grpSp>
         <p:nvGrpSpPr>
-          <p:cNvPr id="4" name="Group 3">
+          <p:cNvPr id="20" name="Group 19">
             <a:extLst>
               <a:ext uri="{FF2B5EF4-FFF2-40B4-BE49-F238E27FC236}">
-                <a16:creationId xmlns:a16="http://schemas.microsoft.com/office/drawing/2014/main" id="{03BE49B8-E260-8F02-CBCF-1F396E123520}"/>
+                <a16:creationId xmlns:a16="http://schemas.microsoft.com/office/drawing/2014/main" id="{9519DA5A-832B-2BC9-31EA-FABCA4E853A8}"/>
               </a:ext>
             </a:extLst>
           </p:cNvPr>
@@ -3790,9 +3790,9 @@
         <p:grpSpPr>
           <a:xfrm>
             <a:off x="1211179" y="721894"/>
-            <a:ext cx="6703623" cy="2273969"/>
+            <a:ext cx="6703623" cy="3138447"/>
             <a:chOff x="1211179" y="721894"/>
-            <a:chExt cx="6703623" cy="2273969"/>
+            <a:chExt cx="6703623" cy="3138447"/>
           </a:xfrm>
         </p:grpSpPr>
         <p:sp>
@@ -3959,13 +3959,12 @@
             </p:cNvPr>
             <p:cNvCxnSpPr>
               <a:cxnSpLocks/>
-              <a:stCxn id="12" idx="1"/>
             </p:cNvCxnSpPr>
             <p:nvPr/>
           </p:nvCxnSpPr>
           <p:spPr>
             <a:xfrm flipV="1">
-              <a:off x="2919706" y="2246412"/>
+              <a:off x="2686234" y="2246412"/>
               <a:ext cx="0" cy="595563"/>
             </a:xfrm>
             <a:prstGeom prst="straightConnector1">
@@ -4125,8 +4124,8 @@
           </p:nvSpPr>
           <p:spPr>
             <a:xfrm>
-              <a:off x="2919706" y="2688086"/>
-              <a:ext cx="1932004" cy="307777"/>
+              <a:off x="2686234" y="2736726"/>
+              <a:ext cx="2154821" cy="307777"/>
             </a:xfrm>
             <a:prstGeom prst="rect">
               <a:avLst/>
@@ -4149,284 +4148,369 @@
               </a:r>
               <a:r>
                 <a:rPr lang="fr-FR" sz="1400" dirty="0"/>
-                <a:t> (GPIO)</a:t>
+                <a:t> (GPIO 14)</a:t>
+              </a:r>
+              <a:endParaRPr lang="en-GB" sz="1400" dirty="0"/>
+            </a:p>
+          </p:txBody>
+        </p:sp>
+        <p:cxnSp>
+          <p:nvCxnSpPr>
+            <p:cNvPr id="13" name="Straight Arrow Connector 12">
+              <a:extLst>
+                <a:ext uri="{FF2B5EF4-FFF2-40B4-BE49-F238E27FC236}">
+                  <a16:creationId xmlns:a16="http://schemas.microsoft.com/office/drawing/2014/main" id="{D1C2F33E-9E1A-22F1-4089-844FE94BA0A8}"/>
+                </a:ext>
+              </a:extLst>
+            </p:cNvPr>
+            <p:cNvCxnSpPr>
+              <a:cxnSpLocks/>
+            </p:cNvCxnSpPr>
+            <p:nvPr/>
+          </p:nvCxnSpPr>
+          <p:spPr>
+            <a:xfrm flipV="1">
+              <a:off x="2373549" y="2244845"/>
+              <a:ext cx="0" cy="871963"/>
+            </a:xfrm>
+            <a:prstGeom prst="straightConnector1">
+              <a:avLst/>
+            </a:prstGeom>
+            <a:ln>
+              <a:tailEnd type="triangle"/>
+            </a:ln>
+          </p:spPr>
+          <p:style>
+            <a:lnRef idx="1">
+              <a:schemeClr val="dk1"/>
+            </a:lnRef>
+            <a:fillRef idx="0">
+              <a:schemeClr val="dk1"/>
+            </a:fillRef>
+            <a:effectRef idx="0">
+              <a:schemeClr val="dk1"/>
+            </a:effectRef>
+            <a:fontRef idx="minor">
+              <a:schemeClr val="tx1"/>
+            </a:fontRef>
+          </p:style>
+        </p:cxnSp>
+        <p:sp>
+          <p:nvSpPr>
+            <p:cNvPr id="14" name="TextBox 13">
+              <a:extLst>
+                <a:ext uri="{FF2B5EF4-FFF2-40B4-BE49-F238E27FC236}">
+                  <a16:creationId xmlns:a16="http://schemas.microsoft.com/office/drawing/2014/main" id="{9A9CC73D-7199-A419-8AF9-93CD470183C8}"/>
+                </a:ext>
+              </a:extLst>
+            </p:cNvPr>
+            <p:cNvSpPr txBox="1"/>
+            <p:nvPr/>
+          </p:nvSpPr>
+          <p:spPr>
+            <a:xfrm>
+              <a:off x="2373549" y="2998145"/>
+              <a:ext cx="1840568" cy="307777"/>
+            </a:xfrm>
+            <a:prstGeom prst="rect">
+              <a:avLst/>
+            </a:prstGeom>
+            <a:noFill/>
+          </p:spPr>
+          <p:txBody>
+            <a:bodyPr wrap="none" rtlCol="0">
+              <a:spAutoFit/>
+            </a:bodyPr>
+            <a:lstStyle/>
+            <a:p>
+              <a:r>
+                <a:rPr lang="fr-FR" sz="1400" dirty="0"/>
+                <a:t>PAUSE </a:t>
+              </a:r>
+              <a:r>
+                <a:rPr lang="fr-FR" sz="1400" dirty="0" err="1"/>
+                <a:t>pedal</a:t>
+              </a:r>
+              <a:r>
+                <a:rPr lang="fr-FR" sz="1400" dirty="0"/>
+                <a:t> (GPIO 12)</a:t>
+              </a:r>
+              <a:endParaRPr lang="en-GB" sz="1400" dirty="0"/>
+            </a:p>
+          </p:txBody>
+        </p:sp>
+        <p:cxnSp>
+          <p:nvCxnSpPr>
+            <p:cNvPr id="15" name="Straight Arrow Connector 14">
+              <a:extLst>
+                <a:ext uri="{FF2B5EF4-FFF2-40B4-BE49-F238E27FC236}">
+                  <a16:creationId xmlns:a16="http://schemas.microsoft.com/office/drawing/2014/main" id="{04F87AEC-A98B-E684-C8D3-22821DF228B9}"/>
+                </a:ext>
+              </a:extLst>
+            </p:cNvPr>
+            <p:cNvCxnSpPr>
+              <a:cxnSpLocks/>
+            </p:cNvCxnSpPr>
+            <p:nvPr/>
+          </p:nvCxnSpPr>
+          <p:spPr>
+            <a:xfrm flipV="1">
+              <a:off x="1619426" y="2252940"/>
+              <a:ext cx="0" cy="1160583"/>
+            </a:xfrm>
+            <a:prstGeom prst="straightConnector1">
+              <a:avLst/>
+            </a:prstGeom>
+            <a:ln>
+              <a:tailEnd type="triangle"/>
+            </a:ln>
+          </p:spPr>
+          <p:style>
+            <a:lnRef idx="1">
+              <a:schemeClr val="dk1"/>
+            </a:lnRef>
+            <a:fillRef idx="0">
+              <a:schemeClr val="dk1"/>
+            </a:fillRef>
+            <a:effectRef idx="0">
+              <a:schemeClr val="dk1"/>
+            </a:effectRef>
+            <a:fontRef idx="minor">
+              <a:schemeClr val="tx1"/>
+            </a:fontRef>
+          </p:style>
+        </p:cxnSp>
+        <p:sp>
+          <p:nvSpPr>
+            <p:cNvPr id="16" name="TextBox 15">
+              <a:extLst>
+                <a:ext uri="{FF2B5EF4-FFF2-40B4-BE49-F238E27FC236}">
+                  <a16:creationId xmlns:a16="http://schemas.microsoft.com/office/drawing/2014/main" id="{9B55E197-6A27-1D70-AF9E-DB0B5CFF6D2B}"/>
+                </a:ext>
+              </a:extLst>
+            </p:cNvPr>
+            <p:cNvSpPr txBox="1"/>
+            <p:nvPr/>
+          </p:nvSpPr>
+          <p:spPr>
+            <a:xfrm>
+              <a:off x="1619426" y="3300322"/>
+              <a:ext cx="2143536" cy="307777"/>
+            </a:xfrm>
+            <a:prstGeom prst="rect">
+              <a:avLst/>
+            </a:prstGeom>
+            <a:noFill/>
+          </p:spPr>
+          <p:txBody>
+            <a:bodyPr wrap="none" rtlCol="0">
+              <a:spAutoFit/>
+            </a:bodyPr>
+            <a:lstStyle/>
+            <a:p>
+              <a:r>
+                <a:rPr lang="fr-FR" sz="1400" dirty="0"/>
+                <a:t>NEXT </a:t>
+              </a:r>
+              <a:r>
+                <a:rPr lang="fr-FR" sz="1400" dirty="0" err="1"/>
+                <a:t>song</a:t>
+              </a:r>
+              <a:r>
+                <a:rPr lang="fr-FR" sz="1400" dirty="0"/>
+                <a:t> </a:t>
+              </a:r>
+              <a:r>
+                <a:rPr lang="fr-FR" sz="1400" dirty="0" err="1"/>
+                <a:t>pedal</a:t>
+              </a:r>
+              <a:r>
+                <a:rPr lang="fr-FR" sz="1400" dirty="0"/>
+                <a:t> (GPIO 15)</a:t>
+              </a:r>
+              <a:endParaRPr lang="en-GB" sz="1400" dirty="0"/>
+            </a:p>
+          </p:txBody>
+        </p:sp>
+        <p:cxnSp>
+          <p:nvCxnSpPr>
+            <p:cNvPr id="17" name="Straight Arrow Connector 16">
+              <a:extLst>
+                <a:ext uri="{FF2B5EF4-FFF2-40B4-BE49-F238E27FC236}">
+                  <a16:creationId xmlns:a16="http://schemas.microsoft.com/office/drawing/2014/main" id="{D6A596D3-F4B8-A645-B56B-D86C6B61147B}"/>
+                </a:ext>
+              </a:extLst>
+            </p:cNvPr>
+            <p:cNvCxnSpPr>
+              <a:cxnSpLocks/>
+            </p:cNvCxnSpPr>
+            <p:nvPr/>
+          </p:nvCxnSpPr>
+          <p:spPr>
+            <a:xfrm flipV="1">
+              <a:off x="1304119" y="2257192"/>
+              <a:ext cx="0" cy="1404305"/>
+            </a:xfrm>
+            <a:prstGeom prst="straightConnector1">
+              <a:avLst/>
+            </a:prstGeom>
+            <a:ln>
+              <a:tailEnd type="triangle"/>
+            </a:ln>
+          </p:spPr>
+          <p:style>
+            <a:lnRef idx="1">
+              <a:schemeClr val="dk1"/>
+            </a:lnRef>
+            <a:fillRef idx="0">
+              <a:schemeClr val="dk1"/>
+            </a:fillRef>
+            <a:effectRef idx="0">
+              <a:schemeClr val="dk1"/>
+            </a:effectRef>
+            <a:fontRef idx="minor">
+              <a:schemeClr val="tx1"/>
+            </a:fontRef>
+          </p:style>
+        </p:cxnSp>
+        <p:sp>
+          <p:nvSpPr>
+            <p:cNvPr id="18" name="TextBox 17">
+              <a:extLst>
+                <a:ext uri="{FF2B5EF4-FFF2-40B4-BE49-F238E27FC236}">
+                  <a16:creationId xmlns:a16="http://schemas.microsoft.com/office/drawing/2014/main" id="{C1BAE9BC-FAAE-02F0-0276-42B84222A4D4}"/>
+                </a:ext>
+              </a:extLst>
+            </p:cNvPr>
+            <p:cNvSpPr txBox="1"/>
+            <p:nvPr/>
+          </p:nvSpPr>
+          <p:spPr>
+            <a:xfrm>
+              <a:off x="1304119" y="3552564"/>
+              <a:ext cx="2501006" cy="307777"/>
+            </a:xfrm>
+            <a:prstGeom prst="rect">
+              <a:avLst/>
+            </a:prstGeom>
+            <a:noFill/>
+          </p:spPr>
+          <p:txBody>
+            <a:bodyPr wrap="none" rtlCol="0">
+              <a:spAutoFit/>
+            </a:bodyPr>
+            <a:lstStyle/>
+            <a:p>
+              <a:r>
+                <a:rPr lang="fr-FR" sz="1400" dirty="0"/>
+                <a:t>PREVIOUS </a:t>
+              </a:r>
+              <a:r>
+                <a:rPr lang="fr-FR" sz="1400" dirty="0" err="1"/>
+                <a:t>song</a:t>
+              </a:r>
+              <a:r>
+                <a:rPr lang="fr-FR" sz="1400" dirty="0"/>
+                <a:t> </a:t>
+              </a:r>
+              <a:r>
+                <a:rPr lang="fr-FR" sz="1400" dirty="0" err="1"/>
+                <a:t>pedal</a:t>
+              </a:r>
+              <a:r>
+                <a:rPr lang="fr-FR" sz="1400" dirty="0"/>
+                <a:t> (GPIO 11)</a:t>
+              </a:r>
+              <a:endParaRPr lang="en-GB" sz="1400" dirty="0"/>
+            </a:p>
+          </p:txBody>
+        </p:sp>
+        <p:cxnSp>
+          <p:nvCxnSpPr>
+            <p:cNvPr id="6" name="Straight Arrow Connector 5">
+              <a:extLst>
+                <a:ext uri="{FF2B5EF4-FFF2-40B4-BE49-F238E27FC236}">
+                  <a16:creationId xmlns:a16="http://schemas.microsoft.com/office/drawing/2014/main" id="{4E04AD6F-CABA-FB06-4620-DD7B20D449AC}"/>
+                </a:ext>
+              </a:extLst>
+            </p:cNvPr>
+            <p:cNvCxnSpPr>
+              <a:cxnSpLocks/>
+            </p:cNvCxnSpPr>
+            <p:nvPr/>
+          </p:nvCxnSpPr>
+          <p:spPr>
+            <a:xfrm flipV="1">
+              <a:off x="2994278" y="2243166"/>
+              <a:ext cx="0" cy="334664"/>
+            </a:xfrm>
+            <a:prstGeom prst="straightConnector1">
+              <a:avLst/>
+            </a:prstGeom>
+            <a:ln>
+              <a:tailEnd type="triangle"/>
+            </a:ln>
+          </p:spPr>
+          <p:style>
+            <a:lnRef idx="1">
+              <a:schemeClr val="dk1"/>
+            </a:lnRef>
+            <a:fillRef idx="0">
+              <a:schemeClr val="dk1"/>
+            </a:fillRef>
+            <a:effectRef idx="0">
+              <a:schemeClr val="dk1"/>
+            </a:effectRef>
+            <a:fontRef idx="minor">
+              <a:schemeClr val="tx1"/>
+            </a:fontRef>
+          </p:style>
+        </p:cxnSp>
+        <p:sp>
+          <p:nvSpPr>
+            <p:cNvPr id="8" name="TextBox 7">
+              <a:extLst>
+                <a:ext uri="{FF2B5EF4-FFF2-40B4-BE49-F238E27FC236}">
+                  <a16:creationId xmlns:a16="http://schemas.microsoft.com/office/drawing/2014/main" id="{1938B16F-5515-20F5-A03B-4D72ACCDD117}"/>
+                </a:ext>
+              </a:extLst>
+            </p:cNvPr>
+            <p:cNvSpPr txBox="1"/>
+            <p:nvPr/>
+          </p:nvSpPr>
+          <p:spPr>
+            <a:xfrm>
+              <a:off x="2994278" y="2422192"/>
+              <a:ext cx="2227276" cy="307777"/>
+            </a:xfrm>
+            <a:prstGeom prst="rect">
+              <a:avLst/>
+            </a:prstGeom>
+            <a:noFill/>
+          </p:spPr>
+          <p:txBody>
+            <a:bodyPr wrap="none" rtlCol="0">
+              <a:spAutoFit/>
+            </a:bodyPr>
+            <a:lstStyle/>
+            <a:p>
+              <a:r>
+                <a:rPr lang="fr-FR" sz="1400" dirty="0"/>
+                <a:t>TAP TEMPO </a:t>
+              </a:r>
+              <a:r>
+                <a:rPr lang="fr-FR" sz="1400" dirty="0" err="1"/>
+                <a:t>pedal</a:t>
+              </a:r>
+              <a:r>
+                <a:rPr lang="fr-FR" sz="1400" dirty="0"/>
+                <a:t> (GPIO 13)</a:t>
               </a:r>
               <a:endParaRPr lang="en-GB" sz="1400" dirty="0"/>
             </a:p>
           </p:txBody>
         </p:sp>
       </p:grpSp>
-      <p:cxnSp>
-        <p:nvCxnSpPr>
-          <p:cNvPr id="13" name="Straight Arrow Connector 12">
-            <a:extLst>
-              <a:ext uri="{FF2B5EF4-FFF2-40B4-BE49-F238E27FC236}">
-                <a16:creationId xmlns:a16="http://schemas.microsoft.com/office/drawing/2014/main" id="{D1C2F33E-9E1A-22F1-4089-844FE94BA0A8}"/>
-              </a:ext>
-            </a:extLst>
-          </p:cNvPr>
-          <p:cNvCxnSpPr>
-            <a:cxnSpLocks/>
-          </p:cNvCxnSpPr>
-          <p:nvPr/>
-        </p:nvCxnSpPr>
-        <p:spPr>
-          <a:xfrm flipV="1">
-            <a:off x="2607021" y="2244845"/>
-            <a:ext cx="0" cy="871963"/>
-          </a:xfrm>
-          <a:prstGeom prst="straightConnector1">
-            <a:avLst/>
-          </a:prstGeom>
-          <a:ln>
-            <a:tailEnd type="triangle"/>
-          </a:ln>
-        </p:spPr>
-        <p:style>
-          <a:lnRef idx="1">
-            <a:schemeClr val="dk1"/>
-          </a:lnRef>
-          <a:fillRef idx="0">
-            <a:schemeClr val="dk1"/>
-          </a:fillRef>
-          <a:effectRef idx="0">
-            <a:schemeClr val="dk1"/>
-          </a:effectRef>
-          <a:fontRef idx="minor">
-            <a:schemeClr val="tx1"/>
-          </a:fontRef>
-        </p:style>
-      </p:cxnSp>
-      <p:sp>
-        <p:nvSpPr>
-          <p:cNvPr id="14" name="TextBox 13">
-            <a:extLst>
-              <a:ext uri="{FF2B5EF4-FFF2-40B4-BE49-F238E27FC236}">
-                <a16:creationId xmlns:a16="http://schemas.microsoft.com/office/drawing/2014/main" id="{9A9CC73D-7199-A419-8AF9-93CD470183C8}"/>
-              </a:ext>
-            </a:extLst>
-          </p:cNvPr>
-          <p:cNvSpPr txBox="1"/>
-          <p:nvPr/>
-        </p:nvSpPr>
-        <p:spPr>
-          <a:xfrm>
-            <a:off x="2607021" y="2998145"/>
-            <a:ext cx="1617751" cy="307777"/>
-          </a:xfrm>
-          <a:prstGeom prst="rect">
-            <a:avLst/>
-          </a:prstGeom>
-          <a:noFill/>
-        </p:spPr>
-        <p:txBody>
-          <a:bodyPr wrap="none" rtlCol="0">
-            <a:spAutoFit/>
-          </a:bodyPr>
-          <a:lstStyle/>
-          <a:p>
-            <a:r>
-              <a:rPr lang="fr-FR" sz="1400" dirty="0"/>
-              <a:t>PAUSE </a:t>
-            </a:r>
-            <a:r>
-              <a:rPr lang="fr-FR" sz="1400" dirty="0" err="1"/>
-              <a:t>pedal</a:t>
-            </a:r>
-            <a:r>
-              <a:rPr lang="fr-FR" sz="1400" dirty="0"/>
-              <a:t> (GPIO)</a:t>
-            </a:r>
-            <a:endParaRPr lang="en-GB" sz="1400" dirty="0"/>
-          </a:p>
-        </p:txBody>
-      </p:sp>
-      <p:cxnSp>
-        <p:nvCxnSpPr>
-          <p:cNvPr id="15" name="Straight Arrow Connector 14">
-            <a:extLst>
-              <a:ext uri="{FF2B5EF4-FFF2-40B4-BE49-F238E27FC236}">
-                <a16:creationId xmlns:a16="http://schemas.microsoft.com/office/drawing/2014/main" id="{04F87AEC-A98B-E684-C8D3-22821DF228B9}"/>
-              </a:ext>
-            </a:extLst>
-          </p:cNvPr>
-          <p:cNvCxnSpPr>
-            <a:cxnSpLocks/>
-          </p:cNvCxnSpPr>
-          <p:nvPr/>
-        </p:nvCxnSpPr>
-        <p:spPr>
-          <a:xfrm flipV="1">
-            <a:off x="1852898" y="2252940"/>
-            <a:ext cx="0" cy="1160583"/>
-          </a:xfrm>
-          <a:prstGeom prst="straightConnector1">
-            <a:avLst/>
-          </a:prstGeom>
-          <a:ln>
-            <a:tailEnd type="triangle"/>
-          </a:ln>
-        </p:spPr>
-        <p:style>
-          <a:lnRef idx="1">
-            <a:schemeClr val="dk1"/>
-          </a:lnRef>
-          <a:fillRef idx="0">
-            <a:schemeClr val="dk1"/>
-          </a:fillRef>
-          <a:effectRef idx="0">
-            <a:schemeClr val="dk1"/>
-          </a:effectRef>
-          <a:fontRef idx="minor">
-            <a:schemeClr val="tx1"/>
-          </a:fontRef>
-        </p:style>
-      </p:cxnSp>
-      <p:sp>
-        <p:nvSpPr>
-          <p:cNvPr id="16" name="TextBox 15">
-            <a:extLst>
-              <a:ext uri="{FF2B5EF4-FFF2-40B4-BE49-F238E27FC236}">
-                <a16:creationId xmlns:a16="http://schemas.microsoft.com/office/drawing/2014/main" id="{9B55E197-6A27-1D70-AF9E-DB0B5CFF6D2B}"/>
-              </a:ext>
-            </a:extLst>
-          </p:cNvPr>
-          <p:cNvSpPr txBox="1"/>
-          <p:nvPr/>
-        </p:nvSpPr>
-        <p:spPr>
-          <a:xfrm>
-            <a:off x="1852898" y="3300322"/>
-            <a:ext cx="1920719" cy="307777"/>
-          </a:xfrm>
-          <a:prstGeom prst="rect">
-            <a:avLst/>
-          </a:prstGeom>
-          <a:noFill/>
-        </p:spPr>
-        <p:txBody>
-          <a:bodyPr wrap="none" rtlCol="0">
-            <a:spAutoFit/>
-          </a:bodyPr>
-          <a:lstStyle/>
-          <a:p>
-            <a:r>
-              <a:rPr lang="fr-FR" sz="1400" dirty="0"/>
-              <a:t>NEXT </a:t>
-            </a:r>
-            <a:r>
-              <a:rPr lang="fr-FR" sz="1400" dirty="0" err="1"/>
-              <a:t>song</a:t>
-            </a:r>
-            <a:r>
-              <a:rPr lang="fr-FR" sz="1400" dirty="0"/>
-              <a:t> </a:t>
-            </a:r>
-            <a:r>
-              <a:rPr lang="fr-FR" sz="1400" dirty="0" err="1"/>
-              <a:t>pedal</a:t>
-            </a:r>
-            <a:r>
-              <a:rPr lang="fr-FR" sz="1400" dirty="0"/>
-              <a:t> (GPIO)</a:t>
-            </a:r>
-            <a:endParaRPr lang="en-GB" sz="1400" dirty="0"/>
-          </a:p>
-        </p:txBody>
-      </p:sp>
-      <p:cxnSp>
-        <p:nvCxnSpPr>
-          <p:cNvPr id="17" name="Straight Arrow Connector 16">
-            <a:extLst>
-              <a:ext uri="{FF2B5EF4-FFF2-40B4-BE49-F238E27FC236}">
-                <a16:creationId xmlns:a16="http://schemas.microsoft.com/office/drawing/2014/main" id="{D6A596D3-F4B8-A645-B56B-D86C6B61147B}"/>
-              </a:ext>
-            </a:extLst>
-          </p:cNvPr>
-          <p:cNvCxnSpPr>
-            <a:cxnSpLocks/>
-          </p:cNvCxnSpPr>
-          <p:nvPr/>
-        </p:nvCxnSpPr>
-        <p:spPr>
-          <a:xfrm flipV="1">
-            <a:off x="1537591" y="2257192"/>
-            <a:ext cx="0" cy="1404305"/>
-          </a:xfrm>
-          <a:prstGeom prst="straightConnector1">
-            <a:avLst/>
-          </a:prstGeom>
-          <a:ln>
-            <a:tailEnd type="triangle"/>
-          </a:ln>
-        </p:spPr>
-        <p:style>
-          <a:lnRef idx="1">
-            <a:schemeClr val="dk1"/>
-          </a:lnRef>
-          <a:fillRef idx="0">
-            <a:schemeClr val="dk1"/>
-          </a:fillRef>
-          <a:effectRef idx="0">
-            <a:schemeClr val="dk1"/>
-          </a:effectRef>
-          <a:fontRef idx="minor">
-            <a:schemeClr val="tx1"/>
-          </a:fontRef>
-        </p:style>
-      </p:cxnSp>
-      <p:sp>
-        <p:nvSpPr>
-          <p:cNvPr id="18" name="TextBox 17">
-            <a:extLst>
-              <a:ext uri="{FF2B5EF4-FFF2-40B4-BE49-F238E27FC236}">
-                <a16:creationId xmlns:a16="http://schemas.microsoft.com/office/drawing/2014/main" id="{C1BAE9BC-FAAE-02F0-0276-42B84222A4D4}"/>
-              </a:ext>
-            </a:extLst>
-          </p:cNvPr>
-          <p:cNvSpPr txBox="1"/>
-          <p:nvPr/>
-        </p:nvSpPr>
-        <p:spPr>
-          <a:xfrm>
-            <a:off x="1537591" y="3552564"/>
-            <a:ext cx="2278188" cy="307777"/>
-          </a:xfrm>
-          <a:prstGeom prst="rect">
-            <a:avLst/>
-          </a:prstGeom>
-          <a:noFill/>
-        </p:spPr>
-        <p:txBody>
-          <a:bodyPr wrap="none" rtlCol="0">
-            <a:spAutoFit/>
-          </a:bodyPr>
-          <a:lstStyle/>
-          <a:p>
-            <a:r>
-              <a:rPr lang="fr-FR" sz="1400" dirty="0"/>
-              <a:t>PREVIOUS </a:t>
-            </a:r>
-            <a:r>
-              <a:rPr lang="fr-FR" sz="1400" dirty="0" err="1"/>
-              <a:t>song</a:t>
-            </a:r>
-            <a:r>
-              <a:rPr lang="fr-FR" sz="1400" dirty="0"/>
-              <a:t> </a:t>
-            </a:r>
-            <a:r>
-              <a:rPr lang="fr-FR" sz="1400" dirty="0" err="1"/>
-              <a:t>pedal</a:t>
-            </a:r>
-            <a:r>
-              <a:rPr lang="fr-FR" sz="1400" dirty="0"/>
-              <a:t> (GPIO)</a:t>
-            </a:r>
-            <a:endParaRPr lang="en-GB" sz="1400" dirty="0"/>
-          </a:p>
-        </p:txBody>
-      </p:sp>
     </p:spTree>
     <p:extLst>
       <p:ext uri="{BB962C8B-B14F-4D97-AF65-F5344CB8AC3E}">
@@ -4459,10 +4543,10 @@
       </p:grpSpPr>
       <p:grpSp>
         <p:nvGrpSpPr>
-          <p:cNvPr id="2" name="Group 1">
+          <p:cNvPr id="10" name="Group 9">
             <a:extLst>
               <a:ext uri="{FF2B5EF4-FFF2-40B4-BE49-F238E27FC236}">
-                <a16:creationId xmlns:a16="http://schemas.microsoft.com/office/drawing/2014/main" id="{D1C5AC17-07D0-57EA-716E-EA33E47D821A}"/>
+                <a16:creationId xmlns:a16="http://schemas.microsoft.com/office/drawing/2014/main" id="{0EE4D36D-15ED-39D7-EAEB-E96A96DE98B1}"/>
               </a:ext>
             </a:extLst>
           </p:cNvPr>
@@ -4471,18 +4555,1817 @@
         </p:nvGrpSpPr>
         <p:grpSpPr>
           <a:xfrm>
-            <a:off x="4379495" y="-292640"/>
-            <a:ext cx="4692652" cy="7064279"/>
-            <a:chOff x="4379495" y="-292640"/>
-            <a:chExt cx="4692652" cy="7064279"/>
+            <a:off x="1509381" y="355819"/>
+            <a:ext cx="7396079" cy="4627172"/>
+            <a:chOff x="1509381" y="355819"/>
+            <a:chExt cx="7396079" cy="4627172"/>
+          </a:xfrm>
+        </p:grpSpPr>
+        <p:grpSp>
+          <p:nvGrpSpPr>
+            <p:cNvPr id="118" name="Group 117">
+              <a:extLst>
+                <a:ext uri="{FF2B5EF4-FFF2-40B4-BE49-F238E27FC236}">
+                  <a16:creationId xmlns:a16="http://schemas.microsoft.com/office/drawing/2014/main" id="{75275685-0263-039A-AD30-245575BC96B1}"/>
+                </a:ext>
+              </a:extLst>
+            </p:cNvPr>
+            <p:cNvGrpSpPr/>
+            <p:nvPr/>
+          </p:nvGrpSpPr>
+          <p:grpSpPr>
+            <a:xfrm>
+              <a:off x="1509381" y="355819"/>
+              <a:ext cx="7396079" cy="1089328"/>
+              <a:chOff x="1509381" y="355819"/>
+              <a:chExt cx="7396079" cy="1089328"/>
+            </a:xfrm>
+          </p:grpSpPr>
+          <p:sp>
+            <p:nvSpPr>
+              <p:cNvPr id="2" name="Rectangle 1">
+                <a:extLst>
+                  <a:ext uri="{FF2B5EF4-FFF2-40B4-BE49-F238E27FC236}">
+                    <a16:creationId xmlns:a16="http://schemas.microsoft.com/office/drawing/2014/main" id="{E9FE68F2-2B55-AD16-D266-D49618C9509C}"/>
+                  </a:ext>
+                </a:extLst>
+              </p:cNvPr>
+              <p:cNvSpPr/>
+              <p:nvPr/>
+            </p:nvSpPr>
+            <p:spPr>
+              <a:xfrm>
+                <a:off x="3289759" y="355819"/>
+                <a:ext cx="5615701" cy="1089328"/>
+              </a:xfrm>
+              <a:prstGeom prst="rect">
+                <a:avLst/>
+              </a:prstGeom>
+              <a:noFill/>
+            </p:spPr>
+            <p:style>
+              <a:lnRef idx="2">
+                <a:schemeClr val="accent1">
+                  <a:shade val="15000"/>
+                </a:schemeClr>
+              </a:lnRef>
+              <a:fillRef idx="1">
+                <a:schemeClr val="accent1"/>
+              </a:fillRef>
+              <a:effectRef idx="0">
+                <a:schemeClr val="accent1"/>
+              </a:effectRef>
+              <a:fontRef idx="minor">
+                <a:schemeClr val="lt1"/>
+              </a:fontRef>
+            </p:style>
+            <p:txBody>
+              <a:bodyPr rtlCol="0" anchor="ctr"/>
+              <a:lstStyle/>
+              <a:p>
+                <a:pPr algn="ctr"/>
+                <a:endParaRPr lang="en-GB" sz="800">
+                  <a:solidFill>
+                    <a:schemeClr val="tx1"/>
+                  </a:solidFill>
+                </a:endParaRPr>
+              </a:p>
+            </p:txBody>
+          </p:sp>
+          <p:cxnSp>
+            <p:nvCxnSpPr>
+              <p:cNvPr id="6" name="Straight Arrow Connector 5">
+                <a:extLst>
+                  <a:ext uri="{FF2B5EF4-FFF2-40B4-BE49-F238E27FC236}">
+                    <a16:creationId xmlns:a16="http://schemas.microsoft.com/office/drawing/2014/main" id="{C037CDB5-16FA-748A-25FA-E9D1D1387193}"/>
+                  </a:ext>
+                </a:extLst>
+              </p:cNvPr>
+              <p:cNvCxnSpPr>
+                <a:cxnSpLocks/>
+                <a:stCxn id="2" idx="1"/>
+              </p:cNvCxnSpPr>
+              <p:nvPr/>
+            </p:nvCxnSpPr>
+            <p:spPr>
+              <a:xfrm flipH="1">
+                <a:off x="2337684" y="900483"/>
+                <a:ext cx="952075" cy="0"/>
+              </a:xfrm>
+              <a:prstGeom prst="straightConnector1">
+                <a:avLst/>
+              </a:prstGeom>
+              <a:ln w="28575">
+                <a:solidFill>
+                  <a:schemeClr val="tx1"/>
+                </a:solidFill>
+                <a:tailEnd type="triangle"/>
+              </a:ln>
+            </p:spPr>
+            <p:style>
+              <a:lnRef idx="1">
+                <a:schemeClr val="accent1"/>
+              </a:lnRef>
+              <a:fillRef idx="0">
+                <a:schemeClr val="accent1"/>
+              </a:fillRef>
+              <a:effectRef idx="0">
+                <a:schemeClr val="accent1"/>
+              </a:effectRef>
+              <a:fontRef idx="minor">
+                <a:schemeClr val="tx1"/>
+              </a:fontRef>
+            </p:style>
+          </p:cxnSp>
+          <p:sp>
+            <p:nvSpPr>
+              <p:cNvPr id="7" name="TextBox 113">
+                <a:extLst>
+                  <a:ext uri="{FF2B5EF4-FFF2-40B4-BE49-F238E27FC236}">
+                    <a16:creationId xmlns:a16="http://schemas.microsoft.com/office/drawing/2014/main" id="{29E1EE90-C7F3-3FD2-A12C-3FB129F5CBFD}"/>
+                  </a:ext>
+                </a:extLst>
+              </p:cNvPr>
+              <p:cNvSpPr txBox="1"/>
+              <p:nvPr/>
+            </p:nvSpPr>
+            <p:spPr>
+              <a:xfrm>
+                <a:off x="1509381" y="508403"/>
+                <a:ext cx="1707840" cy="738664"/>
+              </a:xfrm>
+              <a:prstGeom prst="rect">
+                <a:avLst/>
+              </a:prstGeom>
+              <a:noFill/>
+            </p:spPr>
+            <p:txBody>
+              <a:bodyPr wrap="none" rtlCol="0">
+                <a:spAutoFit/>
+              </a:bodyPr>
+              <a:lstStyle/>
+              <a:p>
+                <a:r>
+                  <a:rPr lang="fr-FR" sz="1400" dirty="0"/>
+                  <a:t>To USB slave</a:t>
+                </a:r>
+                <a:br>
+                  <a:rPr lang="fr-FR" sz="1400" dirty="0"/>
+                </a:br>
+                <a:r>
+                  <a:rPr lang="fr-FR" sz="1400" dirty="0" err="1"/>
+                  <a:t>device</a:t>
+                </a:r>
+                <a:br>
+                  <a:rPr lang="fr-FR" sz="1400" dirty="0"/>
+                </a:br>
+                <a:r>
+                  <a:rPr lang="fr-FR" sz="1400" dirty="0"/>
+                  <a:t>(</a:t>
+                </a:r>
+                <a:r>
+                  <a:rPr lang="fr-FR" sz="1400" dirty="0" err="1"/>
+                  <a:t>eg</a:t>
+                </a:r>
+                <a:r>
+                  <a:rPr lang="fr-FR" sz="1400" dirty="0"/>
+                  <a:t>. Novation circuit)</a:t>
+                </a:r>
+              </a:p>
+            </p:txBody>
+          </p:sp>
+          <p:sp>
+            <p:nvSpPr>
+              <p:cNvPr id="104" name="Oval 103">
+                <a:extLst>
+                  <a:ext uri="{FF2B5EF4-FFF2-40B4-BE49-F238E27FC236}">
+                    <a16:creationId xmlns:a16="http://schemas.microsoft.com/office/drawing/2014/main" id="{95265241-7F96-6AE5-5508-0E788C9D91B8}"/>
+                  </a:ext>
+                </a:extLst>
+              </p:cNvPr>
+              <p:cNvSpPr/>
+              <p:nvPr/>
+            </p:nvSpPr>
+            <p:spPr>
+              <a:xfrm>
+                <a:off x="4591879" y="518820"/>
+                <a:ext cx="779228" cy="779228"/>
+              </a:xfrm>
+              <a:prstGeom prst="ellipse">
+                <a:avLst/>
+              </a:prstGeom>
+              <a:noFill/>
+            </p:spPr>
+            <p:style>
+              <a:lnRef idx="2">
+                <a:schemeClr val="accent1">
+                  <a:shade val="15000"/>
+                </a:schemeClr>
+              </a:lnRef>
+              <a:fillRef idx="1">
+                <a:schemeClr val="accent1"/>
+              </a:fillRef>
+              <a:effectRef idx="0">
+                <a:schemeClr val="accent1"/>
+              </a:effectRef>
+              <a:fontRef idx="minor">
+                <a:schemeClr val="lt1"/>
+              </a:fontRef>
+            </p:style>
+            <p:txBody>
+              <a:bodyPr rtlCol="0" anchor="ctr"/>
+              <a:lstStyle/>
+              <a:p>
+                <a:pPr algn="ctr"/>
+                <a:r>
+                  <a:rPr lang="fr-FR" sz="800" dirty="0">
+                    <a:solidFill>
+                      <a:schemeClr val="tx1"/>
+                    </a:solidFill>
+                  </a:rPr>
+                  <a:t>CONTINUE</a:t>
+                </a:r>
+                <a:endParaRPr lang="en-GB" sz="800" dirty="0">
+                  <a:solidFill>
+                    <a:schemeClr val="tx1"/>
+                  </a:solidFill>
+                </a:endParaRPr>
+              </a:p>
+            </p:txBody>
+          </p:sp>
+          <p:sp>
+            <p:nvSpPr>
+              <p:cNvPr id="105" name="Oval 104">
+                <a:extLst>
+                  <a:ext uri="{FF2B5EF4-FFF2-40B4-BE49-F238E27FC236}">
+                    <a16:creationId xmlns:a16="http://schemas.microsoft.com/office/drawing/2014/main" id="{BDD75742-CE75-8D1A-B77E-91F42575F968}"/>
+                  </a:ext>
+                </a:extLst>
+              </p:cNvPr>
+              <p:cNvSpPr/>
+              <p:nvPr/>
+            </p:nvSpPr>
+            <p:spPr>
+              <a:xfrm>
+                <a:off x="3480022" y="518820"/>
+                <a:ext cx="779228" cy="779228"/>
+              </a:xfrm>
+              <a:prstGeom prst="ellipse">
+                <a:avLst/>
+              </a:prstGeom>
+              <a:noFill/>
+            </p:spPr>
+            <p:style>
+              <a:lnRef idx="2">
+                <a:schemeClr val="accent1">
+                  <a:shade val="15000"/>
+                </a:schemeClr>
+              </a:lnRef>
+              <a:fillRef idx="1">
+                <a:schemeClr val="accent1"/>
+              </a:fillRef>
+              <a:effectRef idx="0">
+                <a:schemeClr val="accent1"/>
+              </a:effectRef>
+              <a:fontRef idx="minor">
+                <a:schemeClr val="lt1"/>
+              </a:fontRef>
+            </p:style>
+            <p:txBody>
+              <a:bodyPr rtlCol="0" anchor="ctr"/>
+              <a:lstStyle/>
+              <a:p>
+                <a:pPr algn="ctr"/>
+                <a:r>
+                  <a:rPr lang="fr-FR" sz="800" dirty="0" err="1">
+                    <a:solidFill>
+                      <a:schemeClr val="tx1"/>
+                    </a:solidFill>
+                  </a:rPr>
+                  <a:t>Previous</a:t>
+                </a:r>
+                <a:br>
+                  <a:rPr lang="fr-FR" sz="800" dirty="0">
+                    <a:solidFill>
+                      <a:schemeClr val="tx1"/>
+                    </a:solidFill>
+                  </a:rPr>
+                </a:br>
+                <a:r>
+                  <a:rPr lang="fr-FR" sz="800" dirty="0">
+                    <a:solidFill>
+                      <a:schemeClr val="tx1"/>
+                    </a:solidFill>
+                  </a:rPr>
+                  <a:t>session</a:t>
+                </a:r>
+                <a:endParaRPr lang="en-GB" sz="800" dirty="0">
+                  <a:solidFill>
+                    <a:schemeClr val="tx1"/>
+                  </a:solidFill>
+                </a:endParaRPr>
+              </a:p>
+            </p:txBody>
+          </p:sp>
+          <p:sp>
+            <p:nvSpPr>
+              <p:cNvPr id="106" name="Oval 105">
+                <a:extLst>
+                  <a:ext uri="{FF2B5EF4-FFF2-40B4-BE49-F238E27FC236}">
+                    <a16:creationId xmlns:a16="http://schemas.microsoft.com/office/drawing/2014/main" id="{4586708E-F997-387D-B42A-B894A4F74F9C}"/>
+                  </a:ext>
+                </a:extLst>
+              </p:cNvPr>
+              <p:cNvSpPr/>
+              <p:nvPr/>
+            </p:nvSpPr>
+            <p:spPr>
+              <a:xfrm>
+                <a:off x="5703736" y="518820"/>
+                <a:ext cx="779228" cy="779228"/>
+              </a:xfrm>
+              <a:prstGeom prst="ellipse">
+                <a:avLst/>
+              </a:prstGeom>
+              <a:noFill/>
+            </p:spPr>
+            <p:style>
+              <a:lnRef idx="2">
+                <a:schemeClr val="accent1">
+                  <a:shade val="15000"/>
+                </a:schemeClr>
+              </a:lnRef>
+              <a:fillRef idx="1">
+                <a:schemeClr val="accent1"/>
+              </a:fillRef>
+              <a:effectRef idx="0">
+                <a:schemeClr val="accent1"/>
+              </a:effectRef>
+              <a:fontRef idx="minor">
+                <a:schemeClr val="lt1"/>
+              </a:fontRef>
+            </p:style>
+            <p:txBody>
+              <a:bodyPr rtlCol="0" anchor="ctr"/>
+              <a:lstStyle/>
+              <a:p>
+                <a:pPr algn="ctr"/>
+                <a:r>
+                  <a:rPr lang="fr-FR" sz="800" dirty="0">
+                    <a:solidFill>
+                      <a:schemeClr val="tx1"/>
+                    </a:solidFill>
+                  </a:rPr>
+                  <a:t>PLAY</a:t>
+                </a:r>
+                <a:endParaRPr lang="en-GB" sz="800" dirty="0">
+                  <a:solidFill>
+                    <a:schemeClr val="tx1"/>
+                  </a:solidFill>
+                </a:endParaRPr>
+              </a:p>
+            </p:txBody>
+          </p:sp>
+          <p:sp>
+            <p:nvSpPr>
+              <p:cNvPr id="107" name="Oval 106">
+                <a:extLst>
+                  <a:ext uri="{FF2B5EF4-FFF2-40B4-BE49-F238E27FC236}">
+                    <a16:creationId xmlns:a16="http://schemas.microsoft.com/office/drawing/2014/main" id="{F0F4331F-529A-D377-48E7-FA6EB103E6DA}"/>
+                  </a:ext>
+                </a:extLst>
+              </p:cNvPr>
+              <p:cNvSpPr/>
+              <p:nvPr/>
+            </p:nvSpPr>
+            <p:spPr>
+              <a:xfrm>
+                <a:off x="6815593" y="518820"/>
+                <a:ext cx="779228" cy="779228"/>
+              </a:xfrm>
+              <a:prstGeom prst="ellipse">
+                <a:avLst/>
+              </a:prstGeom>
+              <a:noFill/>
+            </p:spPr>
+            <p:style>
+              <a:lnRef idx="2">
+                <a:schemeClr val="accent1">
+                  <a:shade val="15000"/>
+                </a:schemeClr>
+              </a:lnRef>
+              <a:fillRef idx="1">
+                <a:schemeClr val="accent1"/>
+              </a:fillRef>
+              <a:effectRef idx="0">
+                <a:schemeClr val="accent1"/>
+              </a:effectRef>
+              <a:fontRef idx="minor">
+                <a:schemeClr val="lt1"/>
+              </a:fontRef>
+            </p:style>
+            <p:txBody>
+              <a:bodyPr rtlCol="0" anchor="ctr"/>
+              <a:lstStyle/>
+              <a:p>
+                <a:pPr algn="ctr"/>
+                <a:r>
+                  <a:rPr lang="fr-FR" sz="800" dirty="0">
+                    <a:solidFill>
+                      <a:schemeClr val="tx1"/>
+                    </a:solidFill>
+                  </a:rPr>
+                  <a:t>TAP TEMPO</a:t>
+                </a:r>
+                <a:endParaRPr lang="en-GB" sz="800" dirty="0">
+                  <a:solidFill>
+                    <a:schemeClr val="tx1"/>
+                  </a:solidFill>
+                </a:endParaRPr>
+              </a:p>
+            </p:txBody>
+          </p:sp>
+          <p:sp>
+            <p:nvSpPr>
+              <p:cNvPr id="108" name="Oval 107">
+                <a:extLst>
+                  <a:ext uri="{FF2B5EF4-FFF2-40B4-BE49-F238E27FC236}">
+                    <a16:creationId xmlns:a16="http://schemas.microsoft.com/office/drawing/2014/main" id="{FAD555BF-D423-E830-4B72-5ADC4922B79E}"/>
+                  </a:ext>
+                </a:extLst>
+              </p:cNvPr>
+              <p:cNvSpPr/>
+              <p:nvPr/>
+            </p:nvSpPr>
+            <p:spPr>
+              <a:xfrm>
+                <a:off x="7927451" y="518820"/>
+                <a:ext cx="779228" cy="779228"/>
+              </a:xfrm>
+              <a:prstGeom prst="ellipse">
+                <a:avLst/>
+              </a:prstGeom>
+              <a:noFill/>
+            </p:spPr>
+            <p:style>
+              <a:lnRef idx="2">
+                <a:schemeClr val="accent1">
+                  <a:shade val="15000"/>
+                </a:schemeClr>
+              </a:lnRef>
+              <a:fillRef idx="1">
+                <a:schemeClr val="accent1"/>
+              </a:fillRef>
+              <a:effectRef idx="0">
+                <a:schemeClr val="accent1"/>
+              </a:effectRef>
+              <a:fontRef idx="minor">
+                <a:schemeClr val="lt1"/>
+              </a:fontRef>
+            </p:style>
+            <p:txBody>
+              <a:bodyPr rtlCol="0" anchor="ctr"/>
+              <a:lstStyle/>
+              <a:p>
+                <a:pPr algn="ctr"/>
+                <a:r>
+                  <a:rPr lang="fr-FR" sz="800" dirty="0">
+                    <a:solidFill>
+                      <a:schemeClr val="tx1"/>
+                    </a:solidFill>
+                  </a:rPr>
+                  <a:t>Next</a:t>
+                </a:r>
+                <a:br>
+                  <a:rPr lang="fr-FR" sz="800" dirty="0">
+                    <a:solidFill>
+                      <a:schemeClr val="tx1"/>
+                    </a:solidFill>
+                  </a:rPr>
+                </a:br>
+                <a:r>
+                  <a:rPr lang="fr-FR" sz="800" dirty="0">
+                    <a:solidFill>
+                      <a:schemeClr val="tx1"/>
+                    </a:solidFill>
+                  </a:rPr>
+                  <a:t>session</a:t>
+                </a:r>
+                <a:endParaRPr lang="en-GB" sz="800" dirty="0">
+                  <a:solidFill>
+                    <a:schemeClr val="tx1"/>
+                  </a:solidFill>
+                </a:endParaRPr>
+              </a:p>
+            </p:txBody>
+          </p:sp>
+        </p:grpSp>
+        <p:sp>
+          <p:nvSpPr>
+            <p:cNvPr id="110" name="Rectangle 109">
+              <a:extLst>
+                <a:ext uri="{FF2B5EF4-FFF2-40B4-BE49-F238E27FC236}">
+                  <a16:creationId xmlns:a16="http://schemas.microsoft.com/office/drawing/2014/main" id="{BC1BD8EB-9BF0-7AD9-1722-C66531DCF952}"/>
+                </a:ext>
+              </a:extLst>
+            </p:cNvPr>
+            <p:cNvSpPr/>
+            <p:nvPr/>
+          </p:nvSpPr>
+          <p:spPr>
+            <a:xfrm>
+              <a:off x="3289759" y="1875009"/>
+              <a:ext cx="5615701" cy="3107982"/>
+            </a:xfrm>
+            <a:prstGeom prst="rect">
+              <a:avLst/>
+            </a:prstGeom>
+            <a:noFill/>
+          </p:spPr>
+          <p:style>
+            <a:lnRef idx="2">
+              <a:schemeClr val="accent1">
+                <a:shade val="15000"/>
+              </a:schemeClr>
+            </a:lnRef>
+            <a:fillRef idx="1">
+              <a:schemeClr val="accent1"/>
+            </a:fillRef>
+            <a:effectRef idx="0">
+              <a:schemeClr val="accent1"/>
+            </a:effectRef>
+            <a:fontRef idx="minor">
+              <a:schemeClr val="lt1"/>
+            </a:fontRef>
+          </p:style>
+          <p:txBody>
+            <a:bodyPr rtlCol="0" anchor="ctr"/>
+            <a:lstStyle/>
+            <a:p>
+              <a:pPr algn="ctr"/>
+              <a:endParaRPr lang="en-GB" sz="800">
+                <a:solidFill>
+                  <a:schemeClr val="tx1"/>
+                </a:solidFill>
+              </a:endParaRPr>
+            </a:p>
+          </p:txBody>
+        </p:sp>
+        <p:cxnSp>
+          <p:nvCxnSpPr>
+            <p:cNvPr id="111" name="Straight Arrow Connector 110">
+              <a:extLst>
+                <a:ext uri="{FF2B5EF4-FFF2-40B4-BE49-F238E27FC236}">
+                  <a16:creationId xmlns:a16="http://schemas.microsoft.com/office/drawing/2014/main" id="{A5AFF41B-FDE4-431A-C8B7-29071CB565F0}"/>
+                </a:ext>
+              </a:extLst>
+            </p:cNvPr>
+            <p:cNvCxnSpPr>
+              <a:cxnSpLocks/>
+              <a:stCxn id="110" idx="1"/>
+            </p:cNvCxnSpPr>
+            <p:nvPr/>
+          </p:nvCxnSpPr>
+          <p:spPr>
+            <a:xfrm flipH="1">
+              <a:off x="2337684" y="3429000"/>
+              <a:ext cx="952075" cy="0"/>
+            </a:xfrm>
+            <a:prstGeom prst="straightConnector1">
+              <a:avLst/>
+            </a:prstGeom>
+            <a:ln w="28575">
+              <a:solidFill>
+                <a:schemeClr val="tx1"/>
+              </a:solidFill>
+              <a:tailEnd type="triangle"/>
+            </a:ln>
+          </p:spPr>
+          <p:style>
+            <a:lnRef idx="1">
+              <a:schemeClr val="accent1"/>
+            </a:lnRef>
+            <a:fillRef idx="0">
+              <a:schemeClr val="accent1"/>
+            </a:fillRef>
+            <a:effectRef idx="0">
+              <a:schemeClr val="accent1"/>
+            </a:effectRef>
+            <a:fontRef idx="minor">
+              <a:schemeClr val="tx1"/>
+            </a:fontRef>
+          </p:style>
+        </p:cxnSp>
+        <p:sp>
+          <p:nvSpPr>
+            <p:cNvPr id="112" name="TextBox 113">
+              <a:extLst>
+                <a:ext uri="{FF2B5EF4-FFF2-40B4-BE49-F238E27FC236}">
+                  <a16:creationId xmlns:a16="http://schemas.microsoft.com/office/drawing/2014/main" id="{E9273ABC-7287-8163-B646-0B09471B7E20}"/>
+                </a:ext>
+              </a:extLst>
+            </p:cNvPr>
+            <p:cNvSpPr txBox="1"/>
+            <p:nvPr/>
+          </p:nvSpPr>
+          <p:spPr>
+            <a:xfrm>
+              <a:off x="1509381" y="3036920"/>
+              <a:ext cx="1707840" cy="738664"/>
+            </a:xfrm>
+            <a:prstGeom prst="rect">
+              <a:avLst/>
+            </a:prstGeom>
+            <a:noFill/>
+          </p:spPr>
+          <p:txBody>
+            <a:bodyPr wrap="none" rtlCol="0">
+              <a:spAutoFit/>
+            </a:bodyPr>
+            <a:lstStyle/>
+            <a:p>
+              <a:r>
+                <a:rPr lang="fr-FR" sz="1400" dirty="0"/>
+                <a:t>To USB slave</a:t>
+              </a:r>
+              <a:br>
+                <a:rPr lang="fr-FR" sz="1400" dirty="0"/>
+              </a:br>
+              <a:r>
+                <a:rPr lang="fr-FR" sz="1400" dirty="0" err="1"/>
+                <a:t>device</a:t>
+              </a:r>
+              <a:br>
+                <a:rPr lang="fr-FR" sz="1400" dirty="0"/>
+              </a:br>
+              <a:r>
+                <a:rPr lang="fr-FR" sz="1400" dirty="0"/>
+                <a:t>(</a:t>
+              </a:r>
+              <a:r>
+                <a:rPr lang="fr-FR" sz="1400" dirty="0" err="1"/>
+                <a:t>eg</a:t>
+              </a:r>
+              <a:r>
+                <a:rPr lang="fr-FR" sz="1400" dirty="0"/>
+                <a:t>. Novation circuit)</a:t>
+              </a:r>
+            </a:p>
+          </p:txBody>
+        </p:sp>
+        <p:sp>
+          <p:nvSpPr>
+            <p:cNvPr id="113" name="Oval 112">
+              <a:extLst>
+                <a:ext uri="{FF2B5EF4-FFF2-40B4-BE49-F238E27FC236}">
+                  <a16:creationId xmlns:a16="http://schemas.microsoft.com/office/drawing/2014/main" id="{058129B2-37D0-5B6B-93E4-3882B41125B4}"/>
+                </a:ext>
+              </a:extLst>
+            </p:cNvPr>
+            <p:cNvSpPr/>
+            <p:nvPr/>
+          </p:nvSpPr>
+          <p:spPr>
+            <a:xfrm>
+              <a:off x="4591879" y="3047337"/>
+              <a:ext cx="779228" cy="779228"/>
+            </a:xfrm>
+            <a:prstGeom prst="ellipse">
+              <a:avLst/>
+            </a:prstGeom>
+            <a:noFill/>
+          </p:spPr>
+          <p:style>
+            <a:lnRef idx="2">
+              <a:schemeClr val="accent1">
+                <a:shade val="15000"/>
+              </a:schemeClr>
+            </a:lnRef>
+            <a:fillRef idx="1">
+              <a:schemeClr val="accent1"/>
+            </a:fillRef>
+            <a:effectRef idx="0">
+              <a:schemeClr val="accent1"/>
+            </a:effectRef>
+            <a:fontRef idx="minor">
+              <a:schemeClr val="lt1"/>
+            </a:fontRef>
+          </p:style>
+          <p:txBody>
+            <a:bodyPr rtlCol="0" anchor="ctr"/>
+            <a:lstStyle/>
+            <a:p>
+              <a:pPr algn="ctr"/>
+              <a:r>
+                <a:rPr lang="fr-FR" sz="800" dirty="0">
+                  <a:solidFill>
+                    <a:schemeClr val="tx1"/>
+                  </a:solidFill>
+                </a:rPr>
+                <a:t>CONTINUE</a:t>
+              </a:r>
+              <a:endParaRPr lang="en-GB" sz="800" dirty="0">
+                <a:solidFill>
+                  <a:schemeClr val="tx1"/>
+                </a:solidFill>
+              </a:endParaRPr>
+            </a:p>
+          </p:txBody>
+        </p:sp>
+        <p:sp>
+          <p:nvSpPr>
+            <p:cNvPr id="114" name="Oval 113">
+              <a:extLst>
+                <a:ext uri="{FF2B5EF4-FFF2-40B4-BE49-F238E27FC236}">
+                  <a16:creationId xmlns:a16="http://schemas.microsoft.com/office/drawing/2014/main" id="{ED0AF6E9-3AEB-9D4D-8790-D7EAF584E094}"/>
+                </a:ext>
+              </a:extLst>
+            </p:cNvPr>
+            <p:cNvSpPr/>
+            <p:nvPr/>
+          </p:nvSpPr>
+          <p:spPr>
+            <a:xfrm>
+              <a:off x="3480022" y="3047337"/>
+              <a:ext cx="779228" cy="779228"/>
+            </a:xfrm>
+            <a:prstGeom prst="ellipse">
+              <a:avLst/>
+            </a:prstGeom>
+            <a:noFill/>
+          </p:spPr>
+          <p:style>
+            <a:lnRef idx="2">
+              <a:schemeClr val="accent1">
+                <a:shade val="15000"/>
+              </a:schemeClr>
+            </a:lnRef>
+            <a:fillRef idx="1">
+              <a:schemeClr val="accent1"/>
+            </a:fillRef>
+            <a:effectRef idx="0">
+              <a:schemeClr val="accent1"/>
+            </a:effectRef>
+            <a:fontRef idx="minor">
+              <a:schemeClr val="lt1"/>
+            </a:fontRef>
+          </p:style>
+          <p:txBody>
+            <a:bodyPr rtlCol="0" anchor="ctr"/>
+            <a:lstStyle/>
+            <a:p>
+              <a:pPr algn="ctr"/>
+              <a:r>
+                <a:rPr lang="fr-FR" sz="800" dirty="0" err="1">
+                  <a:solidFill>
+                    <a:schemeClr val="tx1"/>
+                  </a:solidFill>
+                </a:rPr>
+                <a:t>Previous</a:t>
+              </a:r>
+              <a:br>
+                <a:rPr lang="fr-FR" sz="800" dirty="0">
+                  <a:solidFill>
+                    <a:schemeClr val="tx1"/>
+                  </a:solidFill>
+                </a:rPr>
+              </a:br>
+              <a:r>
+                <a:rPr lang="fr-FR" sz="800" dirty="0">
+                  <a:solidFill>
+                    <a:schemeClr val="tx1"/>
+                  </a:solidFill>
+                </a:rPr>
+                <a:t>session</a:t>
+              </a:r>
+              <a:endParaRPr lang="en-GB" sz="800" dirty="0">
+                <a:solidFill>
+                  <a:schemeClr val="tx1"/>
+                </a:solidFill>
+              </a:endParaRPr>
+            </a:p>
+          </p:txBody>
+        </p:sp>
+        <p:sp>
+          <p:nvSpPr>
+            <p:cNvPr id="115" name="Oval 114">
+              <a:extLst>
+                <a:ext uri="{FF2B5EF4-FFF2-40B4-BE49-F238E27FC236}">
+                  <a16:creationId xmlns:a16="http://schemas.microsoft.com/office/drawing/2014/main" id="{08A0395F-D49A-546C-8EF9-B3D329BE88AE}"/>
+                </a:ext>
+              </a:extLst>
+            </p:cNvPr>
+            <p:cNvSpPr/>
+            <p:nvPr/>
+          </p:nvSpPr>
+          <p:spPr>
+            <a:xfrm>
+              <a:off x="5703736" y="3047337"/>
+              <a:ext cx="779228" cy="779228"/>
+            </a:xfrm>
+            <a:prstGeom prst="ellipse">
+              <a:avLst/>
+            </a:prstGeom>
+            <a:noFill/>
+          </p:spPr>
+          <p:style>
+            <a:lnRef idx="2">
+              <a:schemeClr val="accent1">
+                <a:shade val="15000"/>
+              </a:schemeClr>
+            </a:lnRef>
+            <a:fillRef idx="1">
+              <a:schemeClr val="accent1"/>
+            </a:fillRef>
+            <a:effectRef idx="0">
+              <a:schemeClr val="accent1"/>
+            </a:effectRef>
+            <a:fontRef idx="minor">
+              <a:schemeClr val="lt1"/>
+            </a:fontRef>
+          </p:style>
+          <p:txBody>
+            <a:bodyPr rtlCol="0" anchor="ctr"/>
+            <a:lstStyle/>
+            <a:p>
+              <a:pPr algn="ctr"/>
+              <a:r>
+                <a:rPr lang="fr-FR" sz="800" dirty="0">
+                  <a:solidFill>
+                    <a:schemeClr val="tx1"/>
+                  </a:solidFill>
+                </a:rPr>
+                <a:t>TAP TEMPO</a:t>
+              </a:r>
+              <a:endParaRPr lang="en-GB" sz="800" dirty="0">
+                <a:solidFill>
+                  <a:schemeClr val="tx1"/>
+                </a:solidFill>
+              </a:endParaRPr>
+            </a:p>
+            <a:p>
+              <a:pPr algn="ctr"/>
+              <a:endParaRPr lang="en-GB" sz="800" dirty="0">
+                <a:solidFill>
+                  <a:schemeClr val="tx1"/>
+                </a:solidFill>
+              </a:endParaRPr>
+            </a:p>
+          </p:txBody>
+        </p:sp>
+        <p:sp>
+          <p:nvSpPr>
+            <p:cNvPr id="116" name="Oval 115">
+              <a:extLst>
+                <a:ext uri="{FF2B5EF4-FFF2-40B4-BE49-F238E27FC236}">
+                  <a16:creationId xmlns:a16="http://schemas.microsoft.com/office/drawing/2014/main" id="{F34AEC4A-5213-58B6-4CAC-627848152573}"/>
+                </a:ext>
+              </a:extLst>
+            </p:cNvPr>
+            <p:cNvSpPr/>
+            <p:nvPr/>
+          </p:nvSpPr>
+          <p:spPr>
+            <a:xfrm>
+              <a:off x="6815593" y="3047337"/>
+              <a:ext cx="779228" cy="779228"/>
+            </a:xfrm>
+            <a:prstGeom prst="ellipse">
+              <a:avLst/>
+            </a:prstGeom>
+            <a:noFill/>
+          </p:spPr>
+          <p:style>
+            <a:lnRef idx="2">
+              <a:schemeClr val="accent1">
+                <a:shade val="15000"/>
+              </a:schemeClr>
+            </a:lnRef>
+            <a:fillRef idx="1">
+              <a:schemeClr val="accent1"/>
+            </a:fillRef>
+            <a:effectRef idx="0">
+              <a:schemeClr val="accent1"/>
+            </a:effectRef>
+            <a:fontRef idx="minor">
+              <a:schemeClr val="lt1"/>
+            </a:fontRef>
+          </p:style>
+          <p:txBody>
+            <a:bodyPr rtlCol="0" anchor="ctr"/>
+            <a:lstStyle/>
+            <a:p>
+              <a:pPr algn="ctr"/>
+              <a:r>
+                <a:rPr lang="fr-FR" sz="800" dirty="0">
+                  <a:solidFill>
+                    <a:schemeClr val="tx1"/>
+                  </a:solidFill>
+                </a:rPr>
+                <a:t>PLAY</a:t>
+              </a:r>
+              <a:endParaRPr lang="en-GB" sz="800" dirty="0">
+                <a:solidFill>
+                  <a:schemeClr val="tx1"/>
+                </a:solidFill>
+              </a:endParaRPr>
+            </a:p>
+          </p:txBody>
+        </p:sp>
+        <p:sp>
+          <p:nvSpPr>
+            <p:cNvPr id="117" name="Oval 116">
+              <a:extLst>
+                <a:ext uri="{FF2B5EF4-FFF2-40B4-BE49-F238E27FC236}">
+                  <a16:creationId xmlns:a16="http://schemas.microsoft.com/office/drawing/2014/main" id="{BA508A7E-4210-FAB0-FDB6-57C4724F5F97}"/>
+                </a:ext>
+              </a:extLst>
+            </p:cNvPr>
+            <p:cNvSpPr/>
+            <p:nvPr/>
+          </p:nvSpPr>
+          <p:spPr>
+            <a:xfrm>
+              <a:off x="7927451" y="3047337"/>
+              <a:ext cx="779228" cy="779228"/>
+            </a:xfrm>
+            <a:prstGeom prst="ellipse">
+              <a:avLst/>
+            </a:prstGeom>
+            <a:noFill/>
+          </p:spPr>
+          <p:style>
+            <a:lnRef idx="2">
+              <a:schemeClr val="accent1">
+                <a:shade val="15000"/>
+              </a:schemeClr>
+            </a:lnRef>
+            <a:fillRef idx="1">
+              <a:schemeClr val="accent1"/>
+            </a:fillRef>
+            <a:effectRef idx="0">
+              <a:schemeClr val="accent1"/>
+            </a:effectRef>
+            <a:fontRef idx="minor">
+              <a:schemeClr val="lt1"/>
+            </a:fontRef>
+          </p:style>
+          <p:txBody>
+            <a:bodyPr rtlCol="0" anchor="ctr"/>
+            <a:lstStyle/>
+            <a:p>
+              <a:pPr algn="ctr"/>
+              <a:r>
+                <a:rPr lang="fr-FR" sz="800" dirty="0">
+                  <a:solidFill>
+                    <a:schemeClr val="tx1"/>
+                  </a:solidFill>
+                </a:rPr>
+                <a:t>Next</a:t>
+              </a:r>
+              <a:br>
+                <a:rPr lang="fr-FR" sz="800" dirty="0">
+                  <a:solidFill>
+                    <a:schemeClr val="tx1"/>
+                  </a:solidFill>
+                </a:rPr>
+              </a:br>
+              <a:r>
+                <a:rPr lang="fr-FR" sz="800" dirty="0">
+                  <a:solidFill>
+                    <a:schemeClr val="tx1"/>
+                  </a:solidFill>
+                </a:rPr>
+                <a:t>session</a:t>
+              </a:r>
+              <a:endParaRPr lang="en-GB" sz="800" dirty="0">
+                <a:solidFill>
+                  <a:schemeClr val="tx1"/>
+                </a:solidFill>
+              </a:endParaRPr>
+            </a:p>
+          </p:txBody>
+        </p:sp>
+        <p:cxnSp>
+          <p:nvCxnSpPr>
+            <p:cNvPr id="122" name="Connector: Elbow 121">
+              <a:extLst>
+                <a:ext uri="{FF2B5EF4-FFF2-40B4-BE49-F238E27FC236}">
+                  <a16:creationId xmlns:a16="http://schemas.microsoft.com/office/drawing/2014/main" id="{68C040E0-9B02-67D6-0BD8-FEC7D3273571}"/>
+                </a:ext>
+              </a:extLst>
+            </p:cNvPr>
+            <p:cNvCxnSpPr>
+              <a:cxnSpLocks/>
+              <a:stCxn id="114" idx="0"/>
+              <a:endCxn id="113" idx="0"/>
+            </p:cNvCxnSpPr>
+            <p:nvPr/>
+          </p:nvCxnSpPr>
+          <p:spPr>
+            <a:xfrm rot="5400000" flipH="1" flipV="1">
+              <a:off x="4425564" y="2491409"/>
+              <a:ext cx="12700" cy="1111857"/>
+            </a:xfrm>
+            <a:prstGeom prst="bentConnector3">
+              <a:avLst>
+                <a:gd name="adj1" fmla="val 1800000"/>
+              </a:avLst>
+            </a:prstGeom>
+            <a:ln w="12700">
+              <a:solidFill>
+                <a:schemeClr val="tx1"/>
+              </a:solidFill>
+            </a:ln>
+          </p:spPr>
+          <p:style>
+            <a:lnRef idx="1">
+              <a:schemeClr val="accent1"/>
+            </a:lnRef>
+            <a:fillRef idx="0">
+              <a:schemeClr val="accent1"/>
+            </a:fillRef>
+            <a:effectRef idx="0">
+              <a:schemeClr val="accent1"/>
+            </a:effectRef>
+            <a:fontRef idx="minor">
+              <a:schemeClr val="tx1"/>
+            </a:fontRef>
+          </p:style>
+        </p:cxnSp>
+        <p:cxnSp>
+          <p:nvCxnSpPr>
+            <p:cNvPr id="125" name="Connector: Elbow 124">
+              <a:extLst>
+                <a:ext uri="{FF2B5EF4-FFF2-40B4-BE49-F238E27FC236}">
+                  <a16:creationId xmlns:a16="http://schemas.microsoft.com/office/drawing/2014/main" id="{9B97B64C-8EC1-6AA0-86D3-4F7BD33E5AF9}"/>
+                </a:ext>
+              </a:extLst>
+            </p:cNvPr>
+            <p:cNvCxnSpPr>
+              <a:stCxn id="113" idx="0"/>
+              <a:endCxn id="115" idx="0"/>
+            </p:cNvCxnSpPr>
+            <p:nvPr/>
+          </p:nvCxnSpPr>
+          <p:spPr>
+            <a:xfrm rot="5400000" flipH="1" flipV="1">
+              <a:off x="5537421" y="2491409"/>
+              <a:ext cx="12700" cy="1111857"/>
+            </a:xfrm>
+            <a:prstGeom prst="bentConnector3">
+              <a:avLst>
+                <a:gd name="adj1" fmla="val 1800000"/>
+              </a:avLst>
+            </a:prstGeom>
+            <a:ln w="12700">
+              <a:solidFill>
+                <a:schemeClr val="tx1"/>
+              </a:solidFill>
+            </a:ln>
+          </p:spPr>
+          <p:style>
+            <a:lnRef idx="1">
+              <a:schemeClr val="accent1"/>
+            </a:lnRef>
+            <a:fillRef idx="0">
+              <a:schemeClr val="accent1"/>
+            </a:fillRef>
+            <a:effectRef idx="0">
+              <a:schemeClr val="accent1"/>
+            </a:effectRef>
+            <a:fontRef idx="minor">
+              <a:schemeClr val="tx1"/>
+            </a:fontRef>
+          </p:style>
+        </p:cxnSp>
+        <p:cxnSp>
+          <p:nvCxnSpPr>
+            <p:cNvPr id="127" name="Connector: Elbow 126">
+              <a:extLst>
+                <a:ext uri="{FF2B5EF4-FFF2-40B4-BE49-F238E27FC236}">
+                  <a16:creationId xmlns:a16="http://schemas.microsoft.com/office/drawing/2014/main" id="{BCE4D87B-D3A3-CB88-DD26-ADD7DED50EB1}"/>
+                </a:ext>
+              </a:extLst>
+            </p:cNvPr>
+            <p:cNvCxnSpPr>
+              <a:stCxn id="115" idx="0"/>
+              <a:endCxn id="116" idx="0"/>
+            </p:cNvCxnSpPr>
+            <p:nvPr/>
+          </p:nvCxnSpPr>
+          <p:spPr>
+            <a:xfrm rot="5400000" flipH="1" flipV="1">
+              <a:off x="6649278" y="2491409"/>
+              <a:ext cx="12700" cy="1111857"/>
+            </a:xfrm>
+            <a:prstGeom prst="bentConnector3">
+              <a:avLst>
+                <a:gd name="adj1" fmla="val 1800000"/>
+              </a:avLst>
+            </a:prstGeom>
+            <a:ln w="12700">
+              <a:solidFill>
+                <a:schemeClr val="tx1"/>
+              </a:solidFill>
+            </a:ln>
+          </p:spPr>
+          <p:style>
+            <a:lnRef idx="1">
+              <a:schemeClr val="accent1"/>
+            </a:lnRef>
+            <a:fillRef idx="0">
+              <a:schemeClr val="accent1"/>
+            </a:fillRef>
+            <a:effectRef idx="0">
+              <a:schemeClr val="accent1"/>
+            </a:effectRef>
+            <a:fontRef idx="minor">
+              <a:schemeClr val="tx1"/>
+            </a:fontRef>
+          </p:style>
+        </p:cxnSp>
+        <p:cxnSp>
+          <p:nvCxnSpPr>
+            <p:cNvPr id="129" name="Connector: Elbow 128">
+              <a:extLst>
+                <a:ext uri="{FF2B5EF4-FFF2-40B4-BE49-F238E27FC236}">
+                  <a16:creationId xmlns:a16="http://schemas.microsoft.com/office/drawing/2014/main" id="{D0569A42-CDE2-39C5-5C1E-26A63059A944}"/>
+                </a:ext>
+              </a:extLst>
+            </p:cNvPr>
+            <p:cNvCxnSpPr>
+              <a:stCxn id="116" idx="0"/>
+              <a:endCxn id="117" idx="0"/>
+            </p:cNvCxnSpPr>
+            <p:nvPr/>
+          </p:nvCxnSpPr>
+          <p:spPr>
+            <a:xfrm rot="5400000" flipH="1" flipV="1">
+              <a:off x="7761136" y="2491408"/>
+              <a:ext cx="12700" cy="1111858"/>
+            </a:xfrm>
+            <a:prstGeom prst="bentConnector3">
+              <a:avLst>
+                <a:gd name="adj1" fmla="val 1800000"/>
+              </a:avLst>
+            </a:prstGeom>
+            <a:ln w="12700">
+              <a:solidFill>
+                <a:schemeClr val="tx1"/>
+              </a:solidFill>
+            </a:ln>
+          </p:spPr>
+          <p:style>
+            <a:lnRef idx="1">
+              <a:schemeClr val="accent1"/>
+            </a:lnRef>
+            <a:fillRef idx="0">
+              <a:schemeClr val="accent1"/>
+            </a:fillRef>
+            <a:effectRef idx="0">
+              <a:schemeClr val="accent1"/>
+            </a:effectRef>
+            <a:fontRef idx="minor">
+              <a:schemeClr val="tx1"/>
+            </a:fontRef>
+          </p:style>
+        </p:cxnSp>
+        <p:sp>
+          <p:nvSpPr>
+            <p:cNvPr id="130" name="Rectangle 129">
+              <a:extLst>
+                <a:ext uri="{FF2B5EF4-FFF2-40B4-BE49-F238E27FC236}">
+                  <a16:creationId xmlns:a16="http://schemas.microsoft.com/office/drawing/2014/main" id="{AB8C2D4B-71DE-B73A-7578-285A97148E75}"/>
+                </a:ext>
+              </a:extLst>
+            </p:cNvPr>
+            <p:cNvSpPr/>
+            <p:nvPr/>
+          </p:nvSpPr>
+          <p:spPr>
+            <a:xfrm>
+              <a:off x="5049078" y="4325510"/>
+              <a:ext cx="1979875" cy="502585"/>
+            </a:xfrm>
+            <a:prstGeom prst="rect">
+              <a:avLst/>
+            </a:prstGeom>
+            <a:solidFill>
+              <a:srgbClr val="92D050"/>
+            </a:solidFill>
+            <a:ln>
+              <a:noFill/>
+            </a:ln>
+          </p:spPr>
+          <p:style>
+            <a:lnRef idx="2">
+              <a:schemeClr val="accent1">
+                <a:shade val="15000"/>
+              </a:schemeClr>
+            </a:lnRef>
+            <a:fillRef idx="1">
+              <a:schemeClr val="accent1"/>
+            </a:fillRef>
+            <a:effectRef idx="0">
+              <a:schemeClr val="accent1"/>
+            </a:effectRef>
+            <a:fontRef idx="minor">
+              <a:schemeClr val="lt1"/>
+            </a:fontRef>
+          </p:style>
+          <p:txBody>
+            <a:bodyPr rtlCol="0" anchor="ctr"/>
+            <a:lstStyle/>
+            <a:p>
+              <a:pPr algn="ctr"/>
+              <a:r>
+                <a:rPr lang="fr-FR" dirty="0" err="1"/>
+                <a:t>Raspi</a:t>
+              </a:r>
+              <a:r>
+                <a:rPr lang="fr-FR" dirty="0"/>
+                <a:t> PICO</a:t>
+              </a:r>
+              <a:endParaRPr lang="en-GB" dirty="0"/>
+            </a:p>
+          </p:txBody>
+        </p:sp>
+        <p:cxnSp>
+          <p:nvCxnSpPr>
+            <p:cNvPr id="132" name="Connector: Elbow 131">
+              <a:extLst>
+                <a:ext uri="{FF2B5EF4-FFF2-40B4-BE49-F238E27FC236}">
+                  <a16:creationId xmlns:a16="http://schemas.microsoft.com/office/drawing/2014/main" id="{FE996826-B33A-7781-841C-399A6E254E11}"/>
+                </a:ext>
+              </a:extLst>
+            </p:cNvPr>
+            <p:cNvCxnSpPr>
+              <a:cxnSpLocks/>
+              <a:stCxn id="117" idx="0"/>
+              <a:endCxn id="130" idx="3"/>
+            </p:cNvCxnSpPr>
+            <p:nvPr/>
+          </p:nvCxnSpPr>
+          <p:spPr>
+            <a:xfrm rot="16200000" flipH="1" flipV="1">
+              <a:off x="6908276" y="3168014"/>
+              <a:ext cx="1529466" cy="1288112"/>
+            </a:xfrm>
+            <a:prstGeom prst="bentConnector4">
+              <a:avLst>
+                <a:gd name="adj1" fmla="val -14946"/>
+                <a:gd name="adj2" fmla="val -36729"/>
+              </a:avLst>
+            </a:prstGeom>
+            <a:ln w="12700">
+              <a:solidFill>
+                <a:schemeClr val="tx1"/>
+              </a:solidFill>
+            </a:ln>
+          </p:spPr>
+          <p:style>
+            <a:lnRef idx="1">
+              <a:schemeClr val="accent1"/>
+            </a:lnRef>
+            <a:fillRef idx="0">
+              <a:schemeClr val="accent1"/>
+            </a:fillRef>
+            <a:effectRef idx="0">
+              <a:schemeClr val="accent1"/>
+            </a:effectRef>
+            <a:fontRef idx="minor">
+              <a:schemeClr val="tx1"/>
+            </a:fontRef>
+          </p:style>
+        </p:cxnSp>
+        <p:sp>
+          <p:nvSpPr>
+            <p:cNvPr id="135" name="TextBox 113">
+              <a:extLst>
+                <a:ext uri="{FF2B5EF4-FFF2-40B4-BE49-F238E27FC236}">
+                  <a16:creationId xmlns:a16="http://schemas.microsoft.com/office/drawing/2014/main" id="{82FCA857-A076-CE40-CE71-6FD00C645390}"/>
+                </a:ext>
+              </a:extLst>
+            </p:cNvPr>
+            <p:cNvSpPr txBox="1"/>
+            <p:nvPr/>
+          </p:nvSpPr>
+          <p:spPr>
+            <a:xfrm>
+              <a:off x="7022603" y="4548561"/>
+              <a:ext cx="524503" cy="307777"/>
+            </a:xfrm>
+            <a:prstGeom prst="rect">
+              <a:avLst/>
+            </a:prstGeom>
+            <a:noFill/>
+          </p:spPr>
+          <p:txBody>
+            <a:bodyPr wrap="none" rtlCol="0">
+              <a:spAutoFit/>
+            </a:bodyPr>
+            <a:lstStyle/>
+            <a:p>
+              <a:r>
+                <a:rPr lang="fr-FR" sz="1400" dirty="0"/>
+                <a:t>GND</a:t>
+              </a:r>
+            </a:p>
+          </p:txBody>
+        </p:sp>
+        <p:cxnSp>
+          <p:nvCxnSpPr>
+            <p:cNvPr id="140" name="Connector: Elbow 139">
+              <a:extLst>
+                <a:ext uri="{FF2B5EF4-FFF2-40B4-BE49-F238E27FC236}">
+                  <a16:creationId xmlns:a16="http://schemas.microsoft.com/office/drawing/2014/main" id="{BCB19E50-0B80-E7BF-0589-6E0B4204130C}"/>
+                </a:ext>
+              </a:extLst>
+            </p:cNvPr>
+            <p:cNvCxnSpPr>
+              <a:cxnSpLocks/>
+              <a:stCxn id="114" idx="4"/>
+            </p:cNvCxnSpPr>
+            <p:nvPr/>
+          </p:nvCxnSpPr>
+          <p:spPr>
+            <a:xfrm rot="16200000" flipH="1">
+              <a:off x="4627604" y="3068596"/>
+              <a:ext cx="329237" cy="1845173"/>
+            </a:xfrm>
+            <a:prstGeom prst="bentConnector2">
+              <a:avLst/>
+            </a:prstGeom>
+            <a:ln w="12700">
+              <a:solidFill>
+                <a:srgbClr val="00B0F0"/>
+              </a:solidFill>
+            </a:ln>
+          </p:spPr>
+          <p:style>
+            <a:lnRef idx="1">
+              <a:schemeClr val="accent1"/>
+            </a:lnRef>
+            <a:fillRef idx="0">
+              <a:schemeClr val="accent1"/>
+            </a:fillRef>
+            <a:effectRef idx="0">
+              <a:schemeClr val="accent1"/>
+            </a:effectRef>
+            <a:fontRef idx="minor">
+              <a:schemeClr val="tx1"/>
+            </a:fontRef>
+          </p:style>
+        </p:cxnSp>
+        <p:cxnSp>
+          <p:nvCxnSpPr>
+            <p:cNvPr id="142" name="Connector: Elbow 141">
+              <a:extLst>
+                <a:ext uri="{FF2B5EF4-FFF2-40B4-BE49-F238E27FC236}">
+                  <a16:creationId xmlns:a16="http://schemas.microsoft.com/office/drawing/2014/main" id="{6F378310-84F1-7AEF-7E83-7D1EA1DB98F8}"/>
+                </a:ext>
+              </a:extLst>
+            </p:cNvPr>
+            <p:cNvCxnSpPr>
+              <a:cxnSpLocks/>
+              <a:stCxn id="113" idx="4"/>
+            </p:cNvCxnSpPr>
+            <p:nvPr/>
+          </p:nvCxnSpPr>
+          <p:spPr>
+            <a:xfrm rot="16200000" flipH="1">
+              <a:off x="5282579" y="3525478"/>
+              <a:ext cx="165985" cy="768157"/>
+            </a:xfrm>
+            <a:prstGeom prst="bentConnector2">
+              <a:avLst/>
+            </a:prstGeom>
+            <a:ln w="12700">
+              <a:solidFill>
+                <a:srgbClr val="00B0F0"/>
+              </a:solidFill>
+            </a:ln>
+          </p:spPr>
+          <p:style>
+            <a:lnRef idx="1">
+              <a:schemeClr val="accent1"/>
+            </a:lnRef>
+            <a:fillRef idx="0">
+              <a:schemeClr val="accent1"/>
+            </a:fillRef>
+            <a:effectRef idx="0">
+              <a:schemeClr val="accent1"/>
+            </a:effectRef>
+            <a:fontRef idx="minor">
+              <a:schemeClr val="tx1"/>
+            </a:fontRef>
+          </p:style>
+        </p:cxnSp>
+        <p:cxnSp>
+          <p:nvCxnSpPr>
+            <p:cNvPr id="144" name="Connector: Elbow 143">
+              <a:extLst>
+                <a:ext uri="{FF2B5EF4-FFF2-40B4-BE49-F238E27FC236}">
+                  <a16:creationId xmlns:a16="http://schemas.microsoft.com/office/drawing/2014/main" id="{A4A25379-98FC-01F5-025B-5ED4462DDFBC}"/>
+                </a:ext>
+              </a:extLst>
+            </p:cNvPr>
+            <p:cNvCxnSpPr>
+              <a:cxnSpLocks/>
+              <a:stCxn id="117" idx="4"/>
+            </p:cNvCxnSpPr>
+            <p:nvPr/>
+          </p:nvCxnSpPr>
+          <p:spPr>
+            <a:xfrm rot="5400000">
+              <a:off x="7248543" y="3099125"/>
+              <a:ext cx="341083" cy="1795962"/>
+            </a:xfrm>
+            <a:prstGeom prst="bentConnector2">
+              <a:avLst/>
+            </a:prstGeom>
+            <a:ln w="12700">
+              <a:solidFill>
+                <a:srgbClr val="00B0F0"/>
+              </a:solidFill>
+            </a:ln>
+          </p:spPr>
+          <p:style>
+            <a:lnRef idx="1">
+              <a:schemeClr val="accent1"/>
+            </a:lnRef>
+            <a:fillRef idx="0">
+              <a:schemeClr val="accent1"/>
+            </a:fillRef>
+            <a:effectRef idx="0">
+              <a:schemeClr val="accent1"/>
+            </a:effectRef>
+            <a:fontRef idx="minor">
+              <a:schemeClr val="tx1"/>
+            </a:fontRef>
+          </p:style>
+        </p:cxnSp>
+        <p:cxnSp>
+          <p:nvCxnSpPr>
+            <p:cNvPr id="146" name="Connector: Elbow 145">
+              <a:extLst>
+                <a:ext uri="{FF2B5EF4-FFF2-40B4-BE49-F238E27FC236}">
+                  <a16:creationId xmlns:a16="http://schemas.microsoft.com/office/drawing/2014/main" id="{81F35E2E-2154-2A99-18EF-CDA6D106DC39}"/>
+                </a:ext>
+              </a:extLst>
+            </p:cNvPr>
+            <p:cNvCxnSpPr>
+              <a:cxnSpLocks/>
+              <a:stCxn id="116" idx="4"/>
+            </p:cNvCxnSpPr>
+            <p:nvPr/>
+          </p:nvCxnSpPr>
+          <p:spPr>
+            <a:xfrm rot="5400000">
+              <a:off x="6789557" y="3575533"/>
+              <a:ext cx="164619" cy="666683"/>
+            </a:xfrm>
+            <a:prstGeom prst="bentConnector2">
+              <a:avLst/>
+            </a:prstGeom>
+            <a:ln w="12700">
+              <a:solidFill>
+                <a:srgbClr val="00B0F0"/>
+              </a:solidFill>
+            </a:ln>
+          </p:spPr>
+          <p:style>
+            <a:lnRef idx="1">
+              <a:schemeClr val="accent1"/>
+            </a:lnRef>
+            <a:fillRef idx="0">
+              <a:schemeClr val="accent1"/>
+            </a:fillRef>
+            <a:effectRef idx="0">
+              <a:schemeClr val="accent1"/>
+            </a:effectRef>
+            <a:fontRef idx="minor">
+              <a:schemeClr val="tx1"/>
+            </a:fontRef>
+          </p:style>
+        </p:cxnSp>
+        <p:cxnSp>
+          <p:nvCxnSpPr>
+            <p:cNvPr id="151" name="Straight Connector 150">
+              <a:extLst>
+                <a:ext uri="{FF2B5EF4-FFF2-40B4-BE49-F238E27FC236}">
+                  <a16:creationId xmlns:a16="http://schemas.microsoft.com/office/drawing/2014/main" id="{B3616D77-D44E-59B1-E2FA-78C2A48C6B85}"/>
+                </a:ext>
+              </a:extLst>
+            </p:cNvPr>
+            <p:cNvCxnSpPr>
+              <a:stCxn id="115" idx="4"/>
+            </p:cNvCxnSpPr>
+            <p:nvPr/>
+          </p:nvCxnSpPr>
+          <p:spPr>
+            <a:xfrm>
+              <a:off x="6093350" y="3826565"/>
+              <a:ext cx="0" cy="165983"/>
+            </a:xfrm>
+            <a:prstGeom prst="line">
+              <a:avLst/>
+            </a:prstGeom>
+            <a:ln w="12700">
+              <a:solidFill>
+                <a:srgbClr val="00B0F0"/>
+              </a:solidFill>
+            </a:ln>
+          </p:spPr>
+          <p:style>
+            <a:lnRef idx="1">
+              <a:schemeClr val="accent1"/>
+            </a:lnRef>
+            <a:fillRef idx="0">
+              <a:schemeClr val="accent1"/>
+            </a:fillRef>
+            <a:effectRef idx="0">
+              <a:schemeClr val="accent1"/>
+            </a:effectRef>
+            <a:fontRef idx="minor">
+              <a:schemeClr val="tx1"/>
+            </a:fontRef>
+          </p:style>
+        </p:cxnSp>
+        <p:sp>
+          <p:nvSpPr>
+            <p:cNvPr id="152" name="TextBox 113">
+              <a:extLst>
+                <a:ext uri="{FF2B5EF4-FFF2-40B4-BE49-F238E27FC236}">
+                  <a16:creationId xmlns:a16="http://schemas.microsoft.com/office/drawing/2014/main" id="{8AA6BF8E-FA34-C359-C8A8-D41D89060627}"/>
+                </a:ext>
+              </a:extLst>
+            </p:cNvPr>
+            <p:cNvSpPr txBox="1"/>
+            <p:nvPr/>
+          </p:nvSpPr>
+          <p:spPr>
+            <a:xfrm>
+              <a:off x="5805210" y="3976816"/>
+              <a:ext cx="625492" cy="307777"/>
+            </a:xfrm>
+            <a:prstGeom prst="rect">
+              <a:avLst/>
+            </a:prstGeom>
+            <a:noFill/>
+          </p:spPr>
+          <p:txBody>
+            <a:bodyPr wrap="none" rtlCol="0">
+              <a:spAutoFit/>
+            </a:bodyPr>
+            <a:lstStyle/>
+            <a:p>
+              <a:r>
+                <a:rPr lang="fr-FR" sz="1400" dirty="0" err="1"/>
+                <a:t>GPIOs</a:t>
+              </a:r>
+              <a:endParaRPr lang="fr-FR" sz="1400" dirty="0"/>
+            </a:p>
+          </p:txBody>
+        </p:sp>
+        <p:sp>
+          <p:nvSpPr>
+            <p:cNvPr id="3" name="TextBox 2">
+              <a:extLst>
+                <a:ext uri="{FF2B5EF4-FFF2-40B4-BE49-F238E27FC236}">
+                  <a16:creationId xmlns:a16="http://schemas.microsoft.com/office/drawing/2014/main" id="{2CC2A0AF-83A1-0319-3344-D784F5CCB0FD}"/>
+                </a:ext>
+              </a:extLst>
+            </p:cNvPr>
+            <p:cNvSpPr txBox="1"/>
+            <p:nvPr/>
+          </p:nvSpPr>
+          <p:spPr>
+            <a:xfrm>
+              <a:off x="5189973" y="4096555"/>
+              <a:ext cx="316112" cy="246221"/>
+            </a:xfrm>
+            <a:prstGeom prst="rect">
+              <a:avLst/>
+            </a:prstGeom>
+            <a:noFill/>
+          </p:spPr>
+          <p:txBody>
+            <a:bodyPr wrap="none" rtlCol="0">
+              <a:spAutoFit/>
+            </a:bodyPr>
+            <a:lstStyle/>
+            <a:p>
+              <a:r>
+                <a:rPr lang="fr-FR" sz="1000" dirty="0"/>
+                <a:t>11</a:t>
+              </a:r>
+              <a:endParaRPr lang="en-GB" sz="1000" dirty="0"/>
+            </a:p>
+          </p:txBody>
+        </p:sp>
+        <p:sp>
+          <p:nvSpPr>
+            <p:cNvPr id="4" name="TextBox 3">
+              <a:extLst>
+                <a:ext uri="{FF2B5EF4-FFF2-40B4-BE49-F238E27FC236}">
+                  <a16:creationId xmlns:a16="http://schemas.microsoft.com/office/drawing/2014/main" id="{71A78CAC-1F5A-18C3-9885-6106B30F5F40}"/>
+                </a:ext>
+              </a:extLst>
+            </p:cNvPr>
+            <p:cNvSpPr txBox="1"/>
+            <p:nvPr/>
+          </p:nvSpPr>
+          <p:spPr>
+            <a:xfrm>
+              <a:off x="5359424" y="3789698"/>
+              <a:ext cx="316112" cy="246221"/>
+            </a:xfrm>
+            <a:prstGeom prst="rect">
+              <a:avLst/>
+            </a:prstGeom>
+            <a:noFill/>
+          </p:spPr>
+          <p:txBody>
+            <a:bodyPr wrap="none" rtlCol="0">
+              <a:spAutoFit/>
+            </a:bodyPr>
+            <a:lstStyle/>
+            <a:p>
+              <a:r>
+                <a:rPr lang="fr-FR" sz="1000" dirty="0"/>
+                <a:t>12</a:t>
+              </a:r>
+              <a:endParaRPr lang="en-GB" sz="1000" dirty="0"/>
+            </a:p>
+          </p:txBody>
+        </p:sp>
+        <p:sp>
+          <p:nvSpPr>
+            <p:cNvPr id="5" name="TextBox 4">
+              <a:extLst>
+                <a:ext uri="{FF2B5EF4-FFF2-40B4-BE49-F238E27FC236}">
+                  <a16:creationId xmlns:a16="http://schemas.microsoft.com/office/drawing/2014/main" id="{688DC559-6FB9-3CD6-C8C7-3BADA0DACDD6}"/>
+                </a:ext>
+              </a:extLst>
+            </p:cNvPr>
+            <p:cNvSpPr txBox="1"/>
+            <p:nvPr/>
+          </p:nvSpPr>
+          <p:spPr>
+            <a:xfrm>
+              <a:off x="6013920" y="3775584"/>
+              <a:ext cx="316112" cy="246221"/>
+            </a:xfrm>
+            <a:prstGeom prst="rect">
+              <a:avLst/>
+            </a:prstGeom>
+            <a:noFill/>
+          </p:spPr>
+          <p:txBody>
+            <a:bodyPr wrap="none" rtlCol="0">
+              <a:spAutoFit/>
+            </a:bodyPr>
+            <a:lstStyle/>
+            <a:p>
+              <a:r>
+                <a:rPr lang="fr-FR" sz="1000" dirty="0"/>
+                <a:t>13</a:t>
+              </a:r>
+              <a:endParaRPr lang="en-GB" sz="1000" dirty="0"/>
+            </a:p>
+          </p:txBody>
+        </p:sp>
+        <p:sp>
+          <p:nvSpPr>
+            <p:cNvPr id="8" name="TextBox 7">
+              <a:extLst>
+                <a:ext uri="{FF2B5EF4-FFF2-40B4-BE49-F238E27FC236}">
+                  <a16:creationId xmlns:a16="http://schemas.microsoft.com/office/drawing/2014/main" id="{EAD59BB8-CB83-B9A1-6DF8-2E4DC67292AC}"/>
+                </a:ext>
+              </a:extLst>
+            </p:cNvPr>
+            <p:cNvSpPr txBox="1"/>
+            <p:nvPr/>
+          </p:nvSpPr>
+          <p:spPr>
+            <a:xfrm>
+              <a:off x="6610013" y="3792100"/>
+              <a:ext cx="316112" cy="246221"/>
+            </a:xfrm>
+            <a:prstGeom prst="rect">
+              <a:avLst/>
+            </a:prstGeom>
+            <a:noFill/>
+          </p:spPr>
+          <p:txBody>
+            <a:bodyPr wrap="none" rtlCol="0">
+              <a:spAutoFit/>
+            </a:bodyPr>
+            <a:lstStyle/>
+            <a:p>
+              <a:r>
+                <a:rPr lang="fr-FR" sz="1000" dirty="0"/>
+                <a:t>14</a:t>
+              </a:r>
+              <a:endParaRPr lang="en-GB" sz="1000" dirty="0"/>
+            </a:p>
+          </p:txBody>
+        </p:sp>
+        <p:sp>
+          <p:nvSpPr>
+            <p:cNvPr id="9" name="TextBox 8">
+              <a:extLst>
+                <a:ext uri="{FF2B5EF4-FFF2-40B4-BE49-F238E27FC236}">
+                  <a16:creationId xmlns:a16="http://schemas.microsoft.com/office/drawing/2014/main" id="{9C8A2A81-5E3A-B88E-DEDE-D1F221749143}"/>
+                </a:ext>
+              </a:extLst>
+            </p:cNvPr>
+            <p:cNvSpPr txBox="1"/>
+            <p:nvPr/>
+          </p:nvSpPr>
+          <p:spPr>
+            <a:xfrm>
+              <a:off x="6749591" y="4117545"/>
+              <a:ext cx="316112" cy="246221"/>
+            </a:xfrm>
+            <a:prstGeom prst="rect">
+              <a:avLst/>
+            </a:prstGeom>
+            <a:noFill/>
+          </p:spPr>
+          <p:txBody>
+            <a:bodyPr wrap="none" rtlCol="0">
+              <a:spAutoFit/>
+            </a:bodyPr>
+            <a:lstStyle/>
+            <a:p>
+              <a:r>
+                <a:rPr lang="fr-FR" sz="1000" dirty="0"/>
+                <a:t>15</a:t>
+              </a:r>
+              <a:endParaRPr lang="en-GB" sz="1000" dirty="0"/>
+            </a:p>
+          </p:txBody>
+        </p:sp>
+      </p:grpSp>
+    </p:spTree>
+    <p:extLst>
+      <p:ext uri="{BB962C8B-B14F-4D97-AF65-F5344CB8AC3E}">
+        <p14:creationId xmlns:p14="http://schemas.microsoft.com/office/powerpoint/2010/main" val="786923358"/>
+      </p:ext>
+    </p:extLst>
+  </p:cSld>
+  <p:clrMapOvr>
+    <a:masterClrMapping/>
+  </p:clrMapOvr>
+</p:sld>
+</file>
+
+<file path=ppt/slides/slide3.xml><?xml version="1.0" encoding="utf-8"?>
+<p:sld xmlns:a="http://schemas.openxmlformats.org/drawingml/2006/main" xmlns:r="http://schemas.openxmlformats.org/officeDocument/2006/relationships" xmlns:p="http://schemas.openxmlformats.org/presentationml/2006/main">
+  <p:cSld>
+    <p:spTree>
+      <p:nvGrpSpPr>
+        <p:cNvPr id="1" name=""/>
+        <p:cNvGrpSpPr/>
+        <p:nvPr/>
+      </p:nvGrpSpPr>
+      <p:grpSpPr>
+        <a:xfrm>
+          <a:off x="0" y="0"/>
+          <a:ext cx="0" cy="0"/>
+          <a:chOff x="0" y="0"/>
+          <a:chExt cx="0" cy="0"/>
+        </a:xfrm>
+      </p:grpSpPr>
+      <p:grpSp>
+        <p:nvGrpSpPr>
+          <p:cNvPr id="18" name="Group 17">
+            <a:extLst>
+              <a:ext uri="{FF2B5EF4-FFF2-40B4-BE49-F238E27FC236}">
+                <a16:creationId xmlns:a16="http://schemas.microsoft.com/office/drawing/2014/main" id="{E01DE9D8-5332-600A-FC77-754B9D05AB64}"/>
+              </a:ext>
+            </a:extLst>
+          </p:cNvPr>
+          <p:cNvGrpSpPr/>
+          <p:nvPr/>
+        </p:nvGrpSpPr>
+        <p:grpSpPr>
+          <a:xfrm>
+            <a:off x="3200401" y="0"/>
+            <a:ext cx="5554494" cy="6858000"/>
+            <a:chOff x="3200401" y="0"/>
+            <a:chExt cx="5554494" cy="6858000"/>
           </a:xfrm>
         </p:grpSpPr>
         <p:pic>
           <p:nvPicPr>
-            <p:cNvPr id="5" name="Picture 4">
+            <p:cNvPr id="11" name="Picture 10" descr="A white circuit board with colored wires&#10;&#10;Description automatically generated">
               <a:extLst>
                 <a:ext uri="{FF2B5EF4-FFF2-40B4-BE49-F238E27FC236}">
-                  <a16:creationId xmlns:a16="http://schemas.microsoft.com/office/drawing/2014/main" id="{DB228EC2-6BD0-4569-6616-118C023D633E}"/>
+                  <a16:creationId xmlns:a16="http://schemas.microsoft.com/office/drawing/2014/main" id="{882BAD10-2A9D-5253-D1EE-ABE239BA237B}"/>
                 </a:ext>
               </a:extLst>
             </p:cNvPr>
@@ -4491,7 +6374,7 @@
             </p:cNvPicPr>
             <p:nvPr/>
           </p:nvPicPr>
-          <p:blipFill>
+          <p:blipFill rotWithShape="1">
             <a:blip r:embed="rId2">
               <a:clrChange>
                 <a:clrFrom>
@@ -4503,27 +6386,196 @@
                   </a:srgbClr>
                 </a:clrTo>
               </a:clrChange>
+              <a:extLst>
+                <a:ext uri="{28A0092B-C50C-407E-A947-70E740481C1C}">
+                  <a14:useLocalDpi xmlns:a14="http://schemas.microsoft.com/office/drawing/2010/main" val="0"/>
+                </a:ext>
+              </a:extLst>
             </a:blip>
-            <a:stretch>
-              <a:fillRect/>
-            </a:stretch>
+            <a:srcRect l="24139" r="26253"/>
+            <a:stretch/>
           </p:blipFill>
           <p:spPr>
             <a:xfrm>
-              <a:off x="4379495" y="385356"/>
-              <a:ext cx="3862136" cy="6386283"/>
+              <a:off x="3200401" y="0"/>
+              <a:ext cx="5554494" cy="6858000"/>
             </a:xfrm>
             <a:prstGeom prst="rect">
               <a:avLst/>
             </a:prstGeom>
           </p:spPr>
         </p:pic>
+        <p:grpSp>
+          <p:nvGrpSpPr>
+            <p:cNvPr id="7" name="Group 6">
+              <a:extLst>
+                <a:ext uri="{FF2B5EF4-FFF2-40B4-BE49-F238E27FC236}">
+                  <a16:creationId xmlns:a16="http://schemas.microsoft.com/office/drawing/2014/main" id="{AC7360ED-3D4A-AA09-24B5-E846134FF515}"/>
+                </a:ext>
+              </a:extLst>
+            </p:cNvPr>
+            <p:cNvGrpSpPr/>
+            <p:nvPr/>
+          </p:nvGrpSpPr>
+          <p:grpSpPr>
+            <a:xfrm>
+              <a:off x="4271721" y="1162223"/>
+              <a:ext cx="2821361" cy="3882743"/>
+              <a:chOff x="485085" y="523438"/>
+              <a:chExt cx="2754289" cy="3793824"/>
+            </a:xfrm>
+          </p:grpSpPr>
+          <p:pic>
+            <p:nvPicPr>
+              <p:cNvPr id="4" name="Picture 4" descr="See the source image">
+                <a:extLst>
+                  <a:ext uri="{FF2B5EF4-FFF2-40B4-BE49-F238E27FC236}">
+                    <a16:creationId xmlns:a16="http://schemas.microsoft.com/office/drawing/2014/main" id="{D55B6E6F-FD22-0EB6-B5BA-850AC87C77C1}"/>
+                  </a:ext>
+                </a:extLst>
+              </p:cNvPr>
+              <p:cNvPicPr>
+                <a:picLocks noChangeAspect="1" noChangeArrowheads="1"/>
+              </p:cNvPicPr>
+              <p:nvPr/>
+            </p:nvPicPr>
+            <p:blipFill rotWithShape="1">
+              <a:blip r:embed="rId3">
+                <a:clrChange>
+                  <a:clrFrom>
+                    <a:srgbClr val="FFFFFF"/>
+                  </a:clrFrom>
+                  <a:clrTo>
+                    <a:srgbClr val="FFFFFF">
+                      <a:alpha val="0"/>
+                    </a:srgbClr>
+                  </a:clrTo>
+                </a:clrChange>
+                <a:extLst>
+                  <a:ext uri="{28A0092B-C50C-407E-A947-70E740481C1C}">
+                    <a14:useLocalDpi xmlns:a14="http://schemas.microsoft.com/office/drawing/2010/main" val="0"/>
+                  </a:ext>
+                </a:extLst>
+              </a:blip>
+              <a:srcRect l="37290" t="6604" r="36774" b="5619"/>
+              <a:stretch/>
+            </p:blipFill>
+            <p:spPr bwMode="auto">
+              <a:xfrm>
+                <a:off x="1878664" y="1247136"/>
+                <a:ext cx="1360710" cy="3070126"/>
+              </a:xfrm>
+              <a:prstGeom prst="rect">
+                <a:avLst/>
+              </a:prstGeom>
+              <a:noFill/>
+              <a:extLst>
+                <a:ext uri="{909E8E84-426E-40DD-AFC4-6F175D3DCCD1}">
+                  <a14:hiddenFill xmlns:a14="http://schemas.microsoft.com/office/drawing/2010/main">
+                    <a:solidFill>
+                      <a:srgbClr val="FFFFFF"/>
+                    </a:solidFill>
+                  </a14:hiddenFill>
+                </a:ext>
+              </a:extLst>
+            </p:spPr>
+          </p:pic>
+          <p:sp>
+            <p:nvSpPr>
+              <p:cNvPr id="5" name="Arrow: Up 4">
+                <a:extLst>
+                  <a:ext uri="{FF2B5EF4-FFF2-40B4-BE49-F238E27FC236}">
+                    <a16:creationId xmlns:a16="http://schemas.microsoft.com/office/drawing/2014/main" id="{7A44B213-0AC8-9F7F-A88C-24E74AC1764B}"/>
+                  </a:ext>
+                </a:extLst>
+              </p:cNvPr>
+              <p:cNvSpPr/>
+              <p:nvPr/>
+            </p:nvSpPr>
+            <p:spPr>
+              <a:xfrm>
+                <a:off x="2267241" y="523438"/>
+                <a:ext cx="601579" cy="733927"/>
+              </a:xfrm>
+              <a:prstGeom prst="upArrow">
+                <a:avLst/>
+              </a:prstGeom>
+              <a:solidFill>
+                <a:srgbClr val="FFFF00"/>
+              </a:solidFill>
+            </p:spPr>
+            <p:style>
+              <a:lnRef idx="2">
+                <a:schemeClr val="accent1">
+                  <a:shade val="50000"/>
+                </a:schemeClr>
+              </a:lnRef>
+              <a:fillRef idx="1">
+                <a:schemeClr val="accent1"/>
+              </a:fillRef>
+              <a:effectRef idx="0">
+                <a:schemeClr val="accent1"/>
+              </a:effectRef>
+              <a:fontRef idx="minor">
+                <a:schemeClr val="lt1"/>
+              </a:fontRef>
+            </p:style>
+            <p:txBody>
+              <a:bodyPr rtlCol="0" anchor="ctr"/>
+              <a:lstStyle/>
+              <a:p>
+                <a:pPr algn="ctr"/>
+                <a:endParaRPr lang="en-GB" dirty="0"/>
+              </a:p>
+            </p:txBody>
+          </p:sp>
+          <p:sp>
+            <p:nvSpPr>
+              <p:cNvPr id="6" name="TextBox 5">
+                <a:extLst>
+                  <a:ext uri="{FF2B5EF4-FFF2-40B4-BE49-F238E27FC236}">
+                    <a16:creationId xmlns:a16="http://schemas.microsoft.com/office/drawing/2014/main" id="{1B52A791-C25A-FDE8-2120-9687ACF50018}"/>
+                  </a:ext>
+                </a:extLst>
+              </p:cNvPr>
+              <p:cNvSpPr txBox="1"/>
+              <p:nvPr/>
+            </p:nvSpPr>
+            <p:spPr>
+              <a:xfrm>
+                <a:off x="485085" y="700621"/>
+                <a:ext cx="1849289" cy="369332"/>
+              </a:xfrm>
+              <a:prstGeom prst="rect">
+                <a:avLst/>
+              </a:prstGeom>
+              <a:noFill/>
+            </p:spPr>
+            <p:txBody>
+              <a:bodyPr wrap="none" rtlCol="0">
+                <a:spAutoFit/>
+              </a:bodyPr>
+              <a:lstStyle/>
+              <a:p>
+                <a:r>
+                  <a:rPr lang="fr-FR" dirty="0"/>
+                  <a:t>USB to </a:t>
+                </a:r>
+                <a:r>
+                  <a:rPr lang="fr-FR" dirty="0" err="1"/>
+                  <a:t>groovebox</a:t>
+                </a:r>
+                <a:endParaRPr lang="en-GB" dirty="0"/>
+              </a:p>
+            </p:txBody>
+          </p:sp>
+        </p:grpSp>
         <p:sp>
           <p:nvSpPr>
-            <p:cNvPr id="6" name="TextBox 5">
+            <p:cNvPr id="8" name="TextBox 7">
               <a:extLst>
                 <a:ext uri="{FF2B5EF4-FFF2-40B4-BE49-F238E27FC236}">
-                  <a16:creationId xmlns:a16="http://schemas.microsoft.com/office/drawing/2014/main" id="{E46B7673-3210-AB84-B0AE-F3579BB9151D}"/>
+                  <a16:creationId xmlns:a16="http://schemas.microsoft.com/office/drawing/2014/main" id="{5F2BCBC3-A610-70BA-87CD-60C4BCF020C3}"/>
                 </a:ext>
               </a:extLst>
             </p:cNvPr>
@@ -4532,7 +6584,7 @@
           </p:nvSpPr>
           <p:spPr>
             <a:xfrm>
-              <a:off x="4656219" y="5582647"/>
+              <a:off x="7021046" y="427323"/>
               <a:ext cx="752129" cy="369332"/>
             </a:xfrm>
             <a:prstGeom prst="rect">
@@ -4556,10 +6608,10 @@
         </p:sp>
         <p:sp>
           <p:nvSpPr>
-            <p:cNvPr id="7" name="TextBox 6">
+            <p:cNvPr id="9" name="TextBox 8">
               <a:extLst>
                 <a:ext uri="{FF2B5EF4-FFF2-40B4-BE49-F238E27FC236}">
-                  <a16:creationId xmlns:a16="http://schemas.microsoft.com/office/drawing/2014/main" id="{E27791A5-62BC-1CE9-1A30-5A2E16094865}"/>
+                  <a16:creationId xmlns:a16="http://schemas.microsoft.com/office/drawing/2014/main" id="{600430D4-F2C3-880D-1D5E-72EA7D15B056}"/>
                 </a:ext>
               </a:extLst>
             </p:cNvPr>
@@ -4568,7 +6620,7 @@
           </p:nvSpPr>
           <p:spPr>
             <a:xfrm>
-              <a:off x="4664236" y="6035837"/>
+              <a:off x="7029063" y="880513"/>
               <a:ext cx="434734" cy="369332"/>
             </a:xfrm>
             <a:prstGeom prst="rect">
@@ -4592,10 +6644,10 @@
         </p:sp>
         <p:sp>
           <p:nvSpPr>
-            <p:cNvPr id="8" name="TextBox 7">
+            <p:cNvPr id="12" name="TextBox 11">
               <a:extLst>
                 <a:ext uri="{FF2B5EF4-FFF2-40B4-BE49-F238E27FC236}">
-                  <a16:creationId xmlns:a16="http://schemas.microsoft.com/office/drawing/2014/main" id="{3A0704BF-DD16-5EC1-6C61-D56A9050E6E0}"/>
+                  <a16:creationId xmlns:a16="http://schemas.microsoft.com/office/drawing/2014/main" id="{97242336-A293-8A8F-31E5-8E560819EFD0}"/>
                 </a:ext>
               </a:extLst>
             </p:cNvPr>
@@ -4604,231 +6656,8 @@
           </p:nvSpPr>
           <p:spPr>
             <a:xfrm>
-              <a:off x="8025065" y="1022680"/>
-              <a:ext cx="1047082" cy="646331"/>
-            </a:xfrm>
-            <a:prstGeom prst="rect">
-              <a:avLst/>
-            </a:prstGeom>
-            <a:noFill/>
-          </p:spPr>
-          <p:txBody>
-            <a:bodyPr wrap="none" rtlCol="0">
-              <a:spAutoFit/>
-            </a:bodyPr>
-            <a:lstStyle/>
-            <a:p>
-              <a:r>
-                <a:rPr lang="fr-FR" dirty="0"/>
-                <a:t>LED +</a:t>
-              </a:r>
-              <a:br>
-                <a:rPr lang="fr-FR" dirty="0"/>
-              </a:br>
-              <a:r>
-                <a:rPr lang="fr-FR" dirty="0"/>
-                <a:t>220 Ohm</a:t>
-              </a:r>
-              <a:endParaRPr lang="en-GB" dirty="0"/>
-            </a:p>
-          </p:txBody>
-        </p:sp>
-        <p:sp>
-          <p:nvSpPr>
-            <p:cNvPr id="9" name="TextBox 8">
-              <a:extLst>
-                <a:ext uri="{FF2B5EF4-FFF2-40B4-BE49-F238E27FC236}">
-                  <a16:creationId xmlns:a16="http://schemas.microsoft.com/office/drawing/2014/main" id="{203A0BB3-2559-5DF5-5218-B789B5195DED}"/>
-                </a:ext>
-              </a:extLst>
-            </p:cNvPr>
-            <p:cNvSpPr txBox="1"/>
-            <p:nvPr/>
-          </p:nvSpPr>
-          <p:spPr>
-            <a:xfrm>
-              <a:off x="8109284" y="4005447"/>
-              <a:ext cx="785023" cy="369332"/>
-            </a:xfrm>
-            <a:prstGeom prst="rect">
-              <a:avLst/>
-            </a:prstGeom>
-            <a:noFill/>
-          </p:spPr>
-          <p:txBody>
-            <a:bodyPr wrap="none" rtlCol="0">
-              <a:spAutoFit/>
-            </a:bodyPr>
-            <a:lstStyle/>
-            <a:p>
-              <a:r>
-                <a:rPr lang="fr-FR" dirty="0"/>
-                <a:t>switch</a:t>
-              </a:r>
-              <a:endParaRPr lang="en-GB" dirty="0"/>
-            </a:p>
-          </p:txBody>
-        </p:sp>
-        <p:pic>
-          <p:nvPicPr>
-            <p:cNvPr id="2052" name="Picture 4" descr="See the source image">
-              <a:extLst>
-                <a:ext uri="{FF2B5EF4-FFF2-40B4-BE49-F238E27FC236}">
-                  <a16:creationId xmlns:a16="http://schemas.microsoft.com/office/drawing/2014/main" id="{0EEFBCF6-D4E6-6CF1-5345-893622B7B275}"/>
-                </a:ext>
-              </a:extLst>
-            </p:cNvPr>
-            <p:cNvPicPr>
-              <a:picLocks noChangeAspect="1" noChangeArrowheads="1"/>
-            </p:cNvPicPr>
-            <p:nvPr/>
-          </p:nvPicPr>
-          <p:blipFill rotWithShape="1">
-            <a:blip r:embed="rId3">
-              <a:clrChange>
-                <a:clrFrom>
-                  <a:srgbClr val="FFFFFF"/>
-                </a:clrFrom>
-                <a:clrTo>
-                  <a:srgbClr val="FFFFFF">
-                    <a:alpha val="0"/>
-                  </a:srgbClr>
-                </a:clrTo>
-              </a:clrChange>
-              <a:extLst>
-                <a:ext uri="{28A0092B-C50C-407E-A947-70E740481C1C}">
-                  <a14:useLocalDpi xmlns:a14="http://schemas.microsoft.com/office/drawing/2010/main" val="0"/>
-                </a:ext>
-              </a:extLst>
-            </a:blip>
-            <a:srcRect l="37290" t="6604" r="36774" b="5619"/>
-            <a:stretch/>
-          </p:blipFill>
-          <p:spPr bwMode="auto">
-            <a:xfrm>
-              <a:off x="5315546" y="443095"/>
-              <a:ext cx="1360710" cy="3070126"/>
-            </a:xfrm>
-            <a:prstGeom prst="rect">
-              <a:avLst/>
-            </a:prstGeom>
-            <a:noFill/>
-            <a:extLst>
-              <a:ext uri="{909E8E84-426E-40DD-AFC4-6F175D3DCCD1}">
-                <a14:hiddenFill xmlns:a14="http://schemas.microsoft.com/office/drawing/2010/main">
-                  <a:solidFill>
-                    <a:srgbClr val="FFFFFF"/>
-                  </a:solidFill>
-                </a14:hiddenFill>
-              </a:ext>
-            </a:extLst>
-          </p:spPr>
-        </p:pic>
-        <p:sp>
-          <p:nvSpPr>
-            <p:cNvPr id="10" name="Arrow: Up 9">
-              <a:extLst>
-                <a:ext uri="{FF2B5EF4-FFF2-40B4-BE49-F238E27FC236}">
-                  <a16:creationId xmlns:a16="http://schemas.microsoft.com/office/drawing/2014/main" id="{CCB70CBC-E45C-26E8-77CE-D48205DAE67A}"/>
-                </a:ext>
-              </a:extLst>
-            </p:cNvPr>
-            <p:cNvSpPr/>
-            <p:nvPr/>
-          </p:nvSpPr>
-          <p:spPr>
-            <a:xfrm>
-              <a:off x="5704123" y="-280603"/>
-              <a:ext cx="601579" cy="733927"/>
-            </a:xfrm>
-            <a:prstGeom prst="upArrow">
-              <a:avLst/>
-            </a:prstGeom>
-            <a:solidFill>
-              <a:srgbClr val="FFFF00"/>
-            </a:solidFill>
-          </p:spPr>
-          <p:style>
-            <a:lnRef idx="2">
-              <a:schemeClr val="accent1">
-                <a:shade val="50000"/>
-              </a:schemeClr>
-            </a:lnRef>
-            <a:fillRef idx="1">
-              <a:schemeClr val="accent1"/>
-            </a:fillRef>
-            <a:effectRef idx="0">
-              <a:schemeClr val="accent1"/>
-            </a:effectRef>
-            <a:fontRef idx="minor">
-              <a:schemeClr val="lt1"/>
-            </a:fontRef>
-          </p:style>
-          <p:txBody>
-            <a:bodyPr rtlCol="0" anchor="ctr"/>
-            <a:lstStyle/>
-            <a:p>
-              <a:pPr algn="ctr"/>
-              <a:endParaRPr lang="en-GB" dirty="0"/>
-            </a:p>
-          </p:txBody>
-        </p:sp>
-        <p:sp>
-          <p:nvSpPr>
-            <p:cNvPr id="11" name="TextBox 10">
-              <a:extLst>
-                <a:ext uri="{FF2B5EF4-FFF2-40B4-BE49-F238E27FC236}">
-                  <a16:creationId xmlns:a16="http://schemas.microsoft.com/office/drawing/2014/main" id="{F072F49D-564D-E436-B95A-2ED4CD99751B}"/>
-                </a:ext>
-              </a:extLst>
-            </p:cNvPr>
-            <p:cNvSpPr txBox="1"/>
-            <p:nvPr/>
-          </p:nvSpPr>
-          <p:spPr>
-            <a:xfrm>
-              <a:off x="6161318" y="-292640"/>
-              <a:ext cx="1849289" cy="369332"/>
-            </a:xfrm>
-            <a:prstGeom prst="rect">
-              <a:avLst/>
-            </a:prstGeom>
-            <a:noFill/>
-          </p:spPr>
-          <p:txBody>
-            <a:bodyPr wrap="none" rtlCol="0">
-              <a:spAutoFit/>
-            </a:bodyPr>
-            <a:lstStyle/>
-            <a:p>
-              <a:r>
-                <a:rPr lang="fr-FR" dirty="0"/>
-                <a:t>USB to </a:t>
-              </a:r>
-              <a:r>
-                <a:rPr lang="fr-FR" dirty="0" err="1"/>
-                <a:t>groovebox</a:t>
-              </a:r>
-              <a:endParaRPr lang="en-GB" dirty="0"/>
-            </a:p>
-          </p:txBody>
-        </p:sp>
-        <p:sp>
-          <p:nvSpPr>
-            <p:cNvPr id="12" name="TextBox 11">
-              <a:extLst>
-                <a:ext uri="{FF2B5EF4-FFF2-40B4-BE49-F238E27FC236}">
-                  <a16:creationId xmlns:a16="http://schemas.microsoft.com/office/drawing/2014/main" id="{481AD521-7D5D-65E0-5A5C-0633CC949AC0}"/>
-                </a:ext>
-              </a:extLst>
-            </p:cNvPr>
-            <p:cNvSpPr txBox="1"/>
-            <p:nvPr/>
-          </p:nvSpPr>
-          <p:spPr>
-            <a:xfrm>
-              <a:off x="7324261" y="3166598"/>
-              <a:ext cx="574196" cy="307777"/>
+              <a:off x="4271721" y="4270448"/>
+              <a:ext cx="524503" cy="307777"/>
             </a:xfrm>
             <a:prstGeom prst="rect">
               <a:avLst/>
@@ -4843,7 +6672,7 @@
             <a:p>
               <a:r>
                 <a:rPr lang="fr-FR" sz="1400" dirty="0"/>
-                <a:t>GP16</a:t>
+                <a:t>GND</a:t>
               </a:r>
               <a:endParaRPr lang="en-GB" sz="1400" dirty="0"/>
             </a:p>
@@ -4851,10 +6680,10 @@
         </p:sp>
         <p:sp>
           <p:nvSpPr>
-            <p:cNvPr id="13" name="TextBox 12">
+            <p:cNvPr id="14" name="TextBox 13">
               <a:extLst>
                 <a:ext uri="{FF2B5EF4-FFF2-40B4-BE49-F238E27FC236}">
-                  <a16:creationId xmlns:a16="http://schemas.microsoft.com/office/drawing/2014/main" id="{CBF545B7-3269-54E0-ABAA-7023EEE2790D}"/>
+                  <a16:creationId xmlns:a16="http://schemas.microsoft.com/office/drawing/2014/main" id="{564C38E7-4A96-DDF5-57EC-74495BB6C1BD}"/>
                 </a:ext>
               </a:extLst>
             </p:cNvPr>
@@ -4863,8 +6692,8 @@
           </p:nvSpPr>
           <p:spPr>
             <a:xfrm>
-              <a:off x="7332277" y="3030240"/>
-              <a:ext cx="574196" cy="307777"/>
+              <a:off x="3320559" y="4270448"/>
+              <a:ext cx="524503" cy="307777"/>
             </a:xfrm>
             <a:prstGeom prst="rect">
               <a:avLst/>
@@ -4879,7 +6708,115 @@
             <a:p>
               <a:r>
                 <a:rPr lang="fr-FR" sz="1400" dirty="0"/>
-                <a:t>GP17</a:t>
+                <a:t>GND</a:t>
+              </a:r>
+              <a:endParaRPr lang="en-GB" sz="1400" dirty="0"/>
+            </a:p>
+          </p:txBody>
+        </p:sp>
+        <p:sp>
+          <p:nvSpPr>
+            <p:cNvPr id="15" name="TextBox 14">
+              <a:extLst>
+                <a:ext uri="{FF2B5EF4-FFF2-40B4-BE49-F238E27FC236}">
+                  <a16:creationId xmlns:a16="http://schemas.microsoft.com/office/drawing/2014/main" id="{F0D506A6-767A-6E08-521A-CD6120832D73}"/>
+                </a:ext>
+              </a:extLst>
+            </p:cNvPr>
+            <p:cNvSpPr txBox="1"/>
+            <p:nvPr/>
+          </p:nvSpPr>
+          <p:spPr>
+            <a:xfrm>
+              <a:off x="3320558" y="4891077"/>
+              <a:ext cx="524503" cy="307777"/>
+            </a:xfrm>
+            <a:prstGeom prst="rect">
+              <a:avLst/>
+            </a:prstGeom>
+            <a:noFill/>
+          </p:spPr>
+          <p:txBody>
+            <a:bodyPr wrap="none" rtlCol="0">
+              <a:spAutoFit/>
+            </a:bodyPr>
+            <a:lstStyle/>
+            <a:p>
+              <a:r>
+                <a:rPr lang="fr-FR" sz="1400" dirty="0"/>
+                <a:t>GND</a:t>
+              </a:r>
+              <a:endParaRPr lang="en-GB" sz="1400" dirty="0"/>
+            </a:p>
+          </p:txBody>
+        </p:sp>
+        <p:sp>
+          <p:nvSpPr>
+            <p:cNvPr id="16" name="TextBox 15">
+              <a:extLst>
+                <a:ext uri="{FF2B5EF4-FFF2-40B4-BE49-F238E27FC236}">
+                  <a16:creationId xmlns:a16="http://schemas.microsoft.com/office/drawing/2014/main" id="{DA6BEAE5-19A3-9A4D-A2A8-6B4CC52059F6}"/>
+                </a:ext>
+              </a:extLst>
+            </p:cNvPr>
+            <p:cNvSpPr txBox="1"/>
+            <p:nvPr/>
+          </p:nvSpPr>
+          <p:spPr>
+            <a:xfrm>
+              <a:off x="3320557" y="3722457"/>
+              <a:ext cx="524503" cy="307777"/>
+            </a:xfrm>
+            <a:prstGeom prst="rect">
+              <a:avLst/>
+            </a:prstGeom>
+            <a:noFill/>
+          </p:spPr>
+          <p:txBody>
+            <a:bodyPr wrap="none" rtlCol="0">
+              <a:spAutoFit/>
+            </a:bodyPr>
+            <a:lstStyle/>
+            <a:p>
+              <a:r>
+                <a:rPr lang="fr-FR" sz="1400" dirty="0"/>
+                <a:t>GND</a:t>
+              </a:r>
+              <a:endParaRPr lang="en-GB" sz="1400" dirty="0"/>
+            </a:p>
+          </p:txBody>
+        </p:sp>
+        <p:sp>
+          <p:nvSpPr>
+            <p:cNvPr id="17" name="TextBox 16">
+              <a:extLst>
+                <a:ext uri="{FF2B5EF4-FFF2-40B4-BE49-F238E27FC236}">
+                  <a16:creationId xmlns:a16="http://schemas.microsoft.com/office/drawing/2014/main" id="{B8EAB03C-640A-588E-5549-AE1F829FCE50}"/>
+                </a:ext>
+              </a:extLst>
+            </p:cNvPr>
+            <p:cNvSpPr txBox="1"/>
+            <p:nvPr/>
+          </p:nvSpPr>
+          <p:spPr>
+            <a:xfrm>
+              <a:off x="3320557" y="3231931"/>
+              <a:ext cx="524503" cy="307777"/>
+            </a:xfrm>
+            <a:prstGeom prst="rect">
+              <a:avLst/>
+            </a:prstGeom>
+            <a:noFill/>
+          </p:spPr>
+          <p:txBody>
+            <a:bodyPr wrap="none" rtlCol="0">
+              <a:spAutoFit/>
+            </a:bodyPr>
+            <a:lstStyle/>
+            <a:p>
+              <a:r>
+                <a:rPr lang="fr-FR" sz="1400" dirty="0"/>
+                <a:t>GND</a:t>
               </a:r>
               <a:endParaRPr lang="en-GB" sz="1400" dirty="0"/>
             </a:p>
@@ -4889,7 +6826,7 @@
     </p:spTree>
     <p:extLst>
       <p:ext uri="{BB962C8B-B14F-4D97-AF65-F5344CB8AC3E}">
-        <p14:creationId xmlns:p14="http://schemas.microsoft.com/office/powerpoint/2010/main" val="999812810"/>
+        <p14:creationId xmlns:p14="http://schemas.microsoft.com/office/powerpoint/2010/main" val="3590388111"/>
       </p:ext>
     </p:extLst>
   </p:cSld>
@@ -4899,7 +6836,7 @@
 </p:sld>
 </file>
 
-<file path=ppt/slides/slide3.xml><?xml version="1.0" encoding="utf-8"?>
+<file path=ppt/slides/slide4.xml><?xml version="1.0" encoding="utf-8"?>
 <p:sld xmlns:a="http://schemas.openxmlformats.org/drawingml/2006/main" xmlns:r="http://schemas.openxmlformats.org/officeDocument/2006/relationships" xmlns:p="http://schemas.openxmlformats.org/presentationml/2006/main">
   <p:cSld>
     <p:spTree>
@@ -4967,476 +6904,6 @@
     <p:extLst>
       <p:ext uri="{BB962C8B-B14F-4D97-AF65-F5344CB8AC3E}">
         <p14:creationId xmlns:p14="http://schemas.microsoft.com/office/powerpoint/2010/main" val="2576746520"/>
-      </p:ext>
-    </p:extLst>
-  </p:cSld>
-  <p:clrMapOvr>
-    <a:masterClrMapping/>
-  </p:clrMapOvr>
-</p:sld>
-</file>
-
-<file path=ppt/slides/slide4.xml><?xml version="1.0" encoding="utf-8"?>
-<p:sld xmlns:a="http://schemas.openxmlformats.org/drawingml/2006/main" xmlns:r="http://schemas.openxmlformats.org/officeDocument/2006/relationships" xmlns:p="http://schemas.openxmlformats.org/presentationml/2006/main">
-  <p:cSld>
-    <p:spTree>
-      <p:nvGrpSpPr>
-        <p:cNvPr id="1" name=""/>
-        <p:cNvGrpSpPr/>
-        <p:nvPr/>
-      </p:nvGrpSpPr>
-      <p:grpSpPr>
-        <a:xfrm>
-          <a:off x="0" y="0"/>
-          <a:ext cx="0" cy="0"/>
-          <a:chOff x="0" y="0"/>
-          <a:chExt cx="0" cy="0"/>
-        </a:xfrm>
-      </p:grpSpPr>
-      <p:grpSp>
-        <p:nvGrpSpPr>
-          <p:cNvPr id="13" name="Group 12">
-            <a:extLst>
-              <a:ext uri="{FF2B5EF4-FFF2-40B4-BE49-F238E27FC236}">
-                <a16:creationId xmlns:a16="http://schemas.microsoft.com/office/drawing/2014/main" id="{EE488458-E586-47AB-4B74-A98435F4335C}"/>
-              </a:ext>
-            </a:extLst>
-          </p:cNvPr>
-          <p:cNvGrpSpPr/>
-          <p:nvPr/>
-        </p:nvGrpSpPr>
-        <p:grpSpPr>
-          <a:xfrm>
-            <a:off x="1094389" y="328448"/>
-            <a:ext cx="10122778" cy="5774121"/>
-            <a:chOff x="1094389" y="328448"/>
-            <a:chExt cx="10122778" cy="5774121"/>
-          </a:xfrm>
-        </p:grpSpPr>
-        <p:pic>
-          <p:nvPicPr>
-            <p:cNvPr id="3" name="Picture 2" descr="A picture containing wall, indoor&#10;&#10;Description automatically generated">
-              <a:extLst>
-                <a:ext uri="{FF2B5EF4-FFF2-40B4-BE49-F238E27FC236}">
-                  <a16:creationId xmlns:a16="http://schemas.microsoft.com/office/drawing/2014/main" id="{BD5BCC01-BFDD-1472-2034-6AF9C617B293}"/>
-                </a:ext>
-              </a:extLst>
-            </p:cNvPr>
-            <p:cNvPicPr>
-              <a:picLocks noChangeAspect="1"/>
-            </p:cNvPicPr>
-            <p:nvPr/>
-          </p:nvPicPr>
-          <p:blipFill>
-            <a:blip r:embed="rId2">
-              <a:extLst>
-                <a:ext uri="{28A0092B-C50C-407E-A947-70E740481C1C}">
-                  <a14:useLocalDpi xmlns:a14="http://schemas.microsoft.com/office/drawing/2010/main" val="0"/>
-                </a:ext>
-              </a:extLst>
-            </a:blip>
-            <a:stretch>
-              <a:fillRect/>
-            </a:stretch>
-          </p:blipFill>
-          <p:spPr>
-            <a:xfrm rot="5400000">
-              <a:off x="3524250" y="0"/>
-              <a:ext cx="5143500" cy="6858000"/>
-            </a:xfrm>
-            <a:prstGeom prst="rect">
-              <a:avLst/>
-            </a:prstGeom>
-          </p:spPr>
-        </p:pic>
-        <p:sp>
-          <p:nvSpPr>
-            <p:cNvPr id="5" name="Speech Bubble: Rectangle 4">
-              <a:extLst>
-                <a:ext uri="{FF2B5EF4-FFF2-40B4-BE49-F238E27FC236}">
-                  <a16:creationId xmlns:a16="http://schemas.microsoft.com/office/drawing/2014/main" id="{DC5B71B1-7D14-CA51-92AC-649926116EDF}"/>
-                </a:ext>
-              </a:extLst>
-            </p:cNvPr>
-            <p:cNvSpPr/>
-            <p:nvPr/>
-          </p:nvSpPr>
-          <p:spPr>
-            <a:xfrm>
-              <a:off x="9293773" y="3176752"/>
-              <a:ext cx="1923394" cy="693682"/>
-            </a:xfrm>
-            <a:prstGeom prst="wedgeRectCallout">
-              <a:avLst>
-                <a:gd name="adj1" fmla="val -87283"/>
-                <a:gd name="adj2" fmla="val -2601"/>
-              </a:avLst>
-            </a:prstGeom>
-          </p:spPr>
-          <p:style>
-            <a:lnRef idx="2">
-              <a:schemeClr val="accent1">
-                <a:shade val="50000"/>
-              </a:schemeClr>
-            </a:lnRef>
-            <a:fillRef idx="1">
-              <a:schemeClr val="accent1"/>
-            </a:fillRef>
-            <a:effectRef idx="0">
-              <a:schemeClr val="accent1"/>
-            </a:effectRef>
-            <a:fontRef idx="minor">
-              <a:schemeClr val="lt1"/>
-            </a:fontRef>
-          </p:style>
-          <p:txBody>
-            <a:bodyPr rtlCol="0" anchor="ctr"/>
-            <a:lstStyle/>
-            <a:p>
-              <a:pPr algn="ctr"/>
-              <a:r>
-                <a:rPr lang="fr-FR" dirty="0" err="1"/>
-                <a:t>Groovebox</a:t>
-              </a:r>
-              <a:r>
-                <a:rPr lang="fr-FR" dirty="0"/>
-                <a:t> (Novation Circuit)</a:t>
-              </a:r>
-              <a:endParaRPr lang="en-GB" dirty="0"/>
-            </a:p>
-          </p:txBody>
-        </p:sp>
-        <p:sp>
-          <p:nvSpPr>
-            <p:cNvPr id="6" name="Speech Bubble: Rectangle 5">
-              <a:extLst>
-                <a:ext uri="{FF2B5EF4-FFF2-40B4-BE49-F238E27FC236}">
-                  <a16:creationId xmlns:a16="http://schemas.microsoft.com/office/drawing/2014/main" id="{7598D556-51E0-EA62-DFED-D0648769A3B8}"/>
-                </a:ext>
-              </a:extLst>
-            </p:cNvPr>
-            <p:cNvSpPr/>
-            <p:nvPr/>
-          </p:nvSpPr>
-          <p:spPr>
-            <a:xfrm>
-              <a:off x="8713076" y="1531883"/>
-              <a:ext cx="1923394" cy="693682"/>
-            </a:xfrm>
-            <a:prstGeom prst="wedgeRectCallout">
-              <a:avLst>
-                <a:gd name="adj1" fmla="val -87693"/>
-                <a:gd name="adj2" fmla="val 81490"/>
-              </a:avLst>
-            </a:prstGeom>
-          </p:spPr>
-          <p:style>
-            <a:lnRef idx="2">
-              <a:schemeClr val="accent1">
-                <a:shade val="50000"/>
-              </a:schemeClr>
-            </a:lnRef>
-            <a:fillRef idx="1">
-              <a:schemeClr val="accent1"/>
-            </a:fillRef>
-            <a:effectRef idx="0">
-              <a:schemeClr val="accent1"/>
-            </a:effectRef>
-            <a:fontRef idx="minor">
-              <a:schemeClr val="lt1"/>
-            </a:fontRef>
-          </p:style>
-          <p:txBody>
-            <a:bodyPr rtlCol="0" anchor="ctr"/>
-            <a:lstStyle/>
-            <a:p>
-              <a:pPr algn="ctr"/>
-              <a:r>
-                <a:rPr lang="fr-FR" dirty="0"/>
-                <a:t>MIDI over USB</a:t>
-              </a:r>
-              <a:endParaRPr lang="en-GB" dirty="0"/>
-            </a:p>
-          </p:txBody>
-        </p:sp>
-        <p:sp>
-          <p:nvSpPr>
-            <p:cNvPr id="7" name="Speech Bubble: Rectangle 6">
-              <a:extLst>
-                <a:ext uri="{FF2B5EF4-FFF2-40B4-BE49-F238E27FC236}">
-                  <a16:creationId xmlns:a16="http://schemas.microsoft.com/office/drawing/2014/main" id="{DA1D6196-4834-50E4-28AB-00F37AC61472}"/>
-                </a:ext>
-              </a:extLst>
-            </p:cNvPr>
-            <p:cNvSpPr/>
-            <p:nvPr/>
-          </p:nvSpPr>
-          <p:spPr>
-            <a:xfrm>
-              <a:off x="3915103" y="328448"/>
-              <a:ext cx="1923394" cy="693682"/>
-            </a:xfrm>
-            <a:prstGeom prst="wedgeRectCallout">
-              <a:avLst>
-                <a:gd name="adj1" fmla="val -3677"/>
-                <a:gd name="adj2" fmla="val 418990"/>
-              </a:avLst>
-            </a:prstGeom>
-          </p:spPr>
-          <p:style>
-            <a:lnRef idx="2">
-              <a:schemeClr val="accent1">
-                <a:shade val="50000"/>
-              </a:schemeClr>
-            </a:lnRef>
-            <a:fillRef idx="1">
-              <a:schemeClr val="accent1"/>
-            </a:fillRef>
-            <a:effectRef idx="0">
-              <a:schemeClr val="accent1"/>
-            </a:effectRef>
-            <a:fontRef idx="minor">
-              <a:schemeClr val="lt1"/>
-            </a:fontRef>
-          </p:style>
-          <p:txBody>
-            <a:bodyPr rtlCol="0" anchor="ctr"/>
-            <a:lstStyle/>
-            <a:p>
-              <a:pPr algn="ctr"/>
-              <a:r>
-                <a:rPr lang="fr-FR" dirty="0"/>
-                <a:t>Pico USB plug</a:t>
-              </a:r>
-              <a:endParaRPr lang="en-GB" dirty="0"/>
-            </a:p>
-          </p:txBody>
-        </p:sp>
-        <p:sp>
-          <p:nvSpPr>
-            <p:cNvPr id="8" name="Speech Bubble: Rectangle 7">
-              <a:extLst>
-                <a:ext uri="{FF2B5EF4-FFF2-40B4-BE49-F238E27FC236}">
-                  <a16:creationId xmlns:a16="http://schemas.microsoft.com/office/drawing/2014/main" id="{EF7FF31C-F45D-BEBF-3EB6-8F7B4E961930}"/>
-                </a:ext>
-              </a:extLst>
-            </p:cNvPr>
-            <p:cNvSpPr/>
-            <p:nvPr/>
-          </p:nvSpPr>
-          <p:spPr>
-            <a:xfrm>
-              <a:off x="1471448" y="959069"/>
-              <a:ext cx="1923394" cy="693682"/>
-            </a:xfrm>
-            <a:prstGeom prst="wedgeRectCallout">
-              <a:avLst>
-                <a:gd name="adj1" fmla="val 73782"/>
-                <a:gd name="adj2" fmla="val 176945"/>
-              </a:avLst>
-            </a:prstGeom>
-          </p:spPr>
-          <p:style>
-            <a:lnRef idx="2">
-              <a:schemeClr val="accent1">
-                <a:shade val="50000"/>
-              </a:schemeClr>
-            </a:lnRef>
-            <a:fillRef idx="1">
-              <a:schemeClr val="accent1"/>
-            </a:fillRef>
-            <a:effectRef idx="0">
-              <a:schemeClr val="accent1"/>
-            </a:effectRef>
-            <a:fontRef idx="minor">
-              <a:schemeClr val="lt1"/>
-            </a:fontRef>
-          </p:style>
-          <p:txBody>
-            <a:bodyPr rtlCol="0" anchor="ctr"/>
-            <a:lstStyle/>
-            <a:p>
-              <a:pPr algn="ctr"/>
-              <a:r>
-                <a:rPr lang="fr-FR" dirty="0"/>
-                <a:t>Power pack</a:t>
-              </a:r>
-              <a:endParaRPr lang="en-GB" dirty="0"/>
-            </a:p>
-          </p:txBody>
-        </p:sp>
-        <p:sp>
-          <p:nvSpPr>
-            <p:cNvPr id="9" name="Speech Bubble: Rectangle 8">
-              <a:extLst>
-                <a:ext uri="{FF2B5EF4-FFF2-40B4-BE49-F238E27FC236}">
-                  <a16:creationId xmlns:a16="http://schemas.microsoft.com/office/drawing/2014/main" id="{55960FA4-3A5C-732F-3E1B-2F126D65ADA0}"/>
-                </a:ext>
-              </a:extLst>
-            </p:cNvPr>
-            <p:cNvSpPr/>
-            <p:nvPr/>
-          </p:nvSpPr>
-          <p:spPr>
-            <a:xfrm>
-              <a:off x="8936421" y="5176345"/>
-              <a:ext cx="1923394" cy="693682"/>
-            </a:xfrm>
-            <a:prstGeom prst="wedgeRectCallout">
-              <a:avLst>
-                <a:gd name="adj1" fmla="val -155726"/>
-                <a:gd name="adj2" fmla="val 17854"/>
-              </a:avLst>
-            </a:prstGeom>
-          </p:spPr>
-          <p:style>
-            <a:lnRef idx="2">
-              <a:schemeClr val="accent1">
-                <a:shade val="50000"/>
-              </a:schemeClr>
-            </a:lnRef>
-            <a:fillRef idx="1">
-              <a:schemeClr val="accent1"/>
-            </a:fillRef>
-            <a:effectRef idx="0">
-              <a:schemeClr val="accent1"/>
-            </a:effectRef>
-            <a:fontRef idx="minor">
-              <a:schemeClr val="lt1"/>
-            </a:fontRef>
-          </p:style>
-          <p:txBody>
-            <a:bodyPr rtlCol="0" anchor="ctr"/>
-            <a:lstStyle/>
-            <a:p>
-              <a:pPr algn="ctr"/>
-              <a:r>
-                <a:rPr lang="fr-FR" dirty="0"/>
-                <a:t>Switch + LED</a:t>
-              </a:r>
-              <a:endParaRPr lang="en-GB" dirty="0"/>
-            </a:p>
-          </p:txBody>
-        </p:sp>
-        <p:sp>
-          <p:nvSpPr>
-            <p:cNvPr id="10" name="Speech Bubble: Rectangle 9">
-              <a:extLst>
-                <a:ext uri="{FF2B5EF4-FFF2-40B4-BE49-F238E27FC236}">
-                  <a16:creationId xmlns:a16="http://schemas.microsoft.com/office/drawing/2014/main" id="{B5A1532E-A8EC-BC71-179E-D3CDEAF8A486}"/>
-                </a:ext>
-              </a:extLst>
-            </p:cNvPr>
-            <p:cNvSpPr/>
-            <p:nvPr/>
-          </p:nvSpPr>
-          <p:spPr>
-            <a:xfrm>
-              <a:off x="1094389" y="5408887"/>
-              <a:ext cx="1923394" cy="693682"/>
-            </a:xfrm>
-            <a:prstGeom prst="wedgeRectCallout">
-              <a:avLst>
-                <a:gd name="adj1" fmla="val 113536"/>
-                <a:gd name="adj2" fmla="val -187829"/>
-              </a:avLst>
-            </a:prstGeom>
-          </p:spPr>
-          <p:style>
-            <a:lnRef idx="2">
-              <a:schemeClr val="accent1">
-                <a:shade val="50000"/>
-              </a:schemeClr>
-            </a:lnRef>
-            <a:fillRef idx="1">
-              <a:schemeClr val="accent1"/>
-            </a:fillRef>
-            <a:effectRef idx="0">
-              <a:schemeClr val="accent1"/>
-            </a:effectRef>
-            <a:fontRef idx="minor">
-              <a:schemeClr val="lt1"/>
-            </a:fontRef>
-          </p:style>
-          <p:txBody>
-            <a:bodyPr rtlCol="0" anchor="ctr"/>
-            <a:lstStyle/>
-            <a:p>
-              <a:pPr algn="ctr"/>
-              <a:r>
-                <a:rPr lang="fr-FR" dirty="0"/>
-                <a:t>Cable to </a:t>
-              </a:r>
-              <a:r>
-                <a:rPr lang="fr-FR" dirty="0" err="1"/>
-                <a:t>connect</a:t>
-              </a:r>
-              <a:r>
-                <a:rPr lang="fr-FR" dirty="0"/>
-                <a:t> switch to pico</a:t>
-              </a:r>
-              <a:endParaRPr lang="en-GB" dirty="0"/>
-            </a:p>
-          </p:txBody>
-        </p:sp>
-        <p:sp>
-          <p:nvSpPr>
-            <p:cNvPr id="11" name="Speech Bubble: Rectangle 10">
-              <a:extLst>
-                <a:ext uri="{FF2B5EF4-FFF2-40B4-BE49-F238E27FC236}">
-                  <a16:creationId xmlns:a16="http://schemas.microsoft.com/office/drawing/2014/main" id="{5732EE18-35A0-227D-B592-00E8013FA373}"/>
-                </a:ext>
-              </a:extLst>
-            </p:cNvPr>
-            <p:cNvSpPr/>
-            <p:nvPr/>
-          </p:nvSpPr>
-          <p:spPr>
-            <a:xfrm>
-              <a:off x="1250731" y="3323897"/>
-              <a:ext cx="1923394" cy="693682"/>
-            </a:xfrm>
-            <a:prstGeom prst="wedgeRectCallout">
-              <a:avLst>
-                <a:gd name="adj1" fmla="val 107389"/>
-                <a:gd name="adj2" fmla="val 36035"/>
-              </a:avLst>
-            </a:prstGeom>
-          </p:spPr>
-          <p:style>
-            <a:lnRef idx="2">
-              <a:schemeClr val="accent1">
-                <a:shade val="50000"/>
-              </a:schemeClr>
-            </a:lnRef>
-            <a:fillRef idx="1">
-              <a:schemeClr val="accent1"/>
-            </a:fillRef>
-            <a:effectRef idx="0">
-              <a:schemeClr val="accent1"/>
-            </a:effectRef>
-            <a:fontRef idx="minor">
-              <a:schemeClr val="lt1"/>
-            </a:fontRef>
-          </p:style>
-          <p:txBody>
-            <a:bodyPr rtlCol="0" anchor="ctr"/>
-            <a:lstStyle/>
-            <a:p>
-              <a:pPr algn="ctr"/>
-              <a:r>
-                <a:rPr lang="fr-FR" dirty="0"/>
-                <a:t>Pico in a case</a:t>
-              </a:r>
-              <a:endParaRPr lang="en-GB" dirty="0"/>
-            </a:p>
-          </p:txBody>
-        </p:sp>
-      </p:grpSp>
-    </p:spTree>
-    <p:extLst>
-      <p:ext uri="{BB962C8B-B14F-4D97-AF65-F5344CB8AC3E}">
-        <p14:creationId xmlns:p14="http://schemas.microsoft.com/office/powerpoint/2010/main" val="3584381637"/>
       </p:ext>
     </p:extLst>
   </p:cSld>

--- a/pictures/picovation.pptx
+++ b/pictures/picovation.pptx
@@ -113,14 +113,6 @@
     </p:ext>
   </p:extLst>
 </p:presentation>
-</file>
-
-<file path=ppt/revisionInfo.xml><?xml version="1.0" encoding="utf-8"?>
-<p1510:revInfo xmlns:a="http://schemas.openxmlformats.org/drawingml/2006/main" xmlns:r="http://schemas.openxmlformats.org/officeDocument/2006/relationships" xmlns:p1510="http://schemas.microsoft.com/office/powerpoint/2015/10/main">
-  <p1510:revLst>
-    <p1510:client id="{A16D4F0F-675A-4A2D-BB10-57FA28965D41}" v="4" dt="2023-04-11T14:17:46.639"/>
-  </p1510:revLst>
-</p1510:revInfo>
 </file>
 
 <file path=ppt/changesInfos/changesInfo1.xml><?xml version="1.0" encoding="utf-8"?>
@@ -534,6 +526,30 @@
             <ac:cxnSpMk id="17" creationId="{D6A596D3-F4B8-A645-B56B-D86C6B61147B}"/>
           </ac:cxnSpMkLst>
         </pc:cxnChg>
+      </pc:sldChg>
+    </pc:docChg>
+  </pc:docChgLst>
+  <pc:docChgLst>
+    <pc:chgData name="Barritault, Denis" userId="31958905-2920-4fef-84d2-b4723818abb1" providerId="ADAL" clId="{3E5FC0BF-581D-4F55-B275-1889E6CB0C43}"/>
+    <pc:docChg chg="modSld">
+      <pc:chgData name="Barritault, Denis" userId="31958905-2920-4fef-84d2-b4723818abb1" providerId="ADAL" clId="{3E5FC0BF-581D-4F55-B275-1889E6CB0C43}" dt="2023-08-25T16:16:56.068" v="7" actId="20577"/>
+      <pc:docMkLst>
+        <pc:docMk/>
+      </pc:docMkLst>
+      <pc:sldChg chg="modSp mod">
+        <pc:chgData name="Barritault, Denis" userId="31958905-2920-4fef-84d2-b4723818abb1" providerId="ADAL" clId="{3E5FC0BF-581D-4F55-B275-1889E6CB0C43}" dt="2023-08-25T16:16:56.068" v="7" actId="20577"/>
+        <pc:sldMkLst>
+          <pc:docMk/>
+          <pc:sldMk cId="833119427" sldId="257"/>
+        </pc:sldMkLst>
+        <pc:spChg chg="mod">
+          <ac:chgData name="Barritault, Denis" userId="31958905-2920-4fef-84d2-b4723818abb1" providerId="ADAL" clId="{3E5FC0BF-581D-4F55-B275-1889E6CB0C43}" dt="2023-08-25T16:16:56.068" v="7" actId="20577"/>
+          <ac:spMkLst>
+            <pc:docMk/>
+            <pc:sldMk cId="833119427" sldId="257"/>
+            <ac:spMk id="14" creationId="{9A9CC73D-7199-A419-8AF9-93CD470183C8}"/>
+          </ac:spMkLst>
+        </pc:spChg>
       </pc:sldChg>
     </pc:docChg>
   </pc:docChgLst>
@@ -4210,7 +4226,7 @@
           <p:spPr>
             <a:xfrm>
               <a:off x="2373549" y="2998145"/>
-              <a:ext cx="1840568" cy="307777"/>
+              <a:ext cx="2154757" cy="307777"/>
             </a:xfrm>
             <a:prstGeom prst="rect">
               <a:avLst/>
@@ -4224,8 +4240,8 @@
             <a:lstStyle/>
             <a:p>
               <a:r>
-                <a:rPr lang="fr-FR" sz="1400" dirty="0"/>
-                <a:t>PAUSE </a:t>
+                <a:rPr lang="fr-FR" sz="1400"/>
+                <a:t>CONTINUE </a:t>
               </a:r>
               <a:r>
                 <a:rPr lang="fr-FR" sz="1400" dirty="0" err="1"/>

--- a/pictures/picovation.pptx
+++ b/pictures/picovation.pptx
@@ -532,12 +532,12 @@
   <pc:docChgLst>
     <pc:chgData name="Barritault, Denis" userId="31958905-2920-4fef-84d2-b4723818abb1" providerId="ADAL" clId="{3E5FC0BF-581D-4F55-B275-1889E6CB0C43}"/>
     <pc:docChg chg="modSld">
-      <pc:chgData name="Barritault, Denis" userId="31958905-2920-4fef-84d2-b4723818abb1" providerId="ADAL" clId="{3E5FC0BF-581D-4F55-B275-1889E6CB0C43}" dt="2023-08-25T16:16:56.068" v="7" actId="20577"/>
+      <pc:chgData name="Barritault, Denis" userId="31958905-2920-4fef-84d2-b4723818abb1" providerId="ADAL" clId="{3E5FC0BF-581D-4F55-B275-1889E6CB0C43}" dt="2023-08-25T16:33:56.049" v="9" actId="1037"/>
       <pc:docMkLst>
         <pc:docMk/>
       </pc:docMkLst>
       <pc:sldChg chg="modSp mod">
-        <pc:chgData name="Barritault, Denis" userId="31958905-2920-4fef-84d2-b4723818abb1" providerId="ADAL" clId="{3E5FC0BF-581D-4F55-B275-1889E6CB0C43}" dt="2023-08-25T16:16:56.068" v="7" actId="20577"/>
+        <pc:chgData name="Barritault, Denis" userId="31958905-2920-4fef-84d2-b4723818abb1" providerId="ADAL" clId="{3E5FC0BF-581D-4F55-B275-1889E6CB0C43}" dt="2023-08-25T16:33:56.049" v="9" actId="1037"/>
         <pc:sldMkLst>
           <pc:docMk/>
           <pc:sldMk cId="833119427" sldId="257"/>
@@ -550,6 +550,14 @@
             <ac:spMk id="14" creationId="{9A9CC73D-7199-A419-8AF9-93CD470183C8}"/>
           </ac:spMkLst>
         </pc:spChg>
+        <pc:grpChg chg="mod">
+          <ac:chgData name="Barritault, Denis" userId="31958905-2920-4fef-84d2-b4723818abb1" providerId="ADAL" clId="{3E5FC0BF-581D-4F55-B275-1889E6CB0C43}" dt="2023-08-25T16:33:56.049" v="9" actId="1037"/>
+          <ac:grpSpMkLst>
+            <pc:docMk/>
+            <pc:sldMk cId="833119427" sldId="257"/>
+            <ac:grpSpMk id="20" creationId="{9519DA5A-832B-2BC9-31EA-FABCA4E853A8}"/>
+          </ac:grpSpMkLst>
+        </pc:grpChg>
       </pc:sldChg>
     </pc:docChg>
   </pc:docChgLst>

--- a/pictures/picovation.pptx
+++ b/pictures/picovation.pptx
@@ -115,6 +115,14 @@
 </p:presentation>
 </file>
 
+<file path=ppt/revisionInfo.xml><?xml version="1.0" encoding="utf-8"?>
+<p1510:revInfo xmlns:a="http://schemas.openxmlformats.org/drawingml/2006/main" xmlns:r="http://schemas.openxmlformats.org/officeDocument/2006/relationships" xmlns:p1510="http://schemas.microsoft.com/office/powerpoint/2015/10/main">
+  <p1510:revLst>
+    <p1510:client id="{E6A1A1A2-A97F-4AED-8E43-69EDFDB61660}" v="2" dt="2023-08-28T14:16:23.176"/>
+  </p1510:revLst>
+</p1510:revInfo>
+</file>
+
 <file path=ppt/changesInfos/changesInfo1.xml><?xml version="1.0" encoding="utf-8"?>
 <pc:chgInfo xmlns:a="http://schemas.openxmlformats.org/drawingml/2006/main" xmlns:r="http://schemas.openxmlformats.org/officeDocument/2006/relationships" xmlns:ac="http://schemas.microsoft.com/office/drawing/2013/main/command" xmlns:pc="http://schemas.microsoft.com/office/powerpoint/2013/main/command">
   <pc:docChgLst>
@@ -422,6 +430,318 @@
             <ac:picMk id="3" creationId="{BD5BCC01-BFDD-1472-2034-6AF9C617B293}"/>
           </ac:picMkLst>
         </pc:picChg>
+      </pc:sldChg>
+    </pc:docChg>
+  </pc:docChgLst>
+  <pc:docChgLst>
+    <pc:chgData name="Barritault, Denis" userId="31958905-2920-4fef-84d2-b4723818abb1" providerId="ADAL" clId="{E6A1A1A2-A97F-4AED-8E43-69EDFDB61660}"/>
+    <pc:docChg chg="modSld">
+      <pc:chgData name="Barritault, Denis" userId="31958905-2920-4fef-84d2-b4723818abb1" providerId="ADAL" clId="{E6A1A1A2-A97F-4AED-8E43-69EDFDB61660}" dt="2023-08-28T14:16:23.175" v="21" actId="164"/>
+      <pc:docMkLst>
+        <pc:docMk/>
+      </pc:docMkLst>
+      <pc:sldChg chg="addSp delSp modSp mod">
+        <pc:chgData name="Barritault, Denis" userId="31958905-2920-4fef-84d2-b4723818abb1" providerId="ADAL" clId="{E6A1A1A2-A97F-4AED-8E43-69EDFDB61660}" dt="2023-08-28T14:16:23.175" v="21" actId="164"/>
+        <pc:sldMkLst>
+          <pc:docMk/>
+          <pc:sldMk cId="786923358" sldId="278"/>
+        </pc:sldMkLst>
+        <pc:spChg chg="mod">
+          <ac:chgData name="Barritault, Denis" userId="31958905-2920-4fef-84d2-b4723818abb1" providerId="ADAL" clId="{E6A1A1A2-A97F-4AED-8E43-69EDFDB61660}" dt="2023-08-28T14:16:15.274" v="20" actId="165"/>
+          <ac:spMkLst>
+            <pc:docMk/>
+            <pc:sldMk cId="786923358" sldId="278"/>
+            <ac:spMk id="2" creationId="{E9FE68F2-2B55-AD16-D266-D49618C9509C}"/>
+          </ac:spMkLst>
+        </pc:spChg>
+        <pc:spChg chg="mod topLvl">
+          <ac:chgData name="Barritault, Denis" userId="31958905-2920-4fef-84d2-b4723818abb1" providerId="ADAL" clId="{E6A1A1A2-A97F-4AED-8E43-69EDFDB61660}" dt="2023-08-28T14:16:23.175" v="21" actId="164"/>
+          <ac:spMkLst>
+            <pc:docMk/>
+            <pc:sldMk cId="786923358" sldId="278"/>
+            <ac:spMk id="3" creationId="{2CC2A0AF-83A1-0319-3344-D784F5CCB0FD}"/>
+          </ac:spMkLst>
+        </pc:spChg>
+        <pc:spChg chg="mod topLvl">
+          <ac:chgData name="Barritault, Denis" userId="31958905-2920-4fef-84d2-b4723818abb1" providerId="ADAL" clId="{E6A1A1A2-A97F-4AED-8E43-69EDFDB61660}" dt="2023-08-28T14:16:23.175" v="21" actId="164"/>
+          <ac:spMkLst>
+            <pc:docMk/>
+            <pc:sldMk cId="786923358" sldId="278"/>
+            <ac:spMk id="4" creationId="{71A78CAC-1F5A-18C3-9885-6106B30F5F40}"/>
+          </ac:spMkLst>
+        </pc:spChg>
+        <pc:spChg chg="mod topLvl">
+          <ac:chgData name="Barritault, Denis" userId="31958905-2920-4fef-84d2-b4723818abb1" providerId="ADAL" clId="{E6A1A1A2-A97F-4AED-8E43-69EDFDB61660}" dt="2023-08-28T14:16:23.175" v="21" actId="164"/>
+          <ac:spMkLst>
+            <pc:docMk/>
+            <pc:sldMk cId="786923358" sldId="278"/>
+            <ac:spMk id="5" creationId="{688DC559-6FB9-3CD6-C8C7-3BADA0DACDD6}"/>
+          </ac:spMkLst>
+        </pc:spChg>
+        <pc:spChg chg="mod">
+          <ac:chgData name="Barritault, Denis" userId="31958905-2920-4fef-84d2-b4723818abb1" providerId="ADAL" clId="{E6A1A1A2-A97F-4AED-8E43-69EDFDB61660}" dt="2023-08-28T14:16:15.274" v="20" actId="165"/>
+          <ac:spMkLst>
+            <pc:docMk/>
+            <pc:sldMk cId="786923358" sldId="278"/>
+            <ac:spMk id="7" creationId="{29E1EE90-C7F3-3FD2-A12C-3FB129F5CBFD}"/>
+          </ac:spMkLst>
+        </pc:spChg>
+        <pc:spChg chg="mod topLvl">
+          <ac:chgData name="Barritault, Denis" userId="31958905-2920-4fef-84d2-b4723818abb1" providerId="ADAL" clId="{E6A1A1A2-A97F-4AED-8E43-69EDFDB61660}" dt="2023-08-28T14:16:23.175" v="21" actId="164"/>
+          <ac:spMkLst>
+            <pc:docMk/>
+            <pc:sldMk cId="786923358" sldId="278"/>
+            <ac:spMk id="8" creationId="{EAD59BB8-CB83-B9A1-6DF8-2E4DC67292AC}"/>
+          </ac:spMkLst>
+        </pc:spChg>
+        <pc:spChg chg="mod topLvl">
+          <ac:chgData name="Barritault, Denis" userId="31958905-2920-4fef-84d2-b4723818abb1" providerId="ADAL" clId="{E6A1A1A2-A97F-4AED-8E43-69EDFDB61660}" dt="2023-08-28T14:16:23.175" v="21" actId="164"/>
+          <ac:spMkLst>
+            <pc:docMk/>
+            <pc:sldMk cId="786923358" sldId="278"/>
+            <ac:spMk id="9" creationId="{9C8A2A81-5E3A-B88E-DEDE-D1F221749143}"/>
+          </ac:spMkLst>
+        </pc:spChg>
+        <pc:spChg chg="mod">
+          <ac:chgData name="Barritault, Denis" userId="31958905-2920-4fef-84d2-b4723818abb1" providerId="ADAL" clId="{E6A1A1A2-A97F-4AED-8E43-69EDFDB61660}" dt="2023-08-28T14:16:15.274" v="20" actId="165"/>
+          <ac:spMkLst>
+            <pc:docMk/>
+            <pc:sldMk cId="786923358" sldId="278"/>
+            <ac:spMk id="104" creationId="{95265241-7F96-6AE5-5508-0E788C9D91B8}"/>
+          </ac:spMkLst>
+        </pc:spChg>
+        <pc:spChg chg="mod">
+          <ac:chgData name="Barritault, Denis" userId="31958905-2920-4fef-84d2-b4723818abb1" providerId="ADAL" clId="{E6A1A1A2-A97F-4AED-8E43-69EDFDB61660}" dt="2023-08-28T14:16:15.274" v="20" actId="165"/>
+          <ac:spMkLst>
+            <pc:docMk/>
+            <pc:sldMk cId="786923358" sldId="278"/>
+            <ac:spMk id="105" creationId="{BDD75742-CE75-8D1A-B77E-91F42575F968}"/>
+          </ac:spMkLst>
+        </pc:spChg>
+        <pc:spChg chg="mod">
+          <ac:chgData name="Barritault, Denis" userId="31958905-2920-4fef-84d2-b4723818abb1" providerId="ADAL" clId="{E6A1A1A2-A97F-4AED-8E43-69EDFDB61660}" dt="2023-08-28T14:16:15.274" v="20" actId="165"/>
+          <ac:spMkLst>
+            <pc:docMk/>
+            <pc:sldMk cId="786923358" sldId="278"/>
+            <ac:spMk id="106" creationId="{4586708E-F997-387D-B42A-B894A4F74F9C}"/>
+          </ac:spMkLst>
+        </pc:spChg>
+        <pc:spChg chg="mod">
+          <ac:chgData name="Barritault, Denis" userId="31958905-2920-4fef-84d2-b4723818abb1" providerId="ADAL" clId="{E6A1A1A2-A97F-4AED-8E43-69EDFDB61660}" dt="2023-08-28T14:16:15.274" v="20" actId="165"/>
+          <ac:spMkLst>
+            <pc:docMk/>
+            <pc:sldMk cId="786923358" sldId="278"/>
+            <ac:spMk id="107" creationId="{F0F4331F-529A-D377-48E7-FA6EB103E6DA}"/>
+          </ac:spMkLst>
+        </pc:spChg>
+        <pc:spChg chg="mod">
+          <ac:chgData name="Barritault, Denis" userId="31958905-2920-4fef-84d2-b4723818abb1" providerId="ADAL" clId="{E6A1A1A2-A97F-4AED-8E43-69EDFDB61660}" dt="2023-08-28T14:16:15.274" v="20" actId="165"/>
+          <ac:spMkLst>
+            <pc:docMk/>
+            <pc:sldMk cId="786923358" sldId="278"/>
+            <ac:spMk id="108" creationId="{FAD555BF-D423-E830-4B72-5ADC4922B79E}"/>
+          </ac:spMkLst>
+        </pc:spChg>
+        <pc:spChg chg="mod topLvl">
+          <ac:chgData name="Barritault, Denis" userId="31958905-2920-4fef-84d2-b4723818abb1" providerId="ADAL" clId="{E6A1A1A2-A97F-4AED-8E43-69EDFDB61660}" dt="2023-08-28T14:16:23.175" v="21" actId="164"/>
+          <ac:spMkLst>
+            <pc:docMk/>
+            <pc:sldMk cId="786923358" sldId="278"/>
+            <ac:spMk id="110" creationId="{BC1BD8EB-9BF0-7AD9-1722-C66531DCF952}"/>
+          </ac:spMkLst>
+        </pc:spChg>
+        <pc:spChg chg="mod topLvl">
+          <ac:chgData name="Barritault, Denis" userId="31958905-2920-4fef-84d2-b4723818abb1" providerId="ADAL" clId="{E6A1A1A2-A97F-4AED-8E43-69EDFDB61660}" dt="2023-08-28T14:16:23.175" v="21" actId="164"/>
+          <ac:spMkLst>
+            <pc:docMk/>
+            <pc:sldMk cId="786923358" sldId="278"/>
+            <ac:spMk id="112" creationId="{E9273ABC-7287-8163-B646-0B09471B7E20}"/>
+          </ac:spMkLst>
+        </pc:spChg>
+        <pc:spChg chg="mod topLvl">
+          <ac:chgData name="Barritault, Denis" userId="31958905-2920-4fef-84d2-b4723818abb1" providerId="ADAL" clId="{E6A1A1A2-A97F-4AED-8E43-69EDFDB61660}" dt="2023-08-28T14:16:23.175" v="21" actId="164"/>
+          <ac:spMkLst>
+            <pc:docMk/>
+            <pc:sldMk cId="786923358" sldId="278"/>
+            <ac:spMk id="113" creationId="{058129B2-37D0-5B6B-93E4-3882B41125B4}"/>
+          </ac:spMkLst>
+        </pc:spChg>
+        <pc:spChg chg="mod topLvl">
+          <ac:chgData name="Barritault, Denis" userId="31958905-2920-4fef-84d2-b4723818abb1" providerId="ADAL" clId="{E6A1A1A2-A97F-4AED-8E43-69EDFDB61660}" dt="2023-08-28T14:16:23.175" v="21" actId="164"/>
+          <ac:spMkLst>
+            <pc:docMk/>
+            <pc:sldMk cId="786923358" sldId="278"/>
+            <ac:spMk id="114" creationId="{ED0AF6E9-3AEB-9D4D-8790-D7EAF584E094}"/>
+          </ac:spMkLst>
+        </pc:spChg>
+        <pc:spChg chg="mod topLvl">
+          <ac:chgData name="Barritault, Denis" userId="31958905-2920-4fef-84d2-b4723818abb1" providerId="ADAL" clId="{E6A1A1A2-A97F-4AED-8E43-69EDFDB61660}" dt="2023-08-28T14:16:23.175" v="21" actId="164"/>
+          <ac:spMkLst>
+            <pc:docMk/>
+            <pc:sldMk cId="786923358" sldId="278"/>
+            <ac:spMk id="115" creationId="{08A0395F-D49A-546C-8EF9-B3D329BE88AE}"/>
+          </ac:spMkLst>
+        </pc:spChg>
+        <pc:spChg chg="mod topLvl">
+          <ac:chgData name="Barritault, Denis" userId="31958905-2920-4fef-84d2-b4723818abb1" providerId="ADAL" clId="{E6A1A1A2-A97F-4AED-8E43-69EDFDB61660}" dt="2023-08-28T14:16:23.175" v="21" actId="164"/>
+          <ac:spMkLst>
+            <pc:docMk/>
+            <pc:sldMk cId="786923358" sldId="278"/>
+            <ac:spMk id="116" creationId="{F34AEC4A-5213-58B6-4CAC-627848152573}"/>
+          </ac:spMkLst>
+        </pc:spChg>
+        <pc:spChg chg="mod topLvl">
+          <ac:chgData name="Barritault, Denis" userId="31958905-2920-4fef-84d2-b4723818abb1" providerId="ADAL" clId="{E6A1A1A2-A97F-4AED-8E43-69EDFDB61660}" dt="2023-08-28T14:16:23.175" v="21" actId="164"/>
+          <ac:spMkLst>
+            <pc:docMk/>
+            <pc:sldMk cId="786923358" sldId="278"/>
+            <ac:spMk id="117" creationId="{BA508A7E-4210-FAB0-FDB6-57C4724F5F97}"/>
+          </ac:spMkLst>
+        </pc:spChg>
+        <pc:spChg chg="mod topLvl">
+          <ac:chgData name="Barritault, Denis" userId="31958905-2920-4fef-84d2-b4723818abb1" providerId="ADAL" clId="{E6A1A1A2-A97F-4AED-8E43-69EDFDB61660}" dt="2023-08-28T14:16:23.175" v="21" actId="164"/>
+          <ac:spMkLst>
+            <pc:docMk/>
+            <pc:sldMk cId="786923358" sldId="278"/>
+            <ac:spMk id="130" creationId="{AB8C2D4B-71DE-B73A-7578-285A97148E75}"/>
+          </ac:spMkLst>
+        </pc:spChg>
+        <pc:spChg chg="mod topLvl">
+          <ac:chgData name="Barritault, Denis" userId="31958905-2920-4fef-84d2-b4723818abb1" providerId="ADAL" clId="{E6A1A1A2-A97F-4AED-8E43-69EDFDB61660}" dt="2023-08-28T14:16:23.175" v="21" actId="164"/>
+          <ac:spMkLst>
+            <pc:docMk/>
+            <pc:sldMk cId="786923358" sldId="278"/>
+            <ac:spMk id="135" creationId="{82FCA857-A076-CE40-CE71-6FD00C645390}"/>
+          </ac:spMkLst>
+        </pc:spChg>
+        <pc:spChg chg="mod topLvl">
+          <ac:chgData name="Barritault, Denis" userId="31958905-2920-4fef-84d2-b4723818abb1" providerId="ADAL" clId="{E6A1A1A2-A97F-4AED-8E43-69EDFDB61660}" dt="2023-08-28T14:16:23.175" v="21" actId="164"/>
+          <ac:spMkLst>
+            <pc:docMk/>
+            <pc:sldMk cId="786923358" sldId="278"/>
+            <ac:spMk id="152" creationId="{8AA6BF8E-FA34-C359-C8A8-D41D89060627}"/>
+          </ac:spMkLst>
+        </pc:spChg>
+        <pc:grpChg chg="del">
+          <ac:chgData name="Barritault, Denis" userId="31958905-2920-4fef-84d2-b4723818abb1" providerId="ADAL" clId="{E6A1A1A2-A97F-4AED-8E43-69EDFDB61660}" dt="2023-08-28T14:16:15.274" v="20" actId="165"/>
+          <ac:grpSpMkLst>
+            <pc:docMk/>
+            <pc:sldMk cId="786923358" sldId="278"/>
+            <ac:grpSpMk id="10" creationId="{0EE4D36D-15ED-39D7-EAEB-E96A96DE98B1}"/>
+          </ac:grpSpMkLst>
+        </pc:grpChg>
+        <pc:grpChg chg="add mod">
+          <ac:chgData name="Barritault, Denis" userId="31958905-2920-4fef-84d2-b4723818abb1" providerId="ADAL" clId="{E6A1A1A2-A97F-4AED-8E43-69EDFDB61660}" dt="2023-08-28T14:16:23.175" v="21" actId="164"/>
+          <ac:grpSpMkLst>
+            <pc:docMk/>
+            <pc:sldMk cId="786923358" sldId="278"/>
+            <ac:grpSpMk id="11" creationId="{535528E7-DD41-99DF-9E89-D2B5AB4EA38D}"/>
+          </ac:grpSpMkLst>
+        </pc:grpChg>
+        <pc:grpChg chg="mod topLvl">
+          <ac:chgData name="Barritault, Denis" userId="31958905-2920-4fef-84d2-b4723818abb1" providerId="ADAL" clId="{E6A1A1A2-A97F-4AED-8E43-69EDFDB61660}" dt="2023-08-28T14:16:15.274" v="20" actId="165"/>
+          <ac:grpSpMkLst>
+            <pc:docMk/>
+            <pc:sldMk cId="786923358" sldId="278"/>
+            <ac:grpSpMk id="118" creationId="{75275685-0263-039A-AD30-245575BC96B1}"/>
+          </ac:grpSpMkLst>
+        </pc:grpChg>
+        <pc:cxnChg chg="mod">
+          <ac:chgData name="Barritault, Denis" userId="31958905-2920-4fef-84d2-b4723818abb1" providerId="ADAL" clId="{E6A1A1A2-A97F-4AED-8E43-69EDFDB61660}" dt="2023-08-28T14:16:15.274" v="20" actId="165"/>
+          <ac:cxnSpMkLst>
+            <pc:docMk/>
+            <pc:sldMk cId="786923358" sldId="278"/>
+            <ac:cxnSpMk id="6" creationId="{C037CDB5-16FA-748A-25FA-E9D1D1387193}"/>
+          </ac:cxnSpMkLst>
+        </pc:cxnChg>
+        <pc:cxnChg chg="mod topLvl">
+          <ac:chgData name="Barritault, Denis" userId="31958905-2920-4fef-84d2-b4723818abb1" providerId="ADAL" clId="{E6A1A1A2-A97F-4AED-8E43-69EDFDB61660}" dt="2023-08-28T14:16:23.175" v="21" actId="164"/>
+          <ac:cxnSpMkLst>
+            <pc:docMk/>
+            <pc:sldMk cId="786923358" sldId="278"/>
+            <ac:cxnSpMk id="111" creationId="{A5AFF41B-FDE4-431A-C8B7-29071CB565F0}"/>
+          </ac:cxnSpMkLst>
+        </pc:cxnChg>
+        <pc:cxnChg chg="mod topLvl">
+          <ac:chgData name="Barritault, Denis" userId="31958905-2920-4fef-84d2-b4723818abb1" providerId="ADAL" clId="{E6A1A1A2-A97F-4AED-8E43-69EDFDB61660}" dt="2023-08-28T14:16:23.175" v="21" actId="164"/>
+          <ac:cxnSpMkLst>
+            <pc:docMk/>
+            <pc:sldMk cId="786923358" sldId="278"/>
+            <ac:cxnSpMk id="122" creationId="{68C040E0-9B02-67D6-0BD8-FEC7D3273571}"/>
+          </ac:cxnSpMkLst>
+        </pc:cxnChg>
+        <pc:cxnChg chg="mod topLvl">
+          <ac:chgData name="Barritault, Denis" userId="31958905-2920-4fef-84d2-b4723818abb1" providerId="ADAL" clId="{E6A1A1A2-A97F-4AED-8E43-69EDFDB61660}" dt="2023-08-28T14:16:23.175" v="21" actId="164"/>
+          <ac:cxnSpMkLst>
+            <pc:docMk/>
+            <pc:sldMk cId="786923358" sldId="278"/>
+            <ac:cxnSpMk id="125" creationId="{9B97B64C-8EC1-6AA0-86D3-4F7BD33E5AF9}"/>
+          </ac:cxnSpMkLst>
+        </pc:cxnChg>
+        <pc:cxnChg chg="mod topLvl">
+          <ac:chgData name="Barritault, Denis" userId="31958905-2920-4fef-84d2-b4723818abb1" providerId="ADAL" clId="{E6A1A1A2-A97F-4AED-8E43-69EDFDB61660}" dt="2023-08-28T14:16:23.175" v="21" actId="164"/>
+          <ac:cxnSpMkLst>
+            <pc:docMk/>
+            <pc:sldMk cId="786923358" sldId="278"/>
+            <ac:cxnSpMk id="127" creationId="{BCE4D87B-D3A3-CB88-DD26-ADD7DED50EB1}"/>
+          </ac:cxnSpMkLst>
+        </pc:cxnChg>
+        <pc:cxnChg chg="mod topLvl">
+          <ac:chgData name="Barritault, Denis" userId="31958905-2920-4fef-84d2-b4723818abb1" providerId="ADAL" clId="{E6A1A1A2-A97F-4AED-8E43-69EDFDB61660}" dt="2023-08-28T14:16:23.175" v="21" actId="164"/>
+          <ac:cxnSpMkLst>
+            <pc:docMk/>
+            <pc:sldMk cId="786923358" sldId="278"/>
+            <ac:cxnSpMk id="129" creationId="{D0569A42-CDE2-39C5-5C1E-26A63059A944}"/>
+          </ac:cxnSpMkLst>
+        </pc:cxnChg>
+        <pc:cxnChg chg="mod topLvl">
+          <ac:chgData name="Barritault, Denis" userId="31958905-2920-4fef-84d2-b4723818abb1" providerId="ADAL" clId="{E6A1A1A2-A97F-4AED-8E43-69EDFDB61660}" dt="2023-08-28T14:16:23.175" v="21" actId="164"/>
+          <ac:cxnSpMkLst>
+            <pc:docMk/>
+            <pc:sldMk cId="786923358" sldId="278"/>
+            <ac:cxnSpMk id="132" creationId="{FE996826-B33A-7781-841C-399A6E254E11}"/>
+          </ac:cxnSpMkLst>
+        </pc:cxnChg>
+        <pc:cxnChg chg="mod topLvl">
+          <ac:chgData name="Barritault, Denis" userId="31958905-2920-4fef-84d2-b4723818abb1" providerId="ADAL" clId="{E6A1A1A2-A97F-4AED-8E43-69EDFDB61660}" dt="2023-08-28T14:16:23.175" v="21" actId="164"/>
+          <ac:cxnSpMkLst>
+            <pc:docMk/>
+            <pc:sldMk cId="786923358" sldId="278"/>
+            <ac:cxnSpMk id="140" creationId="{BCB19E50-0B80-E7BF-0589-6E0B4204130C}"/>
+          </ac:cxnSpMkLst>
+        </pc:cxnChg>
+        <pc:cxnChg chg="mod topLvl">
+          <ac:chgData name="Barritault, Denis" userId="31958905-2920-4fef-84d2-b4723818abb1" providerId="ADAL" clId="{E6A1A1A2-A97F-4AED-8E43-69EDFDB61660}" dt="2023-08-28T14:16:23.175" v="21" actId="164"/>
+          <ac:cxnSpMkLst>
+            <pc:docMk/>
+            <pc:sldMk cId="786923358" sldId="278"/>
+            <ac:cxnSpMk id="142" creationId="{6F378310-84F1-7AEF-7E83-7D1EA1DB98F8}"/>
+          </ac:cxnSpMkLst>
+        </pc:cxnChg>
+        <pc:cxnChg chg="mod topLvl">
+          <ac:chgData name="Barritault, Denis" userId="31958905-2920-4fef-84d2-b4723818abb1" providerId="ADAL" clId="{E6A1A1A2-A97F-4AED-8E43-69EDFDB61660}" dt="2023-08-28T14:16:23.175" v="21" actId="164"/>
+          <ac:cxnSpMkLst>
+            <pc:docMk/>
+            <pc:sldMk cId="786923358" sldId="278"/>
+            <ac:cxnSpMk id="144" creationId="{A4A25379-98FC-01F5-025B-5ED4462DDFBC}"/>
+          </ac:cxnSpMkLst>
+        </pc:cxnChg>
+        <pc:cxnChg chg="mod topLvl">
+          <ac:chgData name="Barritault, Denis" userId="31958905-2920-4fef-84d2-b4723818abb1" providerId="ADAL" clId="{E6A1A1A2-A97F-4AED-8E43-69EDFDB61660}" dt="2023-08-28T14:16:23.175" v="21" actId="164"/>
+          <ac:cxnSpMkLst>
+            <pc:docMk/>
+            <pc:sldMk cId="786923358" sldId="278"/>
+            <ac:cxnSpMk id="146" creationId="{81F35E2E-2154-2A99-18EF-CDA6D106DC39}"/>
+          </ac:cxnSpMkLst>
+        </pc:cxnChg>
+        <pc:cxnChg chg="mod topLvl">
+          <ac:chgData name="Barritault, Denis" userId="31958905-2920-4fef-84d2-b4723818abb1" providerId="ADAL" clId="{E6A1A1A2-A97F-4AED-8E43-69EDFDB61660}" dt="2023-08-28T14:16:23.175" v="21" actId="164"/>
+          <ac:cxnSpMkLst>
+            <pc:docMk/>
+            <pc:sldMk cId="786923358" sldId="278"/>
+            <ac:cxnSpMk id="151" creationId="{B3616D77-D44E-59B1-E2FA-78C2A48C6B85}"/>
+          </ac:cxnSpMkLst>
+        </pc:cxnChg>
       </pc:sldChg>
     </pc:docChg>
   </pc:docChgLst>
@@ -713,7 +1033,7 @@
           <a:p>
             <a:fld id="{F49253E0-06C5-4072-9C84-F6FE16A4B26B}" type="datetimeFigureOut">
               <a:rPr lang="en-GB" smtClean="0"/>
-              <a:t>25/08/2023</a:t>
+              <a:t>28/08/2023</a:t>
             </a:fld>
             <a:endParaRPr lang="en-GB"/>
           </a:p>
@@ -913,7 +1233,7 @@
           <a:p>
             <a:fld id="{F49253E0-06C5-4072-9C84-F6FE16A4B26B}" type="datetimeFigureOut">
               <a:rPr lang="en-GB" smtClean="0"/>
-              <a:t>25/08/2023</a:t>
+              <a:t>28/08/2023</a:t>
             </a:fld>
             <a:endParaRPr lang="en-GB"/>
           </a:p>
@@ -1123,7 +1443,7 @@
           <a:p>
             <a:fld id="{F49253E0-06C5-4072-9C84-F6FE16A4B26B}" type="datetimeFigureOut">
               <a:rPr lang="en-GB" smtClean="0"/>
-              <a:t>25/08/2023</a:t>
+              <a:t>28/08/2023</a:t>
             </a:fld>
             <a:endParaRPr lang="en-GB"/>
           </a:p>
@@ -1323,7 +1643,7 @@
           <a:p>
             <a:fld id="{F49253E0-06C5-4072-9C84-F6FE16A4B26B}" type="datetimeFigureOut">
               <a:rPr lang="en-GB" smtClean="0"/>
-              <a:t>25/08/2023</a:t>
+              <a:t>28/08/2023</a:t>
             </a:fld>
             <a:endParaRPr lang="en-GB"/>
           </a:p>
@@ -1599,7 +1919,7 @@
           <a:p>
             <a:fld id="{F49253E0-06C5-4072-9C84-F6FE16A4B26B}" type="datetimeFigureOut">
               <a:rPr lang="en-GB" smtClean="0"/>
-              <a:t>25/08/2023</a:t>
+              <a:t>28/08/2023</a:t>
             </a:fld>
             <a:endParaRPr lang="en-GB"/>
           </a:p>
@@ -1867,7 +2187,7 @@
           <a:p>
             <a:fld id="{F49253E0-06C5-4072-9C84-F6FE16A4B26B}" type="datetimeFigureOut">
               <a:rPr lang="en-GB" smtClean="0"/>
-              <a:t>25/08/2023</a:t>
+              <a:t>28/08/2023</a:t>
             </a:fld>
             <a:endParaRPr lang="en-GB"/>
           </a:p>
@@ -2282,7 +2602,7 @@
           <a:p>
             <a:fld id="{F49253E0-06C5-4072-9C84-F6FE16A4B26B}" type="datetimeFigureOut">
               <a:rPr lang="en-GB" smtClean="0"/>
-              <a:t>25/08/2023</a:t>
+              <a:t>28/08/2023</a:t>
             </a:fld>
             <a:endParaRPr lang="en-GB"/>
           </a:p>
@@ -2424,7 +2744,7 @@
           <a:p>
             <a:fld id="{F49253E0-06C5-4072-9C84-F6FE16A4B26B}" type="datetimeFigureOut">
               <a:rPr lang="en-GB" smtClean="0"/>
-              <a:t>25/08/2023</a:t>
+              <a:t>28/08/2023</a:t>
             </a:fld>
             <a:endParaRPr lang="en-GB"/>
           </a:p>
@@ -2537,7 +2857,7 @@
           <a:p>
             <a:fld id="{F49253E0-06C5-4072-9C84-F6FE16A4B26B}" type="datetimeFigureOut">
               <a:rPr lang="en-GB" smtClean="0"/>
-              <a:t>25/08/2023</a:t>
+              <a:t>28/08/2023</a:t>
             </a:fld>
             <a:endParaRPr lang="en-GB"/>
           </a:p>
@@ -2850,7 +3170,7 @@
           <a:p>
             <a:fld id="{F49253E0-06C5-4072-9C84-F6FE16A4B26B}" type="datetimeFigureOut">
               <a:rPr lang="en-GB" smtClean="0"/>
-              <a:t>25/08/2023</a:t>
+              <a:t>28/08/2023</a:t>
             </a:fld>
             <a:endParaRPr lang="en-GB"/>
           </a:p>
@@ -3139,7 +3459,7 @@
           <a:p>
             <a:fld id="{F49253E0-06C5-4072-9C84-F6FE16A4B26B}" type="datetimeFigureOut">
               <a:rPr lang="en-GB" smtClean="0"/>
-              <a:t>25/08/2023</a:t>
+              <a:t>28/08/2023</a:t>
             </a:fld>
             <a:endParaRPr lang="en-GB"/>
           </a:p>
@@ -3382,7 +3702,7 @@
           <a:p>
             <a:fld id="{F49253E0-06C5-4072-9C84-F6FE16A4B26B}" type="datetimeFigureOut">
               <a:rPr lang="en-GB" smtClean="0"/>
-              <a:t>25/08/2023</a:t>
+              <a:t>28/08/2023</a:t>
             </a:fld>
             <a:endParaRPr lang="en-GB"/>
           </a:p>
@@ -4567,10 +4887,10 @@
       </p:grpSpPr>
       <p:grpSp>
         <p:nvGrpSpPr>
-          <p:cNvPr id="10" name="Group 9">
+          <p:cNvPr id="118" name="Group 117">
             <a:extLst>
               <a:ext uri="{FF2B5EF4-FFF2-40B4-BE49-F238E27FC236}">
-                <a16:creationId xmlns:a16="http://schemas.microsoft.com/office/drawing/2014/main" id="{0EE4D36D-15ED-39D7-EAEB-E96A96DE98B1}"/>
+                <a16:creationId xmlns:a16="http://schemas.microsoft.com/office/drawing/2014/main" id="{75275685-0263-039A-AD30-245575BC96B1}"/>
               </a:ext>
             </a:extLst>
           </p:cNvPr>
@@ -4580,510 +4900,510 @@
         <p:grpSpPr>
           <a:xfrm>
             <a:off x="1509381" y="355819"/>
-            <a:ext cx="7396079" cy="4627172"/>
+            <a:ext cx="7396079" cy="1089328"/>
             <a:chOff x="1509381" y="355819"/>
-            <a:chExt cx="7396079" cy="4627172"/>
+            <a:chExt cx="7396079" cy="1089328"/>
           </a:xfrm>
         </p:grpSpPr>
-        <p:grpSp>
-          <p:nvGrpSpPr>
-            <p:cNvPr id="118" name="Group 117">
+        <p:sp>
+          <p:nvSpPr>
+            <p:cNvPr id="2" name="Rectangle 1">
               <a:extLst>
                 <a:ext uri="{FF2B5EF4-FFF2-40B4-BE49-F238E27FC236}">
-                  <a16:creationId xmlns:a16="http://schemas.microsoft.com/office/drawing/2014/main" id="{75275685-0263-039A-AD30-245575BC96B1}"/>
+                  <a16:creationId xmlns:a16="http://schemas.microsoft.com/office/drawing/2014/main" id="{E9FE68F2-2B55-AD16-D266-D49618C9509C}"/>
                 </a:ext>
               </a:extLst>
             </p:cNvPr>
-            <p:cNvGrpSpPr/>
+            <p:cNvSpPr/>
             <p:nvPr/>
-          </p:nvGrpSpPr>
-          <p:grpSpPr>
+          </p:nvSpPr>
+          <p:spPr>
             <a:xfrm>
-              <a:off x="1509381" y="355819"/>
-              <a:ext cx="7396079" cy="1089328"/>
-              <a:chOff x="1509381" y="355819"/>
-              <a:chExt cx="7396079" cy="1089328"/>
+              <a:off x="3289759" y="355819"/>
+              <a:ext cx="5615701" cy="1089328"/>
             </a:xfrm>
-          </p:grpSpPr>
-          <p:sp>
-            <p:nvSpPr>
-              <p:cNvPr id="2" name="Rectangle 1">
-                <a:extLst>
-                  <a:ext uri="{FF2B5EF4-FFF2-40B4-BE49-F238E27FC236}">
-                    <a16:creationId xmlns:a16="http://schemas.microsoft.com/office/drawing/2014/main" id="{E9FE68F2-2B55-AD16-D266-D49618C9509C}"/>
-                  </a:ext>
-                </a:extLst>
-              </p:cNvPr>
-              <p:cNvSpPr/>
-              <p:nvPr/>
-            </p:nvSpPr>
-            <p:spPr>
-              <a:xfrm>
-                <a:off x="3289759" y="355819"/>
-                <a:ext cx="5615701" cy="1089328"/>
-              </a:xfrm>
-              <a:prstGeom prst="rect">
-                <a:avLst/>
-              </a:prstGeom>
-              <a:noFill/>
-            </p:spPr>
-            <p:style>
-              <a:lnRef idx="2">
-                <a:schemeClr val="accent1">
-                  <a:shade val="15000"/>
-                </a:schemeClr>
-              </a:lnRef>
-              <a:fillRef idx="1">
-                <a:schemeClr val="accent1"/>
-              </a:fillRef>
-              <a:effectRef idx="0">
-                <a:schemeClr val="accent1"/>
-              </a:effectRef>
-              <a:fontRef idx="minor">
-                <a:schemeClr val="lt1"/>
-              </a:fontRef>
-            </p:style>
-            <p:txBody>
-              <a:bodyPr rtlCol="0" anchor="ctr"/>
-              <a:lstStyle/>
-              <a:p>
-                <a:pPr algn="ctr"/>
-                <a:endParaRPr lang="en-GB" sz="800">
+            <a:prstGeom prst="rect">
+              <a:avLst/>
+            </a:prstGeom>
+            <a:noFill/>
+          </p:spPr>
+          <p:style>
+            <a:lnRef idx="2">
+              <a:schemeClr val="accent1">
+                <a:shade val="15000"/>
+              </a:schemeClr>
+            </a:lnRef>
+            <a:fillRef idx="1">
+              <a:schemeClr val="accent1"/>
+            </a:fillRef>
+            <a:effectRef idx="0">
+              <a:schemeClr val="accent1"/>
+            </a:effectRef>
+            <a:fontRef idx="minor">
+              <a:schemeClr val="lt1"/>
+            </a:fontRef>
+          </p:style>
+          <p:txBody>
+            <a:bodyPr rtlCol="0" anchor="ctr"/>
+            <a:lstStyle/>
+            <a:p>
+              <a:pPr algn="ctr"/>
+              <a:endParaRPr lang="en-GB" sz="800">
+                <a:solidFill>
+                  <a:schemeClr val="tx1"/>
+                </a:solidFill>
+              </a:endParaRPr>
+            </a:p>
+          </p:txBody>
+        </p:sp>
+        <p:cxnSp>
+          <p:nvCxnSpPr>
+            <p:cNvPr id="6" name="Straight Arrow Connector 5">
+              <a:extLst>
+                <a:ext uri="{FF2B5EF4-FFF2-40B4-BE49-F238E27FC236}">
+                  <a16:creationId xmlns:a16="http://schemas.microsoft.com/office/drawing/2014/main" id="{C037CDB5-16FA-748A-25FA-E9D1D1387193}"/>
+                </a:ext>
+              </a:extLst>
+            </p:cNvPr>
+            <p:cNvCxnSpPr>
+              <a:cxnSpLocks/>
+              <a:stCxn id="2" idx="1"/>
+            </p:cNvCxnSpPr>
+            <p:nvPr/>
+          </p:nvCxnSpPr>
+          <p:spPr>
+            <a:xfrm flipH="1">
+              <a:off x="2337684" y="900483"/>
+              <a:ext cx="952075" cy="0"/>
+            </a:xfrm>
+            <a:prstGeom prst="straightConnector1">
+              <a:avLst/>
+            </a:prstGeom>
+            <a:ln w="28575">
+              <a:solidFill>
+                <a:schemeClr val="tx1"/>
+              </a:solidFill>
+              <a:tailEnd type="triangle"/>
+            </a:ln>
+          </p:spPr>
+          <p:style>
+            <a:lnRef idx="1">
+              <a:schemeClr val="accent1"/>
+            </a:lnRef>
+            <a:fillRef idx="0">
+              <a:schemeClr val="accent1"/>
+            </a:fillRef>
+            <a:effectRef idx="0">
+              <a:schemeClr val="accent1"/>
+            </a:effectRef>
+            <a:fontRef idx="minor">
+              <a:schemeClr val="tx1"/>
+            </a:fontRef>
+          </p:style>
+        </p:cxnSp>
+        <p:sp>
+          <p:nvSpPr>
+            <p:cNvPr id="7" name="TextBox 113">
+              <a:extLst>
+                <a:ext uri="{FF2B5EF4-FFF2-40B4-BE49-F238E27FC236}">
+                  <a16:creationId xmlns:a16="http://schemas.microsoft.com/office/drawing/2014/main" id="{29E1EE90-C7F3-3FD2-A12C-3FB129F5CBFD}"/>
+                </a:ext>
+              </a:extLst>
+            </p:cNvPr>
+            <p:cNvSpPr txBox="1"/>
+            <p:nvPr/>
+          </p:nvSpPr>
+          <p:spPr>
+            <a:xfrm>
+              <a:off x="1509381" y="508403"/>
+              <a:ext cx="1707840" cy="738664"/>
+            </a:xfrm>
+            <a:prstGeom prst="rect">
+              <a:avLst/>
+            </a:prstGeom>
+            <a:noFill/>
+          </p:spPr>
+          <p:txBody>
+            <a:bodyPr wrap="none" rtlCol="0">
+              <a:spAutoFit/>
+            </a:bodyPr>
+            <a:lstStyle/>
+            <a:p>
+              <a:r>
+                <a:rPr lang="fr-FR" sz="1400" dirty="0"/>
+                <a:t>To USB slave</a:t>
+              </a:r>
+              <a:br>
+                <a:rPr lang="fr-FR" sz="1400" dirty="0"/>
+              </a:br>
+              <a:r>
+                <a:rPr lang="fr-FR" sz="1400" dirty="0" err="1"/>
+                <a:t>device</a:t>
+              </a:r>
+              <a:br>
+                <a:rPr lang="fr-FR" sz="1400" dirty="0"/>
+              </a:br>
+              <a:r>
+                <a:rPr lang="fr-FR" sz="1400" dirty="0"/>
+                <a:t>(</a:t>
+              </a:r>
+              <a:r>
+                <a:rPr lang="fr-FR" sz="1400" dirty="0" err="1"/>
+                <a:t>eg</a:t>
+              </a:r>
+              <a:r>
+                <a:rPr lang="fr-FR" sz="1400" dirty="0"/>
+                <a:t>. Novation circuit)</a:t>
+              </a:r>
+            </a:p>
+          </p:txBody>
+        </p:sp>
+        <p:sp>
+          <p:nvSpPr>
+            <p:cNvPr id="104" name="Oval 103">
+              <a:extLst>
+                <a:ext uri="{FF2B5EF4-FFF2-40B4-BE49-F238E27FC236}">
+                  <a16:creationId xmlns:a16="http://schemas.microsoft.com/office/drawing/2014/main" id="{95265241-7F96-6AE5-5508-0E788C9D91B8}"/>
+                </a:ext>
+              </a:extLst>
+            </p:cNvPr>
+            <p:cNvSpPr/>
+            <p:nvPr/>
+          </p:nvSpPr>
+          <p:spPr>
+            <a:xfrm>
+              <a:off x="4591879" y="518820"/>
+              <a:ext cx="779228" cy="779228"/>
+            </a:xfrm>
+            <a:prstGeom prst="ellipse">
+              <a:avLst/>
+            </a:prstGeom>
+            <a:noFill/>
+          </p:spPr>
+          <p:style>
+            <a:lnRef idx="2">
+              <a:schemeClr val="accent1">
+                <a:shade val="15000"/>
+              </a:schemeClr>
+            </a:lnRef>
+            <a:fillRef idx="1">
+              <a:schemeClr val="accent1"/>
+            </a:fillRef>
+            <a:effectRef idx="0">
+              <a:schemeClr val="accent1"/>
+            </a:effectRef>
+            <a:fontRef idx="minor">
+              <a:schemeClr val="lt1"/>
+            </a:fontRef>
+          </p:style>
+          <p:txBody>
+            <a:bodyPr rtlCol="0" anchor="ctr"/>
+            <a:lstStyle/>
+            <a:p>
+              <a:pPr algn="ctr"/>
+              <a:r>
+                <a:rPr lang="fr-FR" sz="800" dirty="0">
                   <a:solidFill>
                     <a:schemeClr val="tx1"/>
                   </a:solidFill>
-                </a:endParaRPr>
-              </a:p>
-            </p:txBody>
-          </p:sp>
-          <p:cxnSp>
-            <p:nvCxnSpPr>
-              <p:cNvPr id="6" name="Straight Arrow Connector 5">
-                <a:extLst>
-                  <a:ext uri="{FF2B5EF4-FFF2-40B4-BE49-F238E27FC236}">
-                    <a16:creationId xmlns:a16="http://schemas.microsoft.com/office/drawing/2014/main" id="{C037CDB5-16FA-748A-25FA-E9D1D1387193}"/>
-                  </a:ext>
-                </a:extLst>
-              </p:cNvPr>
-              <p:cNvCxnSpPr>
-                <a:cxnSpLocks/>
-                <a:stCxn id="2" idx="1"/>
-              </p:cNvCxnSpPr>
-              <p:nvPr/>
-            </p:nvCxnSpPr>
-            <p:spPr>
-              <a:xfrm flipH="1">
-                <a:off x="2337684" y="900483"/>
-                <a:ext cx="952075" cy="0"/>
-              </a:xfrm>
-              <a:prstGeom prst="straightConnector1">
-                <a:avLst/>
-              </a:prstGeom>
-              <a:ln w="28575">
+                </a:rPr>
+                <a:t>CONTINUE / STOP</a:t>
+              </a:r>
+              <a:endParaRPr lang="en-GB" sz="800" dirty="0">
                 <a:solidFill>
                   <a:schemeClr val="tx1"/>
                 </a:solidFill>
-                <a:tailEnd type="triangle"/>
-              </a:ln>
-            </p:spPr>
-            <p:style>
-              <a:lnRef idx="1">
-                <a:schemeClr val="accent1"/>
-              </a:lnRef>
-              <a:fillRef idx="0">
-                <a:schemeClr val="accent1"/>
-              </a:fillRef>
-              <a:effectRef idx="0">
-                <a:schemeClr val="accent1"/>
-              </a:effectRef>
-              <a:fontRef idx="minor">
-                <a:schemeClr val="tx1"/>
-              </a:fontRef>
-            </p:style>
-          </p:cxnSp>
-          <p:sp>
-            <p:nvSpPr>
-              <p:cNvPr id="7" name="TextBox 113">
-                <a:extLst>
-                  <a:ext uri="{FF2B5EF4-FFF2-40B4-BE49-F238E27FC236}">
-                    <a16:creationId xmlns:a16="http://schemas.microsoft.com/office/drawing/2014/main" id="{29E1EE90-C7F3-3FD2-A12C-3FB129F5CBFD}"/>
-                  </a:ext>
-                </a:extLst>
-              </p:cNvPr>
-              <p:cNvSpPr txBox="1"/>
-              <p:nvPr/>
-            </p:nvSpPr>
-            <p:spPr>
-              <a:xfrm>
-                <a:off x="1509381" y="508403"/>
-                <a:ext cx="1707840" cy="738664"/>
-              </a:xfrm>
-              <a:prstGeom prst="rect">
-                <a:avLst/>
-              </a:prstGeom>
-              <a:noFill/>
-            </p:spPr>
-            <p:txBody>
-              <a:bodyPr wrap="none" rtlCol="0">
-                <a:spAutoFit/>
-              </a:bodyPr>
-              <a:lstStyle/>
-              <a:p>
-                <a:r>
-                  <a:rPr lang="fr-FR" sz="1400" dirty="0"/>
-                  <a:t>To USB slave</a:t>
-                </a:r>
-                <a:br>
-                  <a:rPr lang="fr-FR" sz="1400" dirty="0"/>
-                </a:br>
-                <a:r>
-                  <a:rPr lang="fr-FR" sz="1400" dirty="0" err="1"/>
-                  <a:t>device</a:t>
-                </a:r>
-                <a:br>
-                  <a:rPr lang="fr-FR" sz="1400" dirty="0"/>
-                </a:br>
-                <a:r>
-                  <a:rPr lang="fr-FR" sz="1400" dirty="0"/>
-                  <a:t>(</a:t>
-                </a:r>
-                <a:r>
-                  <a:rPr lang="fr-FR" sz="1400" dirty="0" err="1"/>
-                  <a:t>eg</a:t>
-                </a:r>
-                <a:r>
-                  <a:rPr lang="fr-FR" sz="1400" dirty="0"/>
-                  <a:t>. Novation circuit)</a:t>
-                </a:r>
-              </a:p>
-            </p:txBody>
-          </p:sp>
-          <p:sp>
-            <p:nvSpPr>
-              <p:cNvPr id="104" name="Oval 103">
-                <a:extLst>
-                  <a:ext uri="{FF2B5EF4-FFF2-40B4-BE49-F238E27FC236}">
-                    <a16:creationId xmlns:a16="http://schemas.microsoft.com/office/drawing/2014/main" id="{95265241-7F96-6AE5-5508-0E788C9D91B8}"/>
-                  </a:ext>
-                </a:extLst>
-              </p:cNvPr>
-              <p:cNvSpPr/>
-              <p:nvPr/>
-            </p:nvSpPr>
-            <p:spPr>
-              <a:xfrm>
-                <a:off x="4591879" y="518820"/>
-                <a:ext cx="779228" cy="779228"/>
-              </a:xfrm>
-              <a:prstGeom prst="ellipse">
-                <a:avLst/>
-              </a:prstGeom>
-              <a:noFill/>
-            </p:spPr>
-            <p:style>
-              <a:lnRef idx="2">
-                <a:schemeClr val="accent1">
-                  <a:shade val="15000"/>
-                </a:schemeClr>
-              </a:lnRef>
-              <a:fillRef idx="1">
-                <a:schemeClr val="accent1"/>
-              </a:fillRef>
-              <a:effectRef idx="0">
-                <a:schemeClr val="accent1"/>
-              </a:effectRef>
-              <a:fontRef idx="minor">
-                <a:schemeClr val="lt1"/>
-              </a:fontRef>
-            </p:style>
-            <p:txBody>
-              <a:bodyPr rtlCol="0" anchor="ctr"/>
-              <a:lstStyle/>
-              <a:p>
-                <a:pPr algn="ctr"/>
-                <a:r>
-                  <a:rPr lang="fr-FR" sz="800" dirty="0">
-                    <a:solidFill>
-                      <a:schemeClr val="tx1"/>
-                    </a:solidFill>
-                  </a:rPr>
-                  <a:t>CONTINUE</a:t>
-                </a:r>
-                <a:endParaRPr lang="en-GB" sz="800" dirty="0">
+              </a:endParaRPr>
+            </a:p>
+          </p:txBody>
+        </p:sp>
+        <p:sp>
+          <p:nvSpPr>
+            <p:cNvPr id="105" name="Oval 104">
+              <a:extLst>
+                <a:ext uri="{FF2B5EF4-FFF2-40B4-BE49-F238E27FC236}">
+                  <a16:creationId xmlns:a16="http://schemas.microsoft.com/office/drawing/2014/main" id="{BDD75742-CE75-8D1A-B77E-91F42575F968}"/>
+                </a:ext>
+              </a:extLst>
+            </p:cNvPr>
+            <p:cNvSpPr/>
+            <p:nvPr/>
+          </p:nvSpPr>
+          <p:spPr>
+            <a:xfrm>
+              <a:off x="3480022" y="518820"/>
+              <a:ext cx="779228" cy="779228"/>
+            </a:xfrm>
+            <a:prstGeom prst="ellipse">
+              <a:avLst/>
+            </a:prstGeom>
+            <a:noFill/>
+          </p:spPr>
+          <p:style>
+            <a:lnRef idx="2">
+              <a:schemeClr val="accent1">
+                <a:shade val="15000"/>
+              </a:schemeClr>
+            </a:lnRef>
+            <a:fillRef idx="1">
+              <a:schemeClr val="accent1"/>
+            </a:fillRef>
+            <a:effectRef idx="0">
+              <a:schemeClr val="accent1"/>
+            </a:effectRef>
+            <a:fontRef idx="minor">
+              <a:schemeClr val="lt1"/>
+            </a:fontRef>
+          </p:style>
+          <p:txBody>
+            <a:bodyPr rtlCol="0" anchor="ctr"/>
+            <a:lstStyle/>
+            <a:p>
+              <a:pPr algn="ctr"/>
+              <a:r>
+                <a:rPr lang="fr-FR" sz="800" dirty="0" err="1">
                   <a:solidFill>
                     <a:schemeClr val="tx1"/>
                   </a:solidFill>
-                </a:endParaRPr>
-              </a:p>
-            </p:txBody>
-          </p:sp>
-          <p:sp>
-            <p:nvSpPr>
-              <p:cNvPr id="105" name="Oval 104">
-                <a:extLst>
-                  <a:ext uri="{FF2B5EF4-FFF2-40B4-BE49-F238E27FC236}">
-                    <a16:creationId xmlns:a16="http://schemas.microsoft.com/office/drawing/2014/main" id="{BDD75742-CE75-8D1A-B77E-91F42575F968}"/>
-                  </a:ext>
-                </a:extLst>
-              </p:cNvPr>
-              <p:cNvSpPr/>
-              <p:nvPr/>
-            </p:nvSpPr>
-            <p:spPr>
-              <a:xfrm>
-                <a:off x="3480022" y="518820"/>
-                <a:ext cx="779228" cy="779228"/>
-              </a:xfrm>
-              <a:prstGeom prst="ellipse">
-                <a:avLst/>
-              </a:prstGeom>
-              <a:noFill/>
-            </p:spPr>
-            <p:style>
-              <a:lnRef idx="2">
-                <a:schemeClr val="accent1">
-                  <a:shade val="15000"/>
-                </a:schemeClr>
-              </a:lnRef>
-              <a:fillRef idx="1">
-                <a:schemeClr val="accent1"/>
-              </a:fillRef>
-              <a:effectRef idx="0">
-                <a:schemeClr val="accent1"/>
-              </a:effectRef>
-              <a:fontRef idx="minor">
-                <a:schemeClr val="lt1"/>
-              </a:fontRef>
-            </p:style>
-            <p:txBody>
-              <a:bodyPr rtlCol="0" anchor="ctr"/>
-              <a:lstStyle/>
-              <a:p>
-                <a:pPr algn="ctr"/>
-                <a:r>
-                  <a:rPr lang="fr-FR" sz="800" dirty="0" err="1">
-                    <a:solidFill>
-                      <a:schemeClr val="tx1"/>
-                    </a:solidFill>
-                  </a:rPr>
-                  <a:t>Previous</a:t>
-                </a:r>
-                <a:br>
-                  <a:rPr lang="fr-FR" sz="800" dirty="0">
-                    <a:solidFill>
-                      <a:schemeClr val="tx1"/>
-                    </a:solidFill>
-                  </a:rPr>
-                </a:br>
-                <a:r>
-                  <a:rPr lang="fr-FR" sz="800" dirty="0">
-                    <a:solidFill>
-                      <a:schemeClr val="tx1"/>
-                    </a:solidFill>
-                  </a:rPr>
-                  <a:t>session</a:t>
-                </a:r>
-                <a:endParaRPr lang="en-GB" sz="800" dirty="0">
+                </a:rPr>
+                <a:t>Previous</a:t>
+              </a:r>
+              <a:br>
+                <a:rPr lang="fr-FR" sz="800" dirty="0">
                   <a:solidFill>
                     <a:schemeClr val="tx1"/>
                   </a:solidFill>
-                </a:endParaRPr>
-              </a:p>
-            </p:txBody>
-          </p:sp>
-          <p:sp>
-            <p:nvSpPr>
-              <p:cNvPr id="106" name="Oval 105">
-                <a:extLst>
-                  <a:ext uri="{FF2B5EF4-FFF2-40B4-BE49-F238E27FC236}">
-                    <a16:creationId xmlns:a16="http://schemas.microsoft.com/office/drawing/2014/main" id="{4586708E-F997-387D-B42A-B894A4F74F9C}"/>
-                  </a:ext>
-                </a:extLst>
-              </p:cNvPr>
-              <p:cNvSpPr/>
-              <p:nvPr/>
-            </p:nvSpPr>
-            <p:spPr>
-              <a:xfrm>
-                <a:off x="5703736" y="518820"/>
-                <a:ext cx="779228" cy="779228"/>
-              </a:xfrm>
-              <a:prstGeom prst="ellipse">
-                <a:avLst/>
-              </a:prstGeom>
-              <a:noFill/>
-            </p:spPr>
-            <p:style>
-              <a:lnRef idx="2">
-                <a:schemeClr val="accent1">
-                  <a:shade val="15000"/>
-                </a:schemeClr>
-              </a:lnRef>
-              <a:fillRef idx="1">
-                <a:schemeClr val="accent1"/>
-              </a:fillRef>
-              <a:effectRef idx="0">
-                <a:schemeClr val="accent1"/>
-              </a:effectRef>
-              <a:fontRef idx="minor">
-                <a:schemeClr val="lt1"/>
-              </a:fontRef>
-            </p:style>
-            <p:txBody>
-              <a:bodyPr rtlCol="0" anchor="ctr"/>
-              <a:lstStyle/>
-              <a:p>
-                <a:pPr algn="ctr"/>
-                <a:r>
-                  <a:rPr lang="fr-FR" sz="800" dirty="0">
-                    <a:solidFill>
-                      <a:schemeClr val="tx1"/>
-                    </a:solidFill>
-                  </a:rPr>
-                  <a:t>PLAY</a:t>
-                </a:r>
-                <a:endParaRPr lang="en-GB" sz="800" dirty="0">
+                </a:rPr>
+              </a:br>
+              <a:r>
+                <a:rPr lang="fr-FR" sz="800" dirty="0">
                   <a:solidFill>
                     <a:schemeClr val="tx1"/>
                   </a:solidFill>
-                </a:endParaRPr>
-              </a:p>
-            </p:txBody>
-          </p:sp>
-          <p:sp>
-            <p:nvSpPr>
-              <p:cNvPr id="107" name="Oval 106">
-                <a:extLst>
-                  <a:ext uri="{FF2B5EF4-FFF2-40B4-BE49-F238E27FC236}">
-                    <a16:creationId xmlns:a16="http://schemas.microsoft.com/office/drawing/2014/main" id="{F0F4331F-529A-D377-48E7-FA6EB103E6DA}"/>
-                  </a:ext>
-                </a:extLst>
-              </p:cNvPr>
-              <p:cNvSpPr/>
-              <p:nvPr/>
-            </p:nvSpPr>
-            <p:spPr>
-              <a:xfrm>
-                <a:off x="6815593" y="518820"/>
-                <a:ext cx="779228" cy="779228"/>
-              </a:xfrm>
-              <a:prstGeom prst="ellipse">
-                <a:avLst/>
-              </a:prstGeom>
-              <a:noFill/>
-            </p:spPr>
-            <p:style>
-              <a:lnRef idx="2">
-                <a:schemeClr val="accent1">
-                  <a:shade val="15000"/>
-                </a:schemeClr>
-              </a:lnRef>
-              <a:fillRef idx="1">
-                <a:schemeClr val="accent1"/>
-              </a:fillRef>
-              <a:effectRef idx="0">
-                <a:schemeClr val="accent1"/>
-              </a:effectRef>
-              <a:fontRef idx="minor">
-                <a:schemeClr val="lt1"/>
-              </a:fontRef>
-            </p:style>
-            <p:txBody>
-              <a:bodyPr rtlCol="0" anchor="ctr"/>
-              <a:lstStyle/>
-              <a:p>
-                <a:pPr algn="ctr"/>
-                <a:r>
-                  <a:rPr lang="fr-FR" sz="800" dirty="0">
-                    <a:solidFill>
-                      <a:schemeClr val="tx1"/>
-                    </a:solidFill>
-                  </a:rPr>
-                  <a:t>TAP TEMPO</a:t>
-                </a:r>
-                <a:endParaRPr lang="en-GB" sz="800" dirty="0">
+                </a:rPr>
+                <a:t>session</a:t>
+              </a:r>
+              <a:endParaRPr lang="en-GB" sz="800" dirty="0">
+                <a:solidFill>
+                  <a:schemeClr val="tx1"/>
+                </a:solidFill>
+              </a:endParaRPr>
+            </a:p>
+          </p:txBody>
+        </p:sp>
+        <p:sp>
+          <p:nvSpPr>
+            <p:cNvPr id="106" name="Oval 105">
+              <a:extLst>
+                <a:ext uri="{FF2B5EF4-FFF2-40B4-BE49-F238E27FC236}">
+                  <a16:creationId xmlns:a16="http://schemas.microsoft.com/office/drawing/2014/main" id="{4586708E-F997-387D-B42A-B894A4F74F9C}"/>
+                </a:ext>
+              </a:extLst>
+            </p:cNvPr>
+            <p:cNvSpPr/>
+            <p:nvPr/>
+          </p:nvSpPr>
+          <p:spPr>
+            <a:xfrm>
+              <a:off x="5703736" y="518820"/>
+              <a:ext cx="779228" cy="779228"/>
+            </a:xfrm>
+            <a:prstGeom prst="ellipse">
+              <a:avLst/>
+            </a:prstGeom>
+            <a:noFill/>
+          </p:spPr>
+          <p:style>
+            <a:lnRef idx="2">
+              <a:schemeClr val="accent1">
+                <a:shade val="15000"/>
+              </a:schemeClr>
+            </a:lnRef>
+            <a:fillRef idx="1">
+              <a:schemeClr val="accent1"/>
+            </a:fillRef>
+            <a:effectRef idx="0">
+              <a:schemeClr val="accent1"/>
+            </a:effectRef>
+            <a:fontRef idx="minor">
+              <a:schemeClr val="lt1"/>
+            </a:fontRef>
+          </p:style>
+          <p:txBody>
+            <a:bodyPr rtlCol="0" anchor="ctr"/>
+            <a:lstStyle/>
+            <a:p>
+              <a:pPr algn="ctr"/>
+              <a:r>
+                <a:rPr lang="fr-FR" sz="800" dirty="0">
                   <a:solidFill>
                     <a:schemeClr val="tx1"/>
                   </a:solidFill>
-                </a:endParaRPr>
-              </a:p>
-            </p:txBody>
-          </p:sp>
-          <p:sp>
-            <p:nvSpPr>
-              <p:cNvPr id="108" name="Oval 107">
-                <a:extLst>
-                  <a:ext uri="{FF2B5EF4-FFF2-40B4-BE49-F238E27FC236}">
-                    <a16:creationId xmlns:a16="http://schemas.microsoft.com/office/drawing/2014/main" id="{FAD555BF-D423-E830-4B72-5ADC4922B79E}"/>
-                  </a:ext>
-                </a:extLst>
-              </p:cNvPr>
-              <p:cNvSpPr/>
-              <p:nvPr/>
-            </p:nvSpPr>
-            <p:spPr>
-              <a:xfrm>
-                <a:off x="7927451" y="518820"/>
-                <a:ext cx="779228" cy="779228"/>
-              </a:xfrm>
-              <a:prstGeom prst="ellipse">
-                <a:avLst/>
-              </a:prstGeom>
-              <a:noFill/>
-            </p:spPr>
-            <p:style>
-              <a:lnRef idx="2">
-                <a:schemeClr val="accent1">
-                  <a:shade val="15000"/>
-                </a:schemeClr>
-              </a:lnRef>
-              <a:fillRef idx="1">
-                <a:schemeClr val="accent1"/>
-              </a:fillRef>
-              <a:effectRef idx="0">
-                <a:schemeClr val="accent1"/>
-              </a:effectRef>
-              <a:fontRef idx="minor">
-                <a:schemeClr val="lt1"/>
-              </a:fontRef>
-            </p:style>
-            <p:txBody>
-              <a:bodyPr rtlCol="0" anchor="ctr"/>
-              <a:lstStyle/>
-              <a:p>
-                <a:pPr algn="ctr"/>
-                <a:r>
-                  <a:rPr lang="fr-FR" sz="800" dirty="0">
-                    <a:solidFill>
-                      <a:schemeClr val="tx1"/>
-                    </a:solidFill>
-                  </a:rPr>
-                  <a:t>Next</a:t>
-                </a:r>
-                <a:br>
-                  <a:rPr lang="fr-FR" sz="800" dirty="0">
-                    <a:solidFill>
-                      <a:schemeClr val="tx1"/>
-                    </a:solidFill>
-                  </a:rPr>
-                </a:br>
-                <a:r>
-                  <a:rPr lang="fr-FR" sz="800" dirty="0">
-                    <a:solidFill>
-                      <a:schemeClr val="tx1"/>
-                    </a:solidFill>
-                  </a:rPr>
-                  <a:t>session</a:t>
-                </a:r>
-                <a:endParaRPr lang="en-GB" sz="800" dirty="0">
+                </a:rPr>
+                <a:t>TAP TEMPO</a:t>
+              </a:r>
+              <a:endParaRPr lang="en-GB" sz="800" dirty="0">
+                <a:solidFill>
+                  <a:schemeClr val="tx1"/>
+                </a:solidFill>
+              </a:endParaRPr>
+            </a:p>
+          </p:txBody>
+        </p:sp>
+        <p:sp>
+          <p:nvSpPr>
+            <p:cNvPr id="107" name="Oval 106">
+              <a:extLst>
+                <a:ext uri="{FF2B5EF4-FFF2-40B4-BE49-F238E27FC236}">
+                  <a16:creationId xmlns:a16="http://schemas.microsoft.com/office/drawing/2014/main" id="{F0F4331F-529A-D377-48E7-FA6EB103E6DA}"/>
+                </a:ext>
+              </a:extLst>
+            </p:cNvPr>
+            <p:cNvSpPr/>
+            <p:nvPr/>
+          </p:nvSpPr>
+          <p:spPr>
+            <a:xfrm>
+              <a:off x="6815593" y="518820"/>
+              <a:ext cx="779228" cy="779228"/>
+            </a:xfrm>
+            <a:prstGeom prst="ellipse">
+              <a:avLst/>
+            </a:prstGeom>
+            <a:noFill/>
+          </p:spPr>
+          <p:style>
+            <a:lnRef idx="2">
+              <a:schemeClr val="accent1">
+                <a:shade val="15000"/>
+              </a:schemeClr>
+            </a:lnRef>
+            <a:fillRef idx="1">
+              <a:schemeClr val="accent1"/>
+            </a:fillRef>
+            <a:effectRef idx="0">
+              <a:schemeClr val="accent1"/>
+            </a:effectRef>
+            <a:fontRef idx="minor">
+              <a:schemeClr val="lt1"/>
+            </a:fontRef>
+          </p:style>
+          <p:txBody>
+            <a:bodyPr rtlCol="0" anchor="ctr"/>
+            <a:lstStyle/>
+            <a:p>
+              <a:pPr algn="ctr"/>
+              <a:r>
+                <a:rPr lang="fr-FR" sz="800" dirty="0">
                   <a:solidFill>
                     <a:schemeClr val="tx1"/>
                   </a:solidFill>
-                </a:endParaRPr>
-              </a:p>
-            </p:txBody>
-          </p:sp>
-        </p:grpSp>
+                </a:rPr>
+                <a:t>PLAY / STOP</a:t>
+              </a:r>
+              <a:endParaRPr lang="en-GB" sz="800" dirty="0">
+                <a:solidFill>
+                  <a:schemeClr val="tx1"/>
+                </a:solidFill>
+              </a:endParaRPr>
+            </a:p>
+          </p:txBody>
+        </p:sp>
+        <p:sp>
+          <p:nvSpPr>
+            <p:cNvPr id="108" name="Oval 107">
+              <a:extLst>
+                <a:ext uri="{FF2B5EF4-FFF2-40B4-BE49-F238E27FC236}">
+                  <a16:creationId xmlns:a16="http://schemas.microsoft.com/office/drawing/2014/main" id="{FAD555BF-D423-E830-4B72-5ADC4922B79E}"/>
+                </a:ext>
+              </a:extLst>
+            </p:cNvPr>
+            <p:cNvSpPr/>
+            <p:nvPr/>
+          </p:nvSpPr>
+          <p:spPr>
+            <a:xfrm>
+              <a:off x="7927451" y="518820"/>
+              <a:ext cx="779228" cy="779228"/>
+            </a:xfrm>
+            <a:prstGeom prst="ellipse">
+              <a:avLst/>
+            </a:prstGeom>
+            <a:noFill/>
+          </p:spPr>
+          <p:style>
+            <a:lnRef idx="2">
+              <a:schemeClr val="accent1">
+                <a:shade val="15000"/>
+              </a:schemeClr>
+            </a:lnRef>
+            <a:fillRef idx="1">
+              <a:schemeClr val="accent1"/>
+            </a:fillRef>
+            <a:effectRef idx="0">
+              <a:schemeClr val="accent1"/>
+            </a:effectRef>
+            <a:fontRef idx="minor">
+              <a:schemeClr val="lt1"/>
+            </a:fontRef>
+          </p:style>
+          <p:txBody>
+            <a:bodyPr rtlCol="0" anchor="ctr"/>
+            <a:lstStyle/>
+            <a:p>
+              <a:pPr algn="ctr"/>
+              <a:r>
+                <a:rPr lang="fr-FR" sz="800" dirty="0">
+                  <a:solidFill>
+                    <a:schemeClr val="tx1"/>
+                  </a:solidFill>
+                </a:rPr>
+                <a:t>Next</a:t>
+              </a:r>
+              <a:br>
+                <a:rPr lang="fr-FR" sz="800" dirty="0">
+                  <a:solidFill>
+                    <a:schemeClr val="tx1"/>
+                  </a:solidFill>
+                </a:rPr>
+              </a:br>
+              <a:r>
+                <a:rPr lang="fr-FR" sz="800" dirty="0">
+                  <a:solidFill>
+                    <a:schemeClr val="tx1"/>
+                  </a:solidFill>
+                </a:rPr>
+                <a:t>session</a:t>
+              </a:r>
+              <a:endParaRPr lang="en-GB" sz="800" dirty="0">
+                <a:solidFill>
+                  <a:schemeClr val="tx1"/>
+                </a:solidFill>
+              </a:endParaRPr>
+            </a:p>
+          </p:txBody>
+        </p:sp>
+      </p:grpSp>
+      <p:grpSp>
+        <p:nvGrpSpPr>
+          <p:cNvPr id="11" name="Group 10">
+            <a:extLst>
+              <a:ext uri="{FF2B5EF4-FFF2-40B4-BE49-F238E27FC236}">
+                <a16:creationId xmlns:a16="http://schemas.microsoft.com/office/drawing/2014/main" id="{535528E7-DD41-99DF-9E89-D2B5AB4EA38D}"/>
+              </a:ext>
+            </a:extLst>
+          </p:cNvPr>
+          <p:cNvGrpSpPr/>
+          <p:nvPr/>
+        </p:nvGrpSpPr>
+        <p:grpSpPr>
+          <a:xfrm>
+            <a:off x="1509381" y="1875009"/>
+            <a:ext cx="7396079" cy="3107982"/>
+            <a:chOff x="1509381" y="1875009"/>
+            <a:chExt cx="7396079" cy="3107982"/>
+          </a:xfrm>
+        </p:grpSpPr>
         <p:sp>
           <p:nvSpPr>
             <p:cNvPr id="110" name="Rectangle 109">
